--- a/Project Presentation.pptx
+++ b/Project Presentation.pptx
@@ -36,13 +36,14 @@
     <p:sldId id="281" r:id="rId30"/>
     <p:sldId id="282" r:id="rId31"/>
     <p:sldId id="283" r:id="rId32"/>
+    <p:sldId id="284" r:id="rId33"/>
   </p:sldIdLst>
   <p:sldSz cy="6858000" cx="12192000"/>
   <p:notesSz cx="6858000" cy="9144000"/>
   <p:embeddedFontLst>
     <p:embeddedFont>
       <p:font typeface="Arial Black"/>
-      <p:regular r:id="rId33"/>
+      <p:regular r:id="rId34"/>
     </p:embeddedFont>
   </p:embeddedFontLst>
   <p:defaultTextStyle>
@@ -276,7 +277,7 @@
   </p:defaultTextStyle>
   <p:extLst>
     <p:ext uri="GoogleSlidesCustomDataVersion2">
-      <go:slidesCustomData xmlns:go="http://customooxmlschemas.google.com/" r:id="rId34" roundtripDataSignature="AMtx7mh2MZGM/q4DpLre/0x3NlYFXbEmiA=="/>
+      <go:slidesCustomData xmlns:go="http://customooxmlschemas.google.com/" r:id="rId35" roundtripDataSignature="AMtx7mjE4GpdfS2qT3eK7eIc1a3p/3h8CA=="/>
     </p:ext>
   </p:extLst>
 </p:presentation>
@@ -1549,7 +1550,8 @@
               <a:buNone/>
             </a:pPr>
             <a:r>
-              <a:t/>
+              <a:rPr lang="en-US"/>
+              <a:t>smeet</a:t>
             </a:r>
             <a:endParaRPr/>
           </a:p>
@@ -1612,7 +1614,7 @@
   <p:cSld>
     <p:spTree>
       <p:nvGrpSpPr>
-        <p:cNvPr id="222" name="Shape 222"/>
+        <p:cNvPr id="220" name="Shape 220"/>
         <p:cNvGrpSpPr/>
         <p:nvPr/>
       </p:nvGrpSpPr>
@@ -1626,7 +1628,7 @@
       </p:grpSpPr>
       <p:sp>
         <p:nvSpPr>
-          <p:cNvPr id="223" name="Google Shape;223;g31ce2079169_3_35:notes"/>
+          <p:cNvPr id="221" name="Google Shape;221;g31ce2079169_3_35:notes"/>
           <p:cNvSpPr/>
           <p:nvPr>
             <p:ph idx="2" type="sldImg"/>
@@ -1671,7 +1673,7 @@
       </p:sp>
       <p:sp>
         <p:nvSpPr>
-          <p:cNvPr id="224" name="Google Shape;224;g31ce2079169_3_35:notes"/>
+          <p:cNvPr id="222" name="Google Shape;222;g31ce2079169_3_35:notes"/>
           <p:cNvSpPr txBox="1"/>
           <p:nvPr>
             <p:ph idx="1" type="body"/>
@@ -1706,7 +1708,8 @@
               <a:buNone/>
             </a:pPr>
             <a:r>
-              <a:t/>
+              <a:rPr lang="en-US"/>
+              <a:t>Kevin</a:t>
             </a:r>
             <a:endParaRPr/>
           </a:p>
@@ -1714,7 +1717,7 @@
       </p:sp>
       <p:sp>
         <p:nvSpPr>
-          <p:cNvPr id="225" name="Google Shape;225;g31ce2079169_3_35:notes"/>
+          <p:cNvPr id="223" name="Google Shape;223;g31ce2079169_3_35:notes"/>
           <p:cNvSpPr txBox="1"/>
           <p:nvPr>
             <p:ph idx="12" type="sldNum"/>
@@ -1769,7 +1772,7 @@
   <p:cSld>
     <p:spTree>
       <p:nvGrpSpPr>
-        <p:cNvPr id="232" name="Shape 232"/>
+        <p:cNvPr id="230" name="Shape 230"/>
         <p:cNvGrpSpPr/>
         <p:nvPr/>
       </p:nvGrpSpPr>
@@ -1783,7 +1786,7 @@
       </p:grpSpPr>
       <p:sp>
         <p:nvSpPr>
-          <p:cNvPr id="233" name="Google Shape;233;g31ce2079169_3_57:notes"/>
+          <p:cNvPr id="231" name="Google Shape;231;g31ce2079169_3_57:notes"/>
           <p:cNvSpPr/>
           <p:nvPr>
             <p:ph idx="2" type="sldImg"/>
@@ -1828,7 +1831,7 @@
       </p:sp>
       <p:sp>
         <p:nvSpPr>
-          <p:cNvPr id="234" name="Google Shape;234;g31ce2079169_3_57:notes"/>
+          <p:cNvPr id="232" name="Google Shape;232;g31ce2079169_3_57:notes"/>
           <p:cNvSpPr txBox="1"/>
           <p:nvPr>
             <p:ph idx="1" type="body"/>
@@ -1863,7 +1866,8 @@
               <a:buNone/>
             </a:pPr>
             <a:r>
-              <a:t/>
+              <a:rPr lang="en-US"/>
+              <a:t>Kevin</a:t>
             </a:r>
             <a:endParaRPr/>
           </a:p>
@@ -1871,7 +1875,7 @@
       </p:sp>
       <p:sp>
         <p:nvSpPr>
-          <p:cNvPr id="235" name="Google Shape;235;g31ce2079169_3_57:notes"/>
+          <p:cNvPr id="233" name="Google Shape;233;g31ce2079169_3_57:notes"/>
           <p:cNvSpPr txBox="1"/>
           <p:nvPr>
             <p:ph idx="12" type="sldNum"/>
@@ -2020,7 +2024,8 @@
               <a:buNone/>
             </a:pPr>
             <a:r>
-              <a:t/>
+              <a:rPr lang="en-US"/>
+              <a:t>Will</a:t>
             </a:r>
             <a:endParaRPr/>
           </a:p>
@@ -2083,7 +2088,7 @@
   <p:cSld>
     <p:spTree>
       <p:nvGrpSpPr>
-        <p:cNvPr id="250" name="Shape 250"/>
+        <p:cNvPr id="249" name="Shape 249"/>
         <p:cNvGrpSpPr/>
         <p:nvPr/>
       </p:nvGrpSpPr>
@@ -2097,7 +2102,7 @@
       </p:grpSpPr>
       <p:sp>
         <p:nvSpPr>
-          <p:cNvPr id="251" name="Google Shape;251;p5:notes"/>
+          <p:cNvPr id="250" name="Google Shape;250;p5:notes"/>
           <p:cNvSpPr/>
           <p:nvPr>
             <p:ph idx="2" type="sldImg"/>
@@ -2142,7 +2147,7 @@
       </p:sp>
       <p:sp>
         <p:nvSpPr>
-          <p:cNvPr id="252" name="Google Shape;252;p5:notes"/>
+          <p:cNvPr id="251" name="Google Shape;251;p5:notes"/>
           <p:cNvSpPr txBox="1"/>
           <p:nvPr>
             <p:ph idx="1" type="body"/>
@@ -2177,7 +2182,8 @@
               <a:buNone/>
             </a:pPr>
             <a:r>
-              <a:t/>
+              <a:rPr lang="en-US"/>
+              <a:t>Will</a:t>
             </a:r>
             <a:endParaRPr/>
           </a:p>
@@ -2185,7 +2191,7 @@
       </p:sp>
       <p:sp>
         <p:nvSpPr>
-          <p:cNvPr id="253" name="Google Shape;253;p5:notes"/>
+          <p:cNvPr id="252" name="Google Shape;252;p5:notes"/>
           <p:cNvSpPr txBox="1"/>
           <p:nvPr>
             <p:ph idx="12" type="sldNum"/>
@@ -2240,7 +2246,7 @@
   <p:cSld>
     <p:spTree>
       <p:nvGrpSpPr>
-        <p:cNvPr id="263" name="Shape 263"/>
+        <p:cNvPr id="262" name="Shape 262"/>
         <p:cNvGrpSpPr/>
         <p:nvPr/>
       </p:nvGrpSpPr>
@@ -2254,7 +2260,7 @@
       </p:grpSpPr>
       <p:sp>
         <p:nvSpPr>
-          <p:cNvPr id="264" name="Google Shape;264;g31ce2079169_1_4:notes"/>
+          <p:cNvPr id="263" name="Google Shape;263;g31ce2079169_1_4:notes"/>
           <p:cNvSpPr/>
           <p:nvPr>
             <p:ph idx="2" type="sldImg"/>
@@ -2299,7 +2305,7 @@
       </p:sp>
       <p:sp>
         <p:nvSpPr>
-          <p:cNvPr id="265" name="Google Shape;265;g31ce2079169_1_4:notes"/>
+          <p:cNvPr id="264" name="Google Shape;264;g31ce2079169_1_4:notes"/>
           <p:cNvSpPr txBox="1"/>
           <p:nvPr>
             <p:ph idx="1" type="body"/>
@@ -2334,7 +2340,8 @@
               <a:buNone/>
             </a:pPr>
             <a:r>
-              <a:t/>
+              <a:rPr lang="en-US"/>
+              <a:t>Will</a:t>
             </a:r>
             <a:endParaRPr/>
           </a:p>
@@ -2342,7 +2349,7 @@
       </p:sp>
       <p:sp>
         <p:nvSpPr>
-          <p:cNvPr id="266" name="Google Shape;266;g31ce2079169_1_4:notes"/>
+          <p:cNvPr id="265" name="Google Shape;265;g31ce2079169_1_4:notes"/>
           <p:cNvSpPr txBox="1"/>
           <p:nvPr>
             <p:ph idx="12" type="sldNum"/>
@@ -2397,7 +2404,7 @@
   <p:cSld>
     <p:spTree>
       <p:nvGrpSpPr>
-        <p:cNvPr id="274" name="Shape 274"/>
+        <p:cNvPr id="273" name="Shape 273"/>
         <p:cNvGrpSpPr/>
         <p:nvPr/>
       </p:nvGrpSpPr>
@@ -2411,7 +2418,7 @@
       </p:grpSpPr>
       <p:sp>
         <p:nvSpPr>
-          <p:cNvPr id="275" name="Google Shape;275;g31ce2079169_0_14:notes"/>
+          <p:cNvPr id="274" name="Google Shape;274;g31ce2079169_0_14:notes"/>
           <p:cNvSpPr/>
           <p:nvPr>
             <p:ph idx="2" type="sldImg"/>
@@ -2456,7 +2463,7 @@
       </p:sp>
       <p:sp>
         <p:nvSpPr>
-          <p:cNvPr id="276" name="Google Shape;276;g31ce2079169_0_14:notes"/>
+          <p:cNvPr id="275" name="Google Shape;275;g31ce2079169_0_14:notes"/>
           <p:cNvSpPr txBox="1"/>
           <p:nvPr>
             <p:ph idx="1" type="body"/>
@@ -2491,7 +2498,8 @@
               <a:buNone/>
             </a:pPr>
             <a:r>
-              <a:t/>
+              <a:rPr lang="en-US"/>
+              <a:t>Smeet</a:t>
             </a:r>
             <a:endParaRPr/>
           </a:p>
@@ -2499,7 +2507,7 @@
       </p:sp>
       <p:sp>
         <p:nvSpPr>
-          <p:cNvPr id="277" name="Google Shape;277;g31ce2079169_0_14:notes"/>
+          <p:cNvPr id="276" name="Google Shape;276;g31ce2079169_0_14:notes"/>
           <p:cNvSpPr txBox="1"/>
           <p:nvPr>
             <p:ph idx="12" type="sldNum"/>
@@ -2554,7 +2562,7 @@
   <p:cSld>
     <p:spTree>
       <p:nvGrpSpPr>
-        <p:cNvPr id="282" name="Shape 282"/>
+        <p:cNvPr id="280" name="Shape 280"/>
         <p:cNvGrpSpPr/>
         <p:nvPr/>
       </p:nvGrpSpPr>
@@ -2568,7 +2576,7 @@
       </p:grpSpPr>
       <p:sp>
         <p:nvSpPr>
-          <p:cNvPr id="283" name="Google Shape;283;p6:notes"/>
+          <p:cNvPr id="281" name="Google Shape;281;p6:notes"/>
           <p:cNvSpPr/>
           <p:nvPr>
             <p:ph idx="2" type="sldImg"/>
@@ -2613,7 +2621,7 @@
       </p:sp>
       <p:sp>
         <p:nvSpPr>
-          <p:cNvPr id="284" name="Google Shape;284;p6:notes"/>
+          <p:cNvPr id="282" name="Google Shape;282;p6:notes"/>
           <p:cNvSpPr txBox="1"/>
           <p:nvPr>
             <p:ph idx="1" type="body"/>
@@ -2648,7 +2656,8 @@
               <a:buNone/>
             </a:pPr>
             <a:r>
-              <a:t/>
+              <a:rPr lang="en-US"/>
+              <a:t>smeet</a:t>
             </a:r>
             <a:endParaRPr/>
           </a:p>
@@ -2656,7 +2665,7 @@
       </p:sp>
       <p:sp>
         <p:nvSpPr>
-          <p:cNvPr id="285" name="Google Shape;285;p6:notes"/>
+          <p:cNvPr id="283" name="Google Shape;283;p6:notes"/>
           <p:cNvSpPr txBox="1"/>
           <p:nvPr>
             <p:ph idx="12" type="sldNum"/>
@@ -2711,7 +2720,7 @@
   <p:cSld>
     <p:spTree>
       <p:nvGrpSpPr>
-        <p:cNvPr id="295" name="Shape 295"/>
+        <p:cNvPr id="291" name="Shape 291"/>
         <p:cNvGrpSpPr/>
         <p:nvPr/>
       </p:nvGrpSpPr>
@@ -2725,7 +2734,7 @@
       </p:grpSpPr>
       <p:sp>
         <p:nvSpPr>
-          <p:cNvPr id="296" name="Google Shape;296;g31ce2079169_5_7:notes"/>
+          <p:cNvPr id="292" name="Google Shape;292;g31ce2079169_5_7:notes"/>
           <p:cNvSpPr/>
           <p:nvPr>
             <p:ph idx="2" type="sldImg"/>
@@ -2760,7 +2769,7 @@
       </p:sp>
       <p:sp>
         <p:nvSpPr>
-          <p:cNvPr id="297" name="Google Shape;297;g31ce2079169_5_7:notes"/>
+          <p:cNvPr id="293" name="Google Shape;293;g31ce2079169_5_7:notes"/>
           <p:cNvSpPr txBox="1"/>
           <p:nvPr>
             <p:ph idx="1" type="body"/>
@@ -2791,7 +2800,8 @@
               <a:buNone/>
             </a:pPr>
             <a:r>
-              <a:t/>
+              <a:rPr lang="en-US"/>
+              <a:t>smeet</a:t>
             </a:r>
             <a:endParaRPr/>
           </a:p>
@@ -2799,7 +2809,7 @@
       </p:sp>
       <p:sp>
         <p:nvSpPr>
-          <p:cNvPr id="298" name="Google Shape;298;g31ce2079169_5_7:notes"/>
+          <p:cNvPr id="294" name="Google Shape;294;g31ce2079169_5_7:notes"/>
           <p:cNvSpPr txBox="1"/>
           <p:nvPr>
             <p:ph idx="12" type="sldNum"/>
@@ -2854,7 +2864,7 @@
   <p:cSld>
     <p:spTree>
       <p:nvGrpSpPr>
-        <p:cNvPr id="307" name="Shape 307"/>
+        <p:cNvPr id="302" name="Shape 302"/>
         <p:cNvGrpSpPr/>
         <p:nvPr/>
       </p:nvGrpSpPr>
@@ -2868,7 +2878,7 @@
       </p:grpSpPr>
       <p:sp>
         <p:nvSpPr>
-          <p:cNvPr id="308" name="Google Shape;308;g31ce2079169_0_54:notes"/>
+          <p:cNvPr id="303" name="Google Shape;303;g31ce2079169_0_54:notes"/>
           <p:cNvSpPr/>
           <p:nvPr>
             <p:ph idx="2" type="sldImg"/>
@@ -2903,7 +2913,7 @@
       </p:sp>
       <p:sp>
         <p:nvSpPr>
-          <p:cNvPr id="309" name="Google Shape;309;g31ce2079169_0_54:notes"/>
+          <p:cNvPr id="304" name="Google Shape;304;g31ce2079169_0_54:notes"/>
           <p:cNvSpPr txBox="1"/>
           <p:nvPr>
             <p:ph idx="1" type="body"/>
@@ -2934,7 +2944,8 @@
               <a:buNone/>
             </a:pPr>
             <a:r>
-              <a:t/>
+              <a:rPr lang="en-US"/>
+              <a:t>smeet</a:t>
             </a:r>
             <a:endParaRPr/>
           </a:p>
@@ -2942,7 +2953,7 @@
       </p:sp>
       <p:sp>
         <p:nvSpPr>
-          <p:cNvPr id="310" name="Google Shape;310;g31ce2079169_0_54:notes"/>
+          <p:cNvPr id="305" name="Google Shape;305;g31ce2079169_0_54:notes"/>
           <p:cNvSpPr txBox="1"/>
           <p:nvPr>
             <p:ph idx="12" type="sldNum"/>
@@ -2997,7 +3008,7 @@
   <p:cSld>
     <p:spTree>
       <p:nvGrpSpPr>
-        <p:cNvPr id="316" name="Shape 316"/>
+        <p:cNvPr id="312" name="Shape 312"/>
         <p:cNvGrpSpPr/>
         <p:nvPr/>
       </p:nvGrpSpPr>
@@ -3011,7 +3022,7 @@
       </p:grpSpPr>
       <p:sp>
         <p:nvSpPr>
-          <p:cNvPr id="317" name="Google Shape;317;g31ce2079169_3_80:notes"/>
+          <p:cNvPr id="313" name="Google Shape;313;g31ce2079169_0_28:notes"/>
           <p:cNvSpPr/>
           <p:nvPr>
             <p:ph idx="2" type="sldImg"/>
@@ -3056,7 +3067,7 @@
       </p:sp>
       <p:sp>
         <p:nvSpPr>
-          <p:cNvPr id="318" name="Google Shape;318;g31ce2079169_3_80:notes"/>
+          <p:cNvPr id="314" name="Google Shape;314;g31ce2079169_0_28:notes"/>
           <p:cNvSpPr txBox="1"/>
           <p:nvPr>
             <p:ph idx="1" type="body"/>
@@ -3091,7 +3102,8 @@
               <a:buNone/>
             </a:pPr>
             <a:r>
-              <a:t/>
+              <a:rPr lang="en-US"/>
+              <a:t>Will</a:t>
             </a:r>
             <a:endParaRPr/>
           </a:p>
@@ -3099,7 +3111,7 @@
       </p:sp>
       <p:sp>
         <p:nvSpPr>
-          <p:cNvPr id="319" name="Google Shape;319;g31ce2079169_3_80:notes"/>
+          <p:cNvPr id="315" name="Google Shape;315;g31ce2079169_0_28:notes"/>
           <p:cNvSpPr txBox="1"/>
           <p:nvPr>
             <p:ph idx="12" type="sldNum"/>
@@ -3245,6 +3257,26 @@
               <a:spcAft>
                 <a:spcPts val="0"/>
               </a:spcAft>
+              <a:buClr>
+                <a:schemeClr val="dk1"/>
+              </a:buClr>
+              <a:buFont typeface="Arial"/>
+              <a:buNone/>
+            </a:pPr>
+            <a:r>
+              <a:rPr lang="en-US"/>
+              <a:t>Smeet</a:t>
+            </a:r>
+            <a:endParaRPr/>
+          </a:p>
+          <a:p>
+            <a:pPr indent="0" lvl="0" marL="0" rtl="0" algn="l">
+              <a:spcBef>
+                <a:spcPts val="0"/>
+              </a:spcBef>
+              <a:spcAft>
+                <a:spcPts val="0"/>
+              </a:spcAft>
               <a:buNone/>
             </a:pPr>
             <a:r>
@@ -3311,7 +3343,7 @@
   <p:cSld>
     <p:spTree>
       <p:nvGrpSpPr>
-        <p:cNvPr id="326" name="Shape 326"/>
+        <p:cNvPr id="319" name="Shape 319"/>
         <p:cNvGrpSpPr/>
         <p:nvPr/>
       </p:nvGrpSpPr>
@@ -3325,7 +3357,7 @@
       </p:grpSpPr>
       <p:sp>
         <p:nvSpPr>
-          <p:cNvPr id="327" name="Google Shape;327;g31ce2079169_3_89:notes"/>
+          <p:cNvPr id="320" name="Google Shape;320;g31ce2079169_0_35:notes"/>
           <p:cNvSpPr/>
           <p:nvPr>
             <p:ph idx="2" type="sldImg"/>
@@ -3370,7 +3402,7 @@
       </p:sp>
       <p:sp>
         <p:nvSpPr>
-          <p:cNvPr id="328" name="Google Shape;328;g31ce2079169_3_89:notes"/>
+          <p:cNvPr id="321" name="Google Shape;321;g31ce2079169_0_35:notes"/>
           <p:cNvSpPr txBox="1"/>
           <p:nvPr>
             <p:ph idx="1" type="body"/>
@@ -3405,7 +3437,8 @@
               <a:buNone/>
             </a:pPr>
             <a:r>
-              <a:t/>
+              <a:rPr lang="en-US"/>
+              <a:t>will</a:t>
             </a:r>
             <a:endParaRPr/>
           </a:p>
@@ -3413,7 +3446,7 @@
       </p:sp>
       <p:sp>
         <p:nvSpPr>
-          <p:cNvPr id="329" name="Google Shape;329;g31ce2079169_3_89:notes"/>
+          <p:cNvPr id="322" name="Google Shape;322;g31ce2079169_0_35:notes"/>
           <p:cNvSpPr txBox="1"/>
           <p:nvPr>
             <p:ph idx="12" type="sldNum"/>
@@ -3468,7 +3501,7 @@
   <p:cSld>
     <p:spTree>
       <p:nvGrpSpPr>
-        <p:cNvPr id="338" name="Shape 338"/>
+        <p:cNvPr id="331" name="Shape 331"/>
         <p:cNvGrpSpPr/>
         <p:nvPr/>
       </p:nvGrpSpPr>
@@ -3482,7 +3515,7 @@
       </p:grpSpPr>
       <p:sp>
         <p:nvSpPr>
-          <p:cNvPr id="339" name="Google Shape;339;g31ce2079169_0_28:notes"/>
+          <p:cNvPr id="332" name="Google Shape;332;g31ce2079169_4_4:notes"/>
           <p:cNvSpPr/>
           <p:nvPr>
             <p:ph idx="2" type="sldImg"/>
@@ -3527,7 +3560,7 @@
       </p:sp>
       <p:sp>
         <p:nvSpPr>
-          <p:cNvPr id="340" name="Google Shape;340;g31ce2079169_0_28:notes"/>
+          <p:cNvPr id="333" name="Google Shape;333;g31ce2079169_4_4:notes"/>
           <p:cNvSpPr txBox="1"/>
           <p:nvPr>
             <p:ph idx="1" type="body"/>
@@ -3562,7 +3595,8 @@
               <a:buNone/>
             </a:pPr>
             <a:r>
-              <a:t/>
+              <a:rPr lang="en-US"/>
+              <a:t>will</a:t>
             </a:r>
             <a:endParaRPr/>
           </a:p>
@@ -3570,7 +3604,7 @@
       </p:sp>
       <p:sp>
         <p:nvSpPr>
-          <p:cNvPr id="341" name="Google Shape;341;g31ce2079169_0_28:notes"/>
+          <p:cNvPr id="334" name="Google Shape;334;g31ce2079169_4_4:notes"/>
           <p:cNvSpPr txBox="1"/>
           <p:nvPr>
             <p:ph idx="12" type="sldNum"/>
@@ -3625,7 +3659,7 @@
   <p:cSld>
     <p:spTree>
       <p:nvGrpSpPr>
-        <p:cNvPr id="346" name="Shape 346"/>
+        <p:cNvPr id="342" name="Shape 342"/>
         <p:cNvGrpSpPr/>
         <p:nvPr/>
       </p:nvGrpSpPr>
@@ -3639,7 +3673,7 @@
       </p:grpSpPr>
       <p:sp>
         <p:nvSpPr>
-          <p:cNvPr id="347" name="Google Shape;347;g31ce2079169_0_35:notes"/>
+          <p:cNvPr id="343" name="Google Shape;343;g31ce2079169_3_80:notes"/>
           <p:cNvSpPr/>
           <p:nvPr>
             <p:ph idx="2" type="sldImg"/>
@@ -3684,7 +3718,7 @@
       </p:sp>
       <p:sp>
         <p:nvSpPr>
-          <p:cNvPr id="348" name="Google Shape;348;g31ce2079169_0_35:notes"/>
+          <p:cNvPr id="344" name="Google Shape;344;g31ce2079169_3_80:notes"/>
           <p:cNvSpPr txBox="1"/>
           <p:nvPr>
             <p:ph idx="1" type="body"/>
@@ -3719,7 +3753,8 @@
               <a:buNone/>
             </a:pPr>
             <a:r>
-              <a:t/>
+              <a:rPr lang="en-US"/>
+              <a:t>shrusti</a:t>
             </a:r>
             <a:endParaRPr/>
           </a:p>
@@ -3727,7 +3762,7 @@
       </p:sp>
       <p:sp>
         <p:nvSpPr>
-          <p:cNvPr id="349" name="Google Shape;349;g31ce2079169_0_35:notes"/>
+          <p:cNvPr id="345" name="Google Shape;345;g31ce2079169_3_80:notes"/>
           <p:cNvSpPr txBox="1"/>
           <p:nvPr>
             <p:ph idx="12" type="sldNum"/>
@@ -3782,7 +3817,7 @@
   <p:cSld>
     <p:spTree>
       <p:nvGrpSpPr>
-        <p:cNvPr id="358" name="Shape 358"/>
+        <p:cNvPr id="354" name="Shape 354"/>
         <p:cNvGrpSpPr/>
         <p:nvPr/>
       </p:nvGrpSpPr>
@@ -3796,7 +3831,7 @@
       </p:grpSpPr>
       <p:sp>
         <p:nvSpPr>
-          <p:cNvPr id="359" name="Google Shape;359;g31ce2079169_4_4:notes"/>
+          <p:cNvPr id="355" name="Google Shape;355;g31ce2079169_3_89:notes"/>
           <p:cNvSpPr/>
           <p:nvPr>
             <p:ph idx="2" type="sldImg"/>
@@ -3841,7 +3876,7 @@
       </p:sp>
       <p:sp>
         <p:nvSpPr>
-          <p:cNvPr id="360" name="Google Shape;360;g31ce2079169_4_4:notes"/>
+          <p:cNvPr id="356" name="Google Shape;356;g31ce2079169_3_89:notes"/>
           <p:cNvSpPr txBox="1"/>
           <p:nvPr>
             <p:ph idx="1" type="body"/>
@@ -3876,7 +3911,8 @@
               <a:buNone/>
             </a:pPr>
             <a:r>
-              <a:t/>
+              <a:rPr lang="en-US"/>
+              <a:t>shrusti</a:t>
             </a:r>
             <a:endParaRPr/>
           </a:p>
@@ -3884,7 +3920,7 @@
       </p:sp>
       <p:sp>
         <p:nvSpPr>
-          <p:cNvPr id="361" name="Google Shape;361;g31ce2079169_4_4:notes"/>
+          <p:cNvPr id="357" name="Google Shape;357;g31ce2079169_3_89:notes"/>
           <p:cNvSpPr txBox="1"/>
           <p:nvPr>
             <p:ph idx="12" type="sldNum"/>
@@ -3939,7 +3975,7 @@
   <p:cSld>
     <p:spTree>
       <p:nvGrpSpPr>
-        <p:cNvPr id="369" name="Shape 369"/>
+        <p:cNvPr id="370" name="Shape 370"/>
         <p:cNvGrpSpPr/>
         <p:nvPr/>
       </p:nvGrpSpPr>
@@ -3953,7 +3989,7 @@
       </p:grpSpPr>
       <p:sp>
         <p:nvSpPr>
-          <p:cNvPr id="370" name="Google Shape;370;p7:notes"/>
+          <p:cNvPr id="371" name="Google Shape;371;p7:notes"/>
           <p:cNvSpPr/>
           <p:nvPr>
             <p:ph idx="2" type="sldImg"/>
@@ -3998,7 +4034,7 @@
       </p:sp>
       <p:sp>
         <p:nvSpPr>
-          <p:cNvPr id="371" name="Google Shape;371;p7:notes"/>
+          <p:cNvPr id="372" name="Google Shape;372;p7:notes"/>
           <p:cNvSpPr txBox="1"/>
           <p:nvPr>
             <p:ph idx="1" type="body"/>
@@ -4033,7 +4069,8 @@
               <a:buNone/>
             </a:pPr>
             <a:r>
-              <a:t/>
+              <a:rPr lang="en-US"/>
+              <a:t>Shrusti</a:t>
             </a:r>
             <a:endParaRPr/>
           </a:p>
@@ -4041,7 +4078,7 @@
       </p:sp>
       <p:sp>
         <p:nvSpPr>
-          <p:cNvPr id="372" name="Google Shape;372;p7:notes"/>
+          <p:cNvPr id="373" name="Google Shape;373;p7:notes"/>
           <p:cNvSpPr txBox="1"/>
           <p:nvPr>
             <p:ph idx="12" type="sldNum"/>
@@ -4096,7 +4133,7 @@
   <p:cSld>
     <p:spTree>
       <p:nvGrpSpPr>
-        <p:cNvPr id="376" name="Shape 376"/>
+        <p:cNvPr id="377" name="Shape 377"/>
         <p:cNvGrpSpPr/>
         <p:nvPr/>
       </p:nvGrpSpPr>
@@ -4110,7 +4147,7 @@
       </p:grpSpPr>
       <p:sp>
         <p:nvSpPr>
-          <p:cNvPr id="377" name="Google Shape;377;g31ce2079169_6_6:notes"/>
+          <p:cNvPr id="378" name="Google Shape;378;g31ce2079169_6_6:notes"/>
           <p:cNvSpPr/>
           <p:nvPr>
             <p:ph idx="2" type="sldImg"/>
@@ -4155,7 +4192,7 @@
       </p:sp>
       <p:sp>
         <p:nvSpPr>
-          <p:cNvPr id="378" name="Google Shape;378;g31ce2079169_6_6:notes"/>
+          <p:cNvPr id="379" name="Google Shape;379;g31ce2079169_6_6:notes"/>
           <p:cNvSpPr txBox="1"/>
           <p:nvPr>
             <p:ph idx="1" type="body"/>
@@ -4190,7 +4227,8 @@
               <a:buNone/>
             </a:pPr>
             <a:r>
-              <a:t/>
+              <a:rPr lang="en-US"/>
+              <a:t>shrusti</a:t>
             </a:r>
             <a:endParaRPr/>
           </a:p>
@@ -4198,7 +4236,7 @@
       </p:sp>
       <p:sp>
         <p:nvSpPr>
-          <p:cNvPr id="379" name="Google Shape;379;g31ce2079169_6_6:notes"/>
+          <p:cNvPr id="380" name="Google Shape;380;g31ce2079169_6_6:notes"/>
           <p:cNvSpPr txBox="1"/>
           <p:nvPr>
             <p:ph idx="12" type="sldNum"/>
@@ -4253,7 +4291,7 @@
   <p:cSld>
     <p:spTree>
       <p:nvGrpSpPr>
-        <p:cNvPr id="386" name="Shape 386"/>
+        <p:cNvPr id="387" name="Shape 387"/>
         <p:cNvGrpSpPr/>
         <p:nvPr/>
       </p:nvGrpSpPr>
@@ -4267,7 +4305,7 @@
       </p:grpSpPr>
       <p:sp>
         <p:nvSpPr>
-          <p:cNvPr id="387" name="Google Shape;387;g31ce2079169_6_15:notes"/>
+          <p:cNvPr id="388" name="Google Shape;388;g320dea10c1e_0_10:notes"/>
           <p:cNvSpPr/>
           <p:nvPr>
             <p:ph idx="2" type="sldImg"/>
@@ -4312,7 +4350,7 @@
       </p:sp>
       <p:sp>
         <p:nvSpPr>
-          <p:cNvPr id="388" name="Google Shape;388;g31ce2079169_6_15:notes"/>
+          <p:cNvPr id="389" name="Google Shape;389;g320dea10c1e_0_10:notes"/>
           <p:cNvSpPr txBox="1"/>
           <p:nvPr>
             <p:ph idx="1" type="body"/>
@@ -4347,7 +4385,8 @@
               <a:buNone/>
             </a:pPr>
             <a:r>
-              <a:t/>
+              <a:rPr lang="en-US"/>
+              <a:t>shrusti</a:t>
             </a:r>
             <a:endParaRPr/>
           </a:p>
@@ -4355,7 +4394,7 @@
       </p:sp>
       <p:sp>
         <p:nvSpPr>
-          <p:cNvPr id="389" name="Google Shape;389;g31ce2079169_6_15:notes"/>
+          <p:cNvPr id="390" name="Google Shape;390;g320dea10c1e_0_10:notes"/>
           <p:cNvSpPr txBox="1"/>
           <p:nvPr>
             <p:ph idx="12" type="sldNum"/>
@@ -4410,7 +4449,7 @@
   <p:cSld>
     <p:spTree>
       <p:nvGrpSpPr>
-        <p:cNvPr id="396" name="Shape 396"/>
+        <p:cNvPr id="397" name="Shape 397"/>
         <p:cNvGrpSpPr/>
         <p:nvPr/>
       </p:nvGrpSpPr>
@@ -4424,7 +4463,7 @@
       </p:grpSpPr>
       <p:sp>
         <p:nvSpPr>
-          <p:cNvPr id="397" name="Google Shape;397;g31ce2079169_6_24:notes"/>
+          <p:cNvPr id="398" name="Google Shape;398;g31ce2079169_6_15:notes"/>
           <p:cNvSpPr/>
           <p:nvPr>
             <p:ph idx="2" type="sldImg"/>
@@ -4469,7 +4508,7 @@
       </p:sp>
       <p:sp>
         <p:nvSpPr>
-          <p:cNvPr id="398" name="Google Shape;398;g31ce2079169_6_24:notes"/>
+          <p:cNvPr id="399" name="Google Shape;399;g31ce2079169_6_15:notes"/>
           <p:cNvSpPr txBox="1"/>
           <p:nvPr>
             <p:ph idx="1" type="body"/>
@@ -4504,7 +4543,8 @@
               <a:buNone/>
             </a:pPr>
             <a:r>
-              <a:t/>
+              <a:rPr lang="en-US"/>
+              <a:t>shrusti</a:t>
             </a:r>
             <a:endParaRPr/>
           </a:p>
@@ -4512,7 +4552,7 @@
       </p:sp>
       <p:sp>
         <p:nvSpPr>
-          <p:cNvPr id="399" name="Google Shape;399;g31ce2079169_6_24:notes"/>
+          <p:cNvPr id="400" name="Google Shape;400;g31ce2079169_6_15:notes"/>
           <p:cNvSpPr txBox="1"/>
           <p:nvPr>
             <p:ph idx="12" type="sldNum"/>
@@ -4567,7 +4607,7 @@
   <p:cSld>
     <p:spTree>
       <p:nvGrpSpPr>
-        <p:cNvPr id="406" name="Shape 406"/>
+        <p:cNvPr id="407" name="Shape 407"/>
         <p:cNvGrpSpPr/>
         <p:nvPr/>
       </p:nvGrpSpPr>
@@ -4581,7 +4621,7 @@
       </p:grpSpPr>
       <p:sp>
         <p:nvSpPr>
-          <p:cNvPr id="407" name="Google Shape;407;p12:notes"/>
+          <p:cNvPr id="408" name="Google Shape;408;g31ce2079169_6_24:notes"/>
           <p:cNvSpPr/>
           <p:nvPr>
             <p:ph idx="2" type="sldImg"/>
@@ -4626,7 +4666,7 @@
       </p:sp>
       <p:sp>
         <p:nvSpPr>
-          <p:cNvPr id="408" name="Google Shape;408;p12:notes"/>
+          <p:cNvPr id="409" name="Google Shape;409;g31ce2079169_6_24:notes"/>
           <p:cNvSpPr txBox="1"/>
           <p:nvPr>
             <p:ph idx="1" type="body"/>
@@ -4635,7 +4675,7 @@
         <p:spPr>
           <a:xfrm>
             <a:off x="685800" y="4400550"/>
-            <a:ext cx="5486400" cy="3600450"/>
+            <a:ext cx="5486400" cy="3600600"/>
           </a:xfrm>
           <a:prstGeom prst="rect">
             <a:avLst/>
@@ -4661,7 +4701,8 @@
               <a:buNone/>
             </a:pPr>
             <a:r>
-              <a:t/>
+              <a:rPr lang="en-US"/>
+              <a:t>shrusti</a:t>
             </a:r>
             <a:endParaRPr/>
           </a:p>
@@ -4669,7 +4710,7 @@
       </p:sp>
       <p:sp>
         <p:nvSpPr>
-          <p:cNvPr id="409" name="Google Shape;409;p12:notes"/>
+          <p:cNvPr id="410" name="Google Shape;410;g31ce2079169_6_24:notes"/>
           <p:cNvSpPr txBox="1"/>
           <p:nvPr>
             <p:ph idx="12" type="sldNum"/>
@@ -4678,7 +4719,165 @@
         <p:spPr>
           <a:xfrm>
             <a:off x="3884613" y="8685213"/>
-            <a:ext cx="2971800" cy="458787"/>
+            <a:ext cx="2971800" cy="458700"/>
+          </a:xfrm>
+          <a:prstGeom prst="rect">
+            <a:avLst/>
+          </a:prstGeom>
+          <a:noFill/>
+          <a:ln>
+            <a:noFill/>
+          </a:ln>
+        </p:spPr>
+        <p:txBody>
+          <a:bodyPr anchorCtr="0" anchor="b" bIns="45700" lIns="91425" spcFirstLastPara="1" rIns="91425" wrap="square" tIns="45700">
+            <a:noAutofit/>
+          </a:bodyPr>
+          <a:lstStyle/>
+          <a:p>
+            <a:pPr indent="0" lvl="0" marL="0" rtl="0" algn="r">
+              <a:spcBef>
+                <a:spcPts val="0"/>
+              </a:spcBef>
+              <a:spcAft>
+                <a:spcPts val="0"/>
+              </a:spcAft>
+              <a:buNone/>
+            </a:pPr>
+            <a:fld id="{00000000-1234-1234-1234-123412341234}" type="slidenum">
+              <a:rPr lang="en-US"/>
+              <a:t>‹#›</a:t>
+            </a:fld>
+            <a:endParaRPr/>
+          </a:p>
+        </p:txBody>
+      </p:sp>
+    </p:spTree>
+  </p:cSld>
+  <p:clrMapOvr>
+    <a:masterClrMapping/>
+  </p:clrMapOvr>
+</p:notes>
+</file>
+
+<file path=ppt/notesSlides/notesSlide29.xml><?xml version="1.0" encoding="utf-8"?>
+<p:notes xmlns:a="http://schemas.openxmlformats.org/drawingml/2006/main" xmlns:r="http://schemas.openxmlformats.org/officeDocument/2006/relationships" xmlns:mc="http://schemas.openxmlformats.org/markup-compatibility/2006" xmlns:mv="urn:schemas-microsoft-com:mac:vml" xmlns:p="http://schemas.openxmlformats.org/presentationml/2006/main" xmlns:c="http://schemas.openxmlformats.org/drawingml/2006/chart" xmlns:dgm="http://schemas.openxmlformats.org/drawingml/2006/diagram" xmlns:o="urn:schemas-microsoft-com:office:office" xmlns:v="urn:schemas-microsoft-com:vml" xmlns:pvml="urn:schemas-microsoft-com:office:powerpoint" xmlns:com="http://schemas.openxmlformats.org/drawingml/2006/compatibility" xmlns:p14="http://schemas.microsoft.com/office/powerpoint/2010/main" xmlns:p15="http://schemas.microsoft.com/office/powerpoint/2012/main" xmlns:ahyp="http://schemas.microsoft.com/office/drawing/2018/hyperlinkcolor" showMasterPhAnim="0" showMasterSp="0">
+  <p:cSld>
+    <p:spTree>
+      <p:nvGrpSpPr>
+        <p:cNvPr id="417" name="Shape 417"/>
+        <p:cNvGrpSpPr/>
+        <p:nvPr/>
+      </p:nvGrpSpPr>
+      <p:grpSpPr>
+        <a:xfrm>
+          <a:off x="0" y="0"/>
+          <a:ext cx="0" cy="0"/>
+          <a:chOff x="0" y="0"/>
+          <a:chExt cx="0" cy="0"/>
+        </a:xfrm>
+      </p:grpSpPr>
+      <p:sp>
+        <p:nvSpPr>
+          <p:cNvPr id="418" name="Google Shape;418;g320dea10c1e_1_1:notes"/>
+          <p:cNvSpPr/>
+          <p:nvPr>
+            <p:ph idx="2" type="sldImg"/>
+          </p:nvPr>
+        </p:nvSpPr>
+        <p:spPr>
+          <a:xfrm>
+            <a:off x="685800" y="1143000"/>
+            <a:ext cx="5486400" cy="3086100"/>
+          </a:xfrm>
+          <a:custGeom>
+            <a:rect b="b" l="l" r="r" t="t"/>
+            <a:pathLst>
+              <a:path extrusionOk="0" h="120000" w="120000">
+                <a:moveTo>
+                  <a:pt x="0" y="0"/>
+                </a:moveTo>
+                <a:lnTo>
+                  <a:pt x="120000" y="0"/>
+                </a:lnTo>
+                <a:lnTo>
+                  <a:pt x="120000" y="120000"/>
+                </a:lnTo>
+                <a:lnTo>
+                  <a:pt x="0" y="120000"/>
+                </a:lnTo>
+                <a:close/>
+              </a:path>
+            </a:pathLst>
+          </a:custGeom>
+          <a:noFill/>
+          <a:ln cap="flat" cmpd="sng" w="12700">
+            <a:solidFill>
+              <a:srgbClr val="000000"/>
+            </a:solidFill>
+            <a:prstDash val="solid"/>
+            <a:round/>
+            <a:headEnd len="sm" w="sm" type="none"/>
+            <a:tailEnd len="sm" w="sm" type="none"/>
+          </a:ln>
+        </p:spPr>
+      </p:sp>
+      <p:sp>
+        <p:nvSpPr>
+          <p:cNvPr id="419" name="Google Shape;419;g320dea10c1e_1_1:notes"/>
+          <p:cNvSpPr txBox="1"/>
+          <p:nvPr>
+            <p:ph idx="1" type="body"/>
+          </p:nvPr>
+        </p:nvSpPr>
+        <p:spPr>
+          <a:xfrm>
+            <a:off x="685800" y="4400550"/>
+            <a:ext cx="5486400" cy="3600600"/>
+          </a:xfrm>
+          <a:prstGeom prst="rect">
+            <a:avLst/>
+          </a:prstGeom>
+          <a:noFill/>
+          <a:ln>
+            <a:noFill/>
+          </a:ln>
+        </p:spPr>
+        <p:txBody>
+          <a:bodyPr anchorCtr="0" anchor="t" bIns="45700" lIns="91425" spcFirstLastPara="1" rIns="91425" wrap="square" tIns="45700">
+            <a:noAutofit/>
+          </a:bodyPr>
+          <a:lstStyle/>
+          <a:p>
+            <a:pPr indent="0" lvl="0" marL="0" rtl="0" algn="l">
+              <a:spcBef>
+                <a:spcPts val="0"/>
+              </a:spcBef>
+              <a:spcAft>
+                <a:spcPts val="0"/>
+              </a:spcAft>
+              <a:buNone/>
+            </a:pPr>
+            <a:r>
+              <a:rPr lang="en-US"/>
+              <a:t>Shrusti</a:t>
+            </a:r>
+            <a:endParaRPr/>
+          </a:p>
+        </p:txBody>
+      </p:sp>
+      <p:sp>
+        <p:nvSpPr>
+          <p:cNvPr id="420" name="Google Shape;420;g320dea10c1e_1_1:notes"/>
+          <p:cNvSpPr txBox="1"/>
+          <p:nvPr>
+            <p:ph idx="12" type="sldNum"/>
+          </p:nvPr>
+        </p:nvSpPr>
+        <p:spPr>
+          <a:xfrm>
+            <a:off x="3884613" y="8685213"/>
+            <a:ext cx="2971800" cy="458700"/>
           </a:xfrm>
           <a:prstGeom prst="rect">
             <a:avLst/>
@@ -4724,7 +4923,7 @@
   <p:cSld>
     <p:spTree>
       <p:nvGrpSpPr>
-        <p:cNvPr id="144" name="Shape 144"/>
+        <p:cNvPr id="143" name="Shape 143"/>
         <p:cNvGrpSpPr/>
         <p:nvPr/>
       </p:nvGrpSpPr>
@@ -4738,7 +4937,7 @@
       </p:grpSpPr>
       <p:sp>
         <p:nvSpPr>
-          <p:cNvPr id="145" name="Google Shape;145;g31ce2079169_3_6:notes"/>
+          <p:cNvPr id="144" name="Google Shape;144;g31ce2079169_3_6:notes"/>
           <p:cNvSpPr/>
           <p:nvPr>
             <p:ph idx="2" type="sldImg"/>
@@ -4783,7 +4982,7 @@
       </p:sp>
       <p:sp>
         <p:nvSpPr>
-          <p:cNvPr id="146" name="Google Shape;146;g31ce2079169_3_6:notes"/>
+          <p:cNvPr id="145" name="Google Shape;145;g31ce2079169_3_6:notes"/>
           <p:cNvSpPr txBox="1"/>
           <p:nvPr>
             <p:ph idx="1" type="body"/>
@@ -4807,6 +5006,26 @@
             <a:noAutofit/>
           </a:bodyPr>
           <a:lstStyle/>
+          <a:p>
+            <a:pPr indent="0" lvl="0" marL="0" rtl="0" algn="l">
+              <a:spcBef>
+                <a:spcPts val="0"/>
+              </a:spcBef>
+              <a:spcAft>
+                <a:spcPts val="0"/>
+              </a:spcAft>
+              <a:buClr>
+                <a:schemeClr val="dk1"/>
+              </a:buClr>
+              <a:buFont typeface="Arial"/>
+              <a:buNone/>
+            </a:pPr>
+            <a:r>
+              <a:rPr lang="en-US"/>
+              <a:t>Smeet</a:t>
+            </a:r>
+            <a:endParaRPr/>
+          </a:p>
           <a:p>
             <a:pPr indent="0" lvl="0" marL="0" rtl="0" algn="l">
               <a:spcBef>
@@ -4826,7 +5045,7 @@
       </p:sp>
       <p:sp>
         <p:nvSpPr>
-          <p:cNvPr id="147" name="Google Shape;147;g31ce2079169_3_6:notes"/>
+          <p:cNvPr id="146" name="Google Shape;146;g31ce2079169_3_6:notes"/>
           <p:cNvSpPr txBox="1"/>
           <p:nvPr>
             <p:ph idx="12" type="sldNum"/>
@@ -4881,7 +5100,7 @@
   <p:cSld>
     <p:spTree>
       <p:nvGrpSpPr>
-        <p:cNvPr id="154" name="Shape 154"/>
+        <p:cNvPr id="153" name="Shape 153"/>
         <p:cNvGrpSpPr/>
         <p:nvPr/>
       </p:nvGrpSpPr>
@@ -4895,7 +5114,7 @@
       </p:grpSpPr>
       <p:sp>
         <p:nvSpPr>
-          <p:cNvPr id="155" name="Google Shape;155;p9:notes"/>
+          <p:cNvPr id="154" name="Google Shape;154;p9:notes"/>
           <p:cNvSpPr/>
           <p:nvPr>
             <p:ph idx="2" type="sldImg"/>
@@ -4940,7 +5159,7 @@
       </p:sp>
       <p:sp>
         <p:nvSpPr>
-          <p:cNvPr id="156" name="Google Shape;156;p9:notes"/>
+          <p:cNvPr id="155" name="Google Shape;155;p9:notes"/>
           <p:cNvSpPr txBox="1"/>
           <p:nvPr>
             <p:ph idx="1" type="body"/>
@@ -4975,7 +5194,8 @@
               <a:buNone/>
             </a:pPr>
             <a:r>
-              <a:t/>
+              <a:rPr lang="en-US"/>
+              <a:t>Smeet</a:t>
             </a:r>
             <a:endParaRPr/>
           </a:p>
@@ -4983,7 +5203,7 @@
       </p:sp>
       <p:sp>
         <p:nvSpPr>
-          <p:cNvPr id="157" name="Google Shape;157;p9:notes"/>
+          <p:cNvPr id="156" name="Google Shape;156;p9:notes"/>
           <p:cNvSpPr txBox="1"/>
           <p:nvPr>
             <p:ph idx="12" type="sldNum"/>
@@ -5038,7 +5258,7 @@
   <p:cSld>
     <p:spTree>
       <p:nvGrpSpPr>
-        <p:cNvPr id="174" name="Shape 174"/>
+        <p:cNvPr id="173" name="Shape 173"/>
         <p:cNvGrpSpPr/>
         <p:nvPr/>
       </p:nvGrpSpPr>
@@ -5052,7 +5272,7 @@
       </p:grpSpPr>
       <p:sp>
         <p:nvSpPr>
-          <p:cNvPr id="175" name="Google Shape;175;g31ce2079169_3_43:notes"/>
+          <p:cNvPr id="174" name="Google Shape;174;g31ce2079169_3_43:notes"/>
           <p:cNvSpPr/>
           <p:nvPr>
             <p:ph idx="2" type="sldImg"/>
@@ -5097,7 +5317,7 @@
       </p:sp>
       <p:sp>
         <p:nvSpPr>
-          <p:cNvPr id="176" name="Google Shape;176;g31ce2079169_3_43:notes"/>
+          <p:cNvPr id="175" name="Google Shape;175;g31ce2079169_3_43:notes"/>
           <p:cNvSpPr txBox="1"/>
           <p:nvPr>
             <p:ph idx="1" type="body"/>
@@ -5132,7 +5352,8 @@
               <a:buNone/>
             </a:pPr>
             <a:r>
-              <a:t/>
+              <a:rPr lang="en-US"/>
+              <a:t>Kevin</a:t>
             </a:r>
             <a:endParaRPr/>
           </a:p>
@@ -5140,7 +5361,7 @@
       </p:sp>
       <p:sp>
         <p:nvSpPr>
-          <p:cNvPr id="177" name="Google Shape;177;g31ce2079169_3_43:notes"/>
+          <p:cNvPr id="176" name="Google Shape;176;g31ce2079169_3_43:notes"/>
           <p:cNvSpPr txBox="1"/>
           <p:nvPr>
             <p:ph idx="12" type="sldNum"/>
@@ -5195,7 +5416,7 @@
   <p:cSld>
     <p:spTree>
       <p:nvGrpSpPr>
-        <p:cNvPr id="182" name="Shape 182"/>
+        <p:cNvPr id="180" name="Shape 180"/>
         <p:cNvGrpSpPr/>
         <p:nvPr/>
       </p:nvGrpSpPr>
@@ -5209,7 +5430,7 @@
       </p:grpSpPr>
       <p:sp>
         <p:nvSpPr>
-          <p:cNvPr id="183" name="Google Shape;183;p4:notes"/>
+          <p:cNvPr id="181" name="Google Shape;181;p4:notes"/>
           <p:cNvSpPr/>
           <p:nvPr>
             <p:ph idx="2" type="sldImg"/>
@@ -5254,7 +5475,7 @@
       </p:sp>
       <p:sp>
         <p:nvSpPr>
-          <p:cNvPr id="184" name="Google Shape;184;p4:notes"/>
+          <p:cNvPr id="182" name="Google Shape;182;p4:notes"/>
           <p:cNvSpPr txBox="1"/>
           <p:nvPr>
             <p:ph idx="1" type="body"/>
@@ -5289,7 +5510,8 @@
               <a:buNone/>
             </a:pPr>
             <a:r>
-              <a:t/>
+              <a:rPr lang="en-US"/>
+              <a:t>Kevin</a:t>
             </a:r>
             <a:endParaRPr/>
           </a:p>
@@ -5297,7 +5519,7 @@
       </p:sp>
       <p:sp>
         <p:nvSpPr>
-          <p:cNvPr id="185" name="Google Shape;185;p4:notes"/>
+          <p:cNvPr id="183" name="Google Shape;183;p4:notes"/>
           <p:cNvSpPr txBox="1"/>
           <p:nvPr>
             <p:ph idx="12" type="sldNum"/>
@@ -5352,7 +5574,7 @@
   <p:cSld>
     <p:spTree>
       <p:nvGrpSpPr>
-        <p:cNvPr id="192" name="Shape 192"/>
+        <p:cNvPr id="190" name="Shape 190"/>
         <p:cNvGrpSpPr/>
         <p:nvPr/>
       </p:nvGrpSpPr>
@@ -5366,7 +5588,7 @@
       </p:grpSpPr>
       <p:sp>
         <p:nvSpPr>
-          <p:cNvPr id="193" name="Google Shape;193;p3:notes"/>
+          <p:cNvPr id="191" name="Google Shape;191;p3:notes"/>
           <p:cNvSpPr/>
           <p:nvPr>
             <p:ph idx="2" type="sldImg"/>
@@ -5411,7 +5633,7 @@
       </p:sp>
       <p:sp>
         <p:nvSpPr>
-          <p:cNvPr id="194" name="Google Shape;194;p3:notes"/>
+          <p:cNvPr id="192" name="Google Shape;192;p3:notes"/>
           <p:cNvSpPr txBox="1"/>
           <p:nvPr>
             <p:ph idx="1" type="body"/>
@@ -5446,7 +5668,8 @@
               <a:buNone/>
             </a:pPr>
             <a:r>
-              <a:t/>
+              <a:rPr lang="en-US"/>
+              <a:t>Kevin</a:t>
             </a:r>
             <a:endParaRPr/>
           </a:p>
@@ -5454,7 +5677,7 @@
       </p:sp>
       <p:sp>
         <p:nvSpPr>
-          <p:cNvPr id="195" name="Google Shape;195;p3:notes"/>
+          <p:cNvPr id="193" name="Google Shape;193;p3:notes"/>
           <p:cNvSpPr txBox="1"/>
           <p:nvPr>
             <p:ph idx="12" type="sldNum"/>
@@ -5509,7 +5732,7 @@
   <p:cSld>
     <p:spTree>
       <p:nvGrpSpPr>
-        <p:cNvPr id="202" name="Shape 202"/>
+        <p:cNvPr id="200" name="Shape 200"/>
         <p:cNvGrpSpPr/>
         <p:nvPr/>
       </p:nvGrpSpPr>
@@ -5523,7 +5746,7 @@
       </p:grpSpPr>
       <p:sp>
         <p:nvSpPr>
-          <p:cNvPr id="203" name="Google Shape;203;g31ce2079169_3_27:notes"/>
+          <p:cNvPr id="201" name="Google Shape;201;g31ce2079169_3_27:notes"/>
           <p:cNvSpPr/>
           <p:nvPr>
             <p:ph idx="2" type="sldImg"/>
@@ -5568,7 +5791,7 @@
       </p:sp>
       <p:sp>
         <p:nvSpPr>
-          <p:cNvPr id="204" name="Google Shape;204;g31ce2079169_3_27:notes"/>
+          <p:cNvPr id="202" name="Google Shape;202;g31ce2079169_3_27:notes"/>
           <p:cNvSpPr txBox="1"/>
           <p:nvPr>
             <p:ph idx="1" type="body"/>
@@ -5603,7 +5826,8 @@
               <a:buNone/>
             </a:pPr>
             <a:r>
-              <a:t/>
+              <a:rPr lang="en-US"/>
+              <a:t>Kevin</a:t>
             </a:r>
             <a:endParaRPr/>
           </a:p>
@@ -5611,7 +5835,7 @@
       </p:sp>
       <p:sp>
         <p:nvSpPr>
-          <p:cNvPr id="205" name="Google Shape;205;g31ce2079169_3_27:notes"/>
+          <p:cNvPr id="203" name="Google Shape;203;g31ce2079169_3_27:notes"/>
           <p:cNvSpPr txBox="1"/>
           <p:nvPr>
             <p:ph idx="12" type="sldNum"/>
@@ -5666,7 +5890,7 @@
   <p:cSld>
     <p:spTree>
       <p:nvGrpSpPr>
-        <p:cNvPr id="212" name="Shape 212"/>
+        <p:cNvPr id="210" name="Shape 210"/>
         <p:cNvGrpSpPr/>
         <p:nvPr/>
       </p:nvGrpSpPr>
@@ -5680,7 +5904,7 @@
       </p:grpSpPr>
       <p:sp>
         <p:nvSpPr>
-          <p:cNvPr id="213" name="Google Shape;213;g31ce2079169_3_65:notes"/>
+          <p:cNvPr id="211" name="Google Shape;211;g31ce2079169_3_65:notes"/>
           <p:cNvSpPr/>
           <p:nvPr>
             <p:ph idx="2" type="sldImg"/>
@@ -5725,7 +5949,7 @@
       </p:sp>
       <p:sp>
         <p:nvSpPr>
-          <p:cNvPr id="214" name="Google Shape;214;g31ce2079169_3_65:notes"/>
+          <p:cNvPr id="212" name="Google Shape;212;g31ce2079169_3_65:notes"/>
           <p:cNvSpPr txBox="1"/>
           <p:nvPr>
             <p:ph idx="1" type="body"/>
@@ -5760,7 +5984,8 @@
               <a:buNone/>
             </a:pPr>
             <a:r>
-              <a:t/>
+              <a:rPr lang="en-US"/>
+              <a:t>Kevin</a:t>
             </a:r>
             <a:endParaRPr/>
           </a:p>
@@ -5768,7 +5993,7 @@
       </p:sp>
       <p:sp>
         <p:nvSpPr>
-          <p:cNvPr id="215" name="Google Shape;215;g31ce2079169_3_65:notes"/>
+          <p:cNvPr id="213" name="Google Shape;213;g31ce2079169_3_65:notes"/>
           <p:cNvSpPr txBox="1"/>
           <p:nvPr>
             <p:ph idx="12" type="sldNum"/>
@@ -18296,13 +18521,13 @@
           <p:cNvPr id="127" name="Google Shape;127;p1"/>
           <p:cNvSpPr txBox="1"/>
           <p:nvPr>
-            <p:ph idx="2" type="body"/>
+            <p:ph idx="12" type="sldNum"/>
           </p:nvPr>
         </p:nvSpPr>
         <p:spPr>
           <a:xfrm>
-            <a:off x="675149" y="6404700"/>
-            <a:ext cx="3923400" cy="268500"/>
+            <a:off x="8610600" y="6356350"/>
+            <a:ext cx="2743200" cy="365125"/>
           </a:xfrm>
           <a:prstGeom prst="rect">
             <a:avLst/>
@@ -18313,31 +18538,24 @@
           </a:ln>
         </p:spPr>
         <p:txBody>
-          <a:bodyPr anchorCtr="0" anchor="t" bIns="45700" lIns="91425" spcFirstLastPara="1" rIns="91425" wrap="square" tIns="45700">
-            <a:normAutofit/>
+          <a:bodyPr anchorCtr="0" anchor="ctr" bIns="45700" lIns="91425" spcFirstLastPara="1" rIns="91425" wrap="square" tIns="45700">
+            <a:noAutofit/>
           </a:bodyPr>
           <a:lstStyle/>
           <a:p>
-            <a:pPr indent="0" lvl="0" marL="0" rtl="0" algn="l">
-              <a:lnSpc>
-                <a:spcPct val="90000"/>
-              </a:lnSpc>
-              <a:spcBef>
-                <a:spcPts val="0"/>
-              </a:spcBef>
-              <a:spcAft>
-                <a:spcPts val="0"/>
-              </a:spcAft>
-              <a:buClr>
-                <a:srgbClr val="12284B"/>
-              </a:buClr>
-              <a:buSzPts val="1200"/>
+            <a:pPr indent="0" lvl="0" marL="0" rtl="0" algn="r">
+              <a:spcBef>
+                <a:spcPts val="0"/>
+              </a:spcBef>
+              <a:spcAft>
+                <a:spcPts val="0"/>
+              </a:spcAft>
               <a:buNone/>
             </a:pPr>
-            <a:r>
+            <a:fld id="{00000000-1234-1234-1234-123412341234}" type="slidenum">
               <a:rPr lang="en-US"/>
-              <a:t>Shrusti Jain, Kevin Lu, Taobo Liao, Smeet Patel</a:t>
-            </a:r>
+              <a:t>‹#›</a:t>
+            </a:fld>
             <a:endParaRPr/>
           </a:p>
         </p:txBody>
@@ -18347,13 +18565,13 @@
           <p:cNvPr id="128" name="Google Shape;128;p1"/>
           <p:cNvSpPr txBox="1"/>
           <p:nvPr>
-            <p:ph idx="12" type="sldNum"/>
+            <p:ph idx="2" type="body"/>
           </p:nvPr>
         </p:nvSpPr>
         <p:spPr>
           <a:xfrm>
-            <a:off x="8610600" y="6356350"/>
-            <a:ext cx="2743200" cy="365125"/>
+            <a:off x="675149" y="6404700"/>
+            <a:ext cx="3923400" cy="268500"/>
           </a:xfrm>
           <a:prstGeom prst="rect">
             <a:avLst/>
@@ -18364,24 +18582,31 @@
           </a:ln>
         </p:spPr>
         <p:txBody>
-          <a:bodyPr anchorCtr="0" anchor="ctr" bIns="45700" lIns="91425" spcFirstLastPara="1" rIns="91425" wrap="square" tIns="45700">
-            <a:noAutofit/>
+          <a:bodyPr anchorCtr="0" anchor="t" bIns="45700" lIns="91425" spcFirstLastPara="1" rIns="91425" wrap="square" tIns="45700">
+            <a:normAutofit/>
           </a:bodyPr>
           <a:lstStyle/>
           <a:p>
-            <a:pPr indent="0" lvl="0" marL="0" rtl="0" algn="r">
-              <a:spcBef>
-                <a:spcPts val="0"/>
-              </a:spcBef>
-              <a:spcAft>
-                <a:spcPts val="0"/>
-              </a:spcAft>
+            <a:pPr indent="0" lvl="0" marL="0" rtl="0" algn="l">
+              <a:lnSpc>
+                <a:spcPct val="90000"/>
+              </a:lnSpc>
+              <a:spcBef>
+                <a:spcPts val="0"/>
+              </a:spcBef>
+              <a:spcAft>
+                <a:spcPts val="0"/>
+              </a:spcAft>
+              <a:buClr>
+                <a:srgbClr val="12284B"/>
+              </a:buClr>
+              <a:buSzPts val="1200"/>
               <a:buNone/>
             </a:pPr>
-            <a:fld id="{00000000-1234-1234-1234-123412341234}" type="slidenum">
+            <a:r>
               <a:rPr lang="en-US"/>
-              <a:t>‹#›</a:t>
-            </a:fld>
+              <a:t>Shrusti Jain, Kevin Lu, Taobo Liao, Smeet Patel</a:t>
+            </a:r>
             <a:endParaRPr/>
           </a:p>
         </p:txBody>
@@ -18399,7 +18624,7 @@
   <p:cSld>
     <p:spTree>
       <p:nvGrpSpPr>
-        <p:cNvPr id="226" name="Shape 226"/>
+        <p:cNvPr id="224" name="Shape 224"/>
         <p:cNvGrpSpPr/>
         <p:nvPr/>
       </p:nvGrpSpPr>
@@ -18413,7 +18638,7 @@
       </p:grpSpPr>
       <p:sp>
         <p:nvSpPr>
-          <p:cNvPr id="227" name="Google Shape;227;g31ce2079169_3_35"/>
+          <p:cNvPr id="225" name="Google Shape;225;g31ce2079169_3_35"/>
           <p:cNvSpPr txBox="1"/>
           <p:nvPr>
             <p:ph type="title"/>
@@ -18465,7 +18690,7 @@
       </p:sp>
       <p:sp>
         <p:nvSpPr>
-          <p:cNvPr id="228" name="Google Shape;228;g31ce2079169_3_35"/>
+          <p:cNvPr id="226" name="Google Shape;226;g31ce2079169_3_35"/>
           <p:cNvSpPr txBox="1"/>
           <p:nvPr>
             <p:ph idx="1" type="body"/>
@@ -18486,11 +18711,11 @@
         </p:spPr>
         <p:txBody>
           <a:bodyPr anchorCtr="0" anchor="t" bIns="45700" lIns="91425" spcFirstLastPara="1" rIns="91425" wrap="square" tIns="45700">
-            <a:normAutofit lnSpcReduction="10000"/>
+            <a:normAutofit fontScale="92500" lnSpcReduction="20000"/>
           </a:bodyPr>
           <a:lstStyle/>
           <a:p>
-            <a:pPr indent="-342900" lvl="0" marL="457200" rtl="0" algn="l">
+            <a:pPr indent="-334327" lvl="0" marL="457200" rtl="0" algn="l">
               <a:lnSpc>
                 <a:spcPct val="200000"/>
               </a:lnSpc>
@@ -18500,7 +18725,7 @@
               <a:spcAft>
                 <a:spcPts val="0"/>
               </a:spcAft>
-              <a:buSzPts val="1800"/>
+              <a:buSzPct val="64285"/>
               <a:buChar char="•"/>
             </a:pPr>
             <a:r>
@@ -18510,7 +18735,7 @@
             <a:endParaRPr/>
           </a:p>
           <a:p>
-            <a:pPr indent="-342900" lvl="1" marL="914400" rtl="0" algn="l">
+            <a:pPr indent="-334327" lvl="1" marL="914400" rtl="0" algn="l">
               <a:lnSpc>
                 <a:spcPct val="200000"/>
               </a:lnSpc>
@@ -18520,7 +18745,7 @@
               <a:spcAft>
                 <a:spcPts val="0"/>
               </a:spcAft>
-              <a:buSzPts val="1800"/>
+              <a:buSzPct val="75000"/>
               <a:buChar char="•"/>
             </a:pPr>
             <a:r>
@@ -18530,7 +18755,7 @@
             <a:endParaRPr/>
           </a:p>
           <a:p>
-            <a:pPr indent="-342900" lvl="2" marL="1371600" rtl="0" algn="l">
+            <a:pPr indent="-334327" lvl="2" marL="1371600" rtl="0" algn="l">
               <a:lnSpc>
                 <a:spcPct val="200000"/>
               </a:lnSpc>
@@ -18540,7 +18765,7 @@
               <a:spcAft>
                 <a:spcPts val="0"/>
               </a:spcAft>
-              <a:buSzPts val="1800"/>
+              <a:buSzPct val="90000"/>
               <a:buChar char="•"/>
             </a:pPr>
             <a:r>
@@ -18550,7 +18775,7 @@
             <a:endParaRPr/>
           </a:p>
           <a:p>
-            <a:pPr indent="-342900" lvl="2" marL="1371600" rtl="0" algn="l">
+            <a:pPr indent="-334327" lvl="2" marL="1371600" rtl="0" algn="l">
               <a:lnSpc>
                 <a:spcPct val="200000"/>
               </a:lnSpc>
@@ -18560,7 +18785,7 @@
               <a:spcAft>
                 <a:spcPts val="0"/>
               </a:spcAft>
-              <a:buSzPts val="1800"/>
+              <a:buSzPct val="90000"/>
               <a:buChar char="•"/>
             </a:pPr>
             <a:r>
@@ -18570,7 +18795,7 @@
             <a:endParaRPr/>
           </a:p>
           <a:p>
-            <a:pPr indent="-342900" lvl="0" marL="457200" rtl="0" algn="l">
+            <a:pPr indent="-334327" lvl="0" marL="457200" rtl="0" algn="l">
               <a:lnSpc>
                 <a:spcPct val="200000"/>
               </a:lnSpc>
@@ -18580,7 +18805,7 @@
               <a:spcAft>
                 <a:spcPts val="0"/>
               </a:spcAft>
-              <a:buSzPts val="1800"/>
+              <a:buSzPct val="64285"/>
               <a:buChar char="•"/>
             </a:pPr>
             <a:r>
@@ -18590,7 +18815,7 @@
             <a:endParaRPr/>
           </a:p>
           <a:p>
-            <a:pPr indent="-342900" lvl="1" marL="914400" rtl="0" algn="l">
+            <a:pPr indent="-334327" lvl="1" marL="914400" rtl="0" algn="l">
               <a:lnSpc>
                 <a:spcPct val="200000"/>
               </a:lnSpc>
@@ -18600,12 +18825,32 @@
               <a:spcAft>
                 <a:spcPts val="0"/>
               </a:spcAft>
-              <a:buSzPts val="1800"/>
+              <a:buSzPct val="75000"/>
               <a:buChar char="•"/>
             </a:pPr>
             <a:r>
               <a:rPr lang="en-US"/>
               <a:t>Grouped together low frequency codes into one “other category”</a:t>
+            </a:r>
+            <a:endParaRPr/>
+          </a:p>
+          <a:p>
+            <a:pPr indent="-334327" lvl="1" marL="914400" rtl="0" algn="l">
+              <a:lnSpc>
+                <a:spcPct val="200000"/>
+              </a:lnSpc>
+              <a:spcBef>
+                <a:spcPts val="0"/>
+              </a:spcBef>
+              <a:spcAft>
+                <a:spcPts val="0"/>
+              </a:spcAft>
+              <a:buSzPct val="75000"/>
+              <a:buChar char="•"/>
+            </a:pPr>
+            <a:r>
+              <a:rPr lang="en-US"/>
+              <a:t>Loss was weighted based on frequency of each code</a:t>
             </a:r>
             <a:endParaRPr/>
           </a:p>
@@ -18631,7 +18876,7 @@
       </p:sp>
       <p:sp>
         <p:nvSpPr>
-          <p:cNvPr id="229" name="Google Shape;229;g31ce2079169_3_35"/>
+          <p:cNvPr id="227" name="Google Shape;227;g31ce2079169_3_35"/>
           <p:cNvSpPr txBox="1"/>
           <p:nvPr>
             <p:ph idx="12" type="sldNum"/>
@@ -18689,7 +18934,7 @@
       </p:sp>
       <p:pic>
         <p:nvPicPr>
-          <p:cNvPr descr="A orange and blue Block I logo on a white background." id="230" name="Google Shape;230;g31ce2079169_3_35"/>
+          <p:cNvPr descr="A orange and blue Block I logo on a white background." id="228" name="Google Shape;228;g31ce2079169_3_35"/>
           <p:cNvPicPr preferRelativeResize="0"/>
           <p:nvPr/>
         </p:nvPicPr>
@@ -18716,7 +18961,7 @@
       </p:pic>
       <p:sp>
         <p:nvSpPr>
-          <p:cNvPr id="231" name="Google Shape;231;g31ce2079169_3_35"/>
+          <p:cNvPr id="229" name="Google Shape;229;g31ce2079169_3_35"/>
           <p:cNvSpPr txBox="1"/>
           <p:nvPr>
             <p:ph idx="1" type="body"/>
@@ -18737,7 +18982,7 @@
         </p:spPr>
         <p:txBody>
           <a:bodyPr anchorCtr="0" anchor="t" bIns="45700" lIns="91425" spcFirstLastPara="1" rIns="91425" wrap="square" tIns="45700">
-            <a:normAutofit fontScale="47500" lnSpcReduction="10000"/>
+            <a:normAutofit fontScale="55000" lnSpcReduction="20000"/>
           </a:bodyPr>
           <a:lstStyle/>
           <a:p>
@@ -18759,7 +19004,7 @@
             </a:pPr>
             <a:r>
               <a:rPr lang="en-US"/>
-              <a:t>Shrusti Jain, Kevin Lu, Taobo Liao, Smeet Patel</a:t>
+              <a:t>Shrusti Jain, Kevin Lu</a:t>
             </a:r>
             <a:endParaRPr/>
           </a:p>
@@ -18778,7 +19023,7 @@
   <p:cSld>
     <p:spTree>
       <p:nvGrpSpPr>
-        <p:cNvPr id="236" name="Shape 236"/>
+        <p:cNvPr id="234" name="Shape 234"/>
         <p:cNvGrpSpPr/>
         <p:nvPr/>
       </p:nvGrpSpPr>
@@ -18792,7 +19037,7 @@
       </p:grpSpPr>
       <p:sp>
         <p:nvSpPr>
-          <p:cNvPr id="237" name="Google Shape;237;g31ce2079169_3_57"/>
+          <p:cNvPr id="235" name="Google Shape;235;g31ce2079169_3_57"/>
           <p:cNvSpPr txBox="1"/>
           <p:nvPr>
             <p:ph type="title"/>
@@ -18844,7 +19089,7 @@
       </p:sp>
       <p:sp>
         <p:nvSpPr>
-          <p:cNvPr id="238" name="Google Shape;238;g31ce2079169_3_57"/>
+          <p:cNvPr id="236" name="Google Shape;236;g31ce2079169_3_57"/>
           <p:cNvSpPr txBox="1"/>
           <p:nvPr>
             <p:ph idx="1" type="body"/>
@@ -18891,7 +19136,7 @@
           <a:p>
             <a:pPr indent="-342900" lvl="0" marL="457200" rtl="0" algn="l">
               <a:lnSpc>
-                <a:spcPct val="100000"/>
+                <a:spcPct val="200000"/>
               </a:lnSpc>
               <a:spcBef>
                 <a:spcPts val="0"/>
@@ -18904,73 +19149,7 @@
             </a:pPr>
             <a:r>
               <a:rPr lang="en-US"/>
-              <a:t>Decided to only use years 2020-2023 for our main baseline and deep learning attempts</a:t>
-            </a:r>
-            <a:endParaRPr/>
-          </a:p>
-          <a:p>
-            <a:pPr indent="0" lvl="0" marL="457200" rtl="0" algn="l">
-              <a:lnSpc>
-                <a:spcPct val="100000"/>
-              </a:lnSpc>
-              <a:spcBef>
-                <a:spcPts val="0"/>
-              </a:spcBef>
-              <a:spcAft>
-                <a:spcPts val="0"/>
-              </a:spcAft>
-              <a:buNone/>
-            </a:pPr>
-            <a:r>
-              <a:t/>
-            </a:r>
-            <a:endParaRPr/>
-          </a:p>
-          <a:p>
-            <a:pPr indent="-342900" lvl="0" marL="457200" rtl="0" algn="l">
-              <a:lnSpc>
-                <a:spcPct val="200000"/>
-              </a:lnSpc>
-              <a:spcBef>
-                <a:spcPts val="0"/>
-              </a:spcBef>
-              <a:spcAft>
-                <a:spcPts val="0"/>
-              </a:spcAft>
-              <a:buSzPts val="1800"/>
-              <a:buChar char="•"/>
-            </a:pPr>
-            <a:r>
-              <a:rPr lang="en-US"/>
-              <a:t>Refer to slide __  for feature importance of date occurred</a:t>
-            </a:r>
-            <a:endParaRPr/>
-          </a:p>
-          <a:p>
-            <a:pPr indent="-342900" lvl="0" marL="457200" rtl="0" algn="l">
-              <a:lnSpc>
-                <a:spcPct val="200000"/>
-              </a:lnSpc>
-              <a:spcBef>
-                <a:spcPts val="0"/>
-              </a:spcBef>
-              <a:spcAft>
-                <a:spcPts val="0"/>
-              </a:spcAft>
-              <a:buSzPts val="1800"/>
-              <a:buChar char="•"/>
-            </a:pPr>
-            <a:r>
-              <a:rPr lang="en-US"/>
-              <a:t>Refer to slide 20 for evaluations on time </a:t>
-            </a:r>
-            <a:r>
-              <a:rPr lang="en-US"/>
-              <a:t>imbalance</a:t>
-            </a:r>
-            <a:r>
-              <a:rPr lang="en-US"/>
-              <a:t> data</a:t>
+              <a:t>Refer to slide 23 for feature importance of date occurred</a:t>
             </a:r>
             <a:endParaRPr/>
           </a:p>
@@ -18978,7 +19157,7 @@
       </p:sp>
       <p:sp>
         <p:nvSpPr>
-          <p:cNvPr id="239" name="Google Shape;239;g31ce2079169_3_57"/>
+          <p:cNvPr id="237" name="Google Shape;237;g31ce2079169_3_57"/>
           <p:cNvSpPr txBox="1"/>
           <p:nvPr>
             <p:ph idx="12" type="sldNum"/>
@@ -19036,7 +19215,7 @@
       </p:sp>
       <p:pic>
         <p:nvPicPr>
-          <p:cNvPr descr="A orange and blue Block I logo on a white background." id="240" name="Google Shape;240;g31ce2079169_3_57"/>
+          <p:cNvPr descr="A orange and blue Block I logo on a white background." id="238" name="Google Shape;238;g31ce2079169_3_57"/>
           <p:cNvPicPr preferRelativeResize="0"/>
           <p:nvPr/>
         </p:nvPicPr>
@@ -19063,7 +19242,7 @@
       </p:pic>
       <p:sp>
         <p:nvSpPr>
-          <p:cNvPr id="241" name="Google Shape;241;g31ce2079169_3_57"/>
+          <p:cNvPr id="239" name="Google Shape;239;g31ce2079169_3_57"/>
           <p:cNvSpPr txBox="1"/>
           <p:nvPr>
             <p:ph idx="1" type="body"/>
@@ -19084,7 +19263,7 @@
         </p:spPr>
         <p:txBody>
           <a:bodyPr anchorCtr="0" anchor="t" bIns="45700" lIns="91425" spcFirstLastPara="1" rIns="91425" wrap="square" tIns="45700">
-            <a:normAutofit fontScale="47500" lnSpcReduction="10000"/>
+            <a:normAutofit fontScale="55000" lnSpcReduction="20000"/>
           </a:bodyPr>
           <a:lstStyle/>
           <a:p>
@@ -19106,12 +19285,68 @@
             </a:pPr>
             <a:r>
               <a:rPr lang="en-US"/>
-              <a:t>Shrusti Jain, Kevin Lu, Taobo Liao, Smeet Patel</a:t>
+              <a:t>Shrusti Jain, Kevin Lu</a:t>
             </a:r>
             <a:endParaRPr/>
           </a:p>
         </p:txBody>
       </p:sp>
+      <p:pic>
+        <p:nvPicPr>
+          <p:cNvPr id="240" name="Google Shape;240;g31ce2079169_3_57"/>
+          <p:cNvPicPr preferRelativeResize="0"/>
+          <p:nvPr/>
+        </p:nvPicPr>
+        <p:blipFill>
+          <a:blip r:embed="rId4">
+            <a:alphaModFix/>
+          </a:blip>
+          <a:stretch>
+            <a:fillRect/>
+          </a:stretch>
+        </p:blipFill>
+        <p:spPr>
+          <a:xfrm>
+            <a:off x="1229799" y="3149356"/>
+            <a:ext cx="2814106" cy="3075994"/>
+          </a:xfrm>
+          <a:prstGeom prst="rect">
+            <a:avLst/>
+          </a:prstGeom>
+          <a:noFill/>
+          <a:ln>
+            <a:noFill/>
+          </a:ln>
+        </p:spPr>
+      </p:pic>
+      <p:pic>
+        <p:nvPicPr>
+          <p:cNvPr id="241" name="Google Shape;241;g31ce2079169_3_57"/>
+          <p:cNvPicPr preferRelativeResize="0"/>
+          <p:nvPr/>
+        </p:nvPicPr>
+        <p:blipFill>
+          <a:blip r:embed="rId5">
+            <a:alphaModFix/>
+          </a:blip>
+          <a:stretch>
+            <a:fillRect/>
+          </a:stretch>
+        </p:blipFill>
+        <p:spPr>
+          <a:xfrm>
+            <a:off x="4835654" y="3149359"/>
+            <a:ext cx="2877746" cy="3145556"/>
+          </a:xfrm>
+          <a:prstGeom prst="rect">
+            <a:avLst/>
+          </a:prstGeom>
+          <a:noFill/>
+          <a:ln>
+            <a:noFill/>
+          </a:ln>
+        </p:spPr>
+      </p:pic>
     </p:spTree>
   </p:cSld>
   <p:clrMapOvr>
@@ -19233,57 +19468,6 @@
           </a:p>
         </p:txBody>
       </p:sp>
-      <p:sp>
-        <p:nvSpPr>
-          <p:cNvPr id="249" name="Google Shape;249;g31ce2079169_3_73"/>
-          <p:cNvSpPr txBox="1"/>
-          <p:nvPr>
-            <p:ph idx="1" type="body"/>
-          </p:nvPr>
-        </p:nvSpPr>
-        <p:spPr>
-          <a:xfrm>
-            <a:off x="52574" y="6165250"/>
-            <a:ext cx="3923400" cy="268500"/>
-          </a:xfrm>
-          <a:prstGeom prst="rect">
-            <a:avLst/>
-          </a:prstGeom>
-          <a:noFill/>
-          <a:ln>
-            <a:noFill/>
-          </a:ln>
-        </p:spPr>
-        <p:txBody>
-          <a:bodyPr anchorCtr="0" anchor="t" bIns="45700" lIns="91425" spcFirstLastPara="1" rIns="91425" wrap="square" tIns="45700">
-            <a:normAutofit fontScale="70000"/>
-          </a:bodyPr>
-          <a:lstStyle/>
-          <a:p>
-            <a:pPr indent="0" lvl="0" marL="0" rtl="0" algn="l">
-              <a:lnSpc>
-                <a:spcPct val="90000"/>
-              </a:lnSpc>
-              <a:spcBef>
-                <a:spcPts val="0"/>
-              </a:spcBef>
-              <a:spcAft>
-                <a:spcPts val="0"/>
-              </a:spcAft>
-              <a:buClr>
-                <a:srgbClr val="12284B"/>
-              </a:buClr>
-              <a:buSzPct val="66666"/>
-              <a:buNone/>
-            </a:pPr>
-            <a:r>
-              <a:rPr b="0" lang="en-US"/>
-              <a:t>Shrusti Jain, Kevin Lu, Taobo Liao, Smeet Patel</a:t>
-            </a:r>
-            <a:endParaRPr b="0"/>
-          </a:p>
-        </p:txBody>
-      </p:sp>
     </p:spTree>
   </p:cSld>
   <p:clrMapOvr>
@@ -19297,7 +19481,7 @@
   <p:cSld>
     <p:spTree>
       <p:nvGrpSpPr>
-        <p:cNvPr id="254" name="Shape 254"/>
+        <p:cNvPr id="253" name="Shape 253"/>
         <p:cNvGrpSpPr/>
         <p:nvPr/>
       </p:nvGrpSpPr>
@@ -19311,7 +19495,7 @@
       </p:grpSpPr>
       <p:sp>
         <p:nvSpPr>
-          <p:cNvPr id="255" name="Google Shape;255;p5"/>
+          <p:cNvPr id="254" name="Google Shape;254;p5"/>
           <p:cNvSpPr txBox="1"/>
           <p:nvPr>
             <p:ph type="title"/>
@@ -19363,7 +19547,7 @@
       </p:sp>
       <p:sp>
         <p:nvSpPr>
-          <p:cNvPr id="256" name="Google Shape;256;p5"/>
+          <p:cNvPr id="255" name="Google Shape;255;p5"/>
           <p:cNvSpPr txBox="1"/>
           <p:nvPr>
             <p:ph idx="1" type="body"/>
@@ -19411,7 +19595,7 @@
       </p:sp>
       <p:sp>
         <p:nvSpPr>
-          <p:cNvPr id="257" name="Google Shape;257;p5"/>
+          <p:cNvPr id="256" name="Google Shape;256;p5"/>
           <p:cNvSpPr txBox="1"/>
           <p:nvPr>
             <p:ph idx="12" type="sldNum"/>
@@ -19469,7 +19653,7 @@
       </p:sp>
       <p:pic>
         <p:nvPicPr>
-          <p:cNvPr descr="A orange and blue Block I logo on a white background." id="258" name="Google Shape;258;p5"/>
+          <p:cNvPr descr="A orange and blue Block I logo on a white background." id="257" name="Google Shape;257;p5"/>
           <p:cNvPicPr preferRelativeResize="0"/>
           <p:nvPr/>
         </p:nvPicPr>
@@ -19484,6 +19668,33 @@
           <a:xfrm>
             <a:off x="11271055" y="5910977"/>
             <a:ext cx="759486" cy="948449"/>
+          </a:xfrm>
+          <a:prstGeom prst="rect">
+            <a:avLst/>
+          </a:prstGeom>
+          <a:noFill/>
+          <a:ln>
+            <a:noFill/>
+          </a:ln>
+        </p:spPr>
+      </p:pic>
+      <p:pic>
+        <p:nvPicPr>
+          <p:cNvPr id="258" name="Google Shape;258;p5"/>
+          <p:cNvPicPr preferRelativeResize="0"/>
+          <p:nvPr/>
+        </p:nvPicPr>
+        <p:blipFill rotWithShape="1">
+          <a:blip r:embed="rId4">
+            <a:alphaModFix/>
+          </a:blip>
+          <a:srcRect b="0" l="0" r="50124" t="0"/>
+          <a:stretch/>
+        </p:blipFill>
+        <p:spPr>
+          <a:xfrm>
+            <a:off x="1949750" y="2433063"/>
+            <a:ext cx="8132398" cy="1813925"/>
           </a:xfrm>
           <a:prstGeom prst="rect">
             <a:avLst/>
@@ -19504,33 +19715,6 @@
           <a:blip r:embed="rId4">
             <a:alphaModFix/>
           </a:blip>
-          <a:srcRect b="0" l="0" r="50124" t="0"/>
-          <a:stretch/>
-        </p:blipFill>
-        <p:spPr>
-          <a:xfrm>
-            <a:off x="1949750" y="2433063"/>
-            <a:ext cx="8132398" cy="1813925"/>
-          </a:xfrm>
-          <a:prstGeom prst="rect">
-            <a:avLst/>
-          </a:prstGeom>
-          <a:noFill/>
-          <a:ln>
-            <a:noFill/>
-          </a:ln>
-        </p:spPr>
-      </p:pic>
-      <p:pic>
-        <p:nvPicPr>
-          <p:cNvPr id="260" name="Google Shape;260;p5"/>
-          <p:cNvPicPr preferRelativeResize="0"/>
-          <p:nvPr/>
-        </p:nvPicPr>
-        <p:blipFill rotWithShape="1">
-          <a:blip r:embed="rId4">
-            <a:alphaModFix/>
-          </a:blip>
           <a:srcRect b="0" l="50256" r="1350" t="0"/>
           <a:stretch/>
         </p:blipFill>
@@ -19550,7 +19734,7 @@
       </p:pic>
       <p:sp>
         <p:nvSpPr>
-          <p:cNvPr id="261" name="Google Shape;261;p5"/>
+          <p:cNvPr id="260" name="Google Shape;260;p5"/>
           <p:cNvSpPr/>
           <p:nvPr/>
         </p:nvSpPr>
@@ -19597,7 +19781,7 @@
       </p:sp>
       <p:sp>
         <p:nvSpPr>
-          <p:cNvPr id="262" name="Google Shape;262;p5"/>
+          <p:cNvPr id="261" name="Google Shape;261;p5"/>
           <p:cNvSpPr txBox="1"/>
           <p:nvPr>
             <p:ph idx="1" type="body"/>
@@ -19618,7 +19802,7 @@
         </p:spPr>
         <p:txBody>
           <a:bodyPr anchorCtr="0" anchor="t" bIns="45700" lIns="91425" spcFirstLastPara="1" rIns="91425" wrap="square" tIns="45700">
-            <a:normAutofit fontScale="47500" lnSpcReduction="10000"/>
+            <a:normAutofit fontScale="55000" lnSpcReduction="20000"/>
           </a:bodyPr>
           <a:lstStyle/>
           <a:p>
@@ -19640,7 +19824,7 @@
             </a:pPr>
             <a:r>
               <a:rPr lang="en-US"/>
-              <a:t>Shrusti Jain, Kevin Lu, Taobo Liao, Smeet Patel</a:t>
+              <a:t>Kevin Lu, Taobo Liao, Smeet Patel</a:t>
             </a:r>
             <a:endParaRPr/>
           </a:p>
@@ -19659,7 +19843,7 @@
   <p:cSld>
     <p:spTree>
       <p:nvGrpSpPr>
-        <p:cNvPr id="267" name="Shape 267"/>
+        <p:cNvPr id="266" name="Shape 266"/>
         <p:cNvGrpSpPr/>
         <p:nvPr/>
       </p:nvGrpSpPr>
@@ -19673,7 +19857,7 @@
       </p:grpSpPr>
       <p:sp>
         <p:nvSpPr>
-          <p:cNvPr id="268" name="Google Shape;268;g31ce2079169_1_4"/>
+          <p:cNvPr id="267" name="Google Shape;267;g31ce2079169_1_4"/>
           <p:cNvSpPr txBox="1"/>
           <p:nvPr>
             <p:ph type="title"/>
@@ -19725,7 +19909,7 @@
       </p:sp>
       <p:sp>
         <p:nvSpPr>
-          <p:cNvPr id="269" name="Google Shape;269;g31ce2079169_1_4"/>
+          <p:cNvPr id="268" name="Google Shape;268;g31ce2079169_1_4"/>
           <p:cNvSpPr txBox="1"/>
           <p:nvPr>
             <p:ph idx="1" type="body"/>
@@ -19751,9 +19935,6 @@
           <a:lstStyle/>
           <a:p>
             <a:pPr indent="-342900" lvl="0" marL="457200" rtl="0" algn="l">
-              <a:lnSpc>
-                <a:spcPct val="90000"/>
-              </a:lnSpc>
               <a:spcBef>
                 <a:spcPts val="0"/>
               </a:spcBef>
@@ -19765,35 +19946,7 @@
             </a:pPr>
             <a:r>
               <a:rPr lang="en-US" sz="1800"/>
-              <a:t>Ridge classifier</a:t>
-            </a:r>
-            <a:endParaRPr sz="1800"/>
-          </a:p>
-          <a:p>
-            <a:pPr indent="-342900" lvl="1" marL="914400" rtl="0" algn="l">
-              <a:lnSpc>
-                <a:spcPct val="90000"/>
-              </a:lnSpc>
-              <a:spcBef>
-                <a:spcPts val="0"/>
-              </a:spcBef>
-              <a:spcAft>
-                <a:spcPts val="0"/>
-              </a:spcAft>
-              <a:buSzPts val="1800"/>
-              <a:buChar char="•"/>
-            </a:pPr>
-            <a:r>
-              <a:rPr lang="en-US" sz="1800"/>
-              <a:t>Linear classifier with </a:t>
-            </a:r>
-            <a:r>
-              <a:rPr lang="en-US" sz="1800"/>
-              <a:t>L2</a:t>
-            </a:r>
-            <a:r>
-              <a:rPr lang="en-US" sz="1800"/>
-              <a:t> regularization</a:t>
+              <a:t>Linear classifier</a:t>
             </a:r>
             <a:endParaRPr sz="1800"/>
           </a:p>
@@ -19839,7 +19992,7 @@
       </p:sp>
       <p:sp>
         <p:nvSpPr>
-          <p:cNvPr id="270" name="Google Shape;270;g31ce2079169_1_4"/>
+          <p:cNvPr id="269" name="Google Shape;269;g31ce2079169_1_4"/>
           <p:cNvSpPr txBox="1"/>
           <p:nvPr>
             <p:ph idx="12" type="sldNum"/>
@@ -19897,7 +20050,7 @@
       </p:sp>
       <p:pic>
         <p:nvPicPr>
-          <p:cNvPr descr="A orange and blue Block I logo on a white background." id="271" name="Google Shape;271;g31ce2079169_1_4"/>
+          <p:cNvPr descr="A orange and blue Block I logo on a white background." id="270" name="Google Shape;270;g31ce2079169_1_4"/>
           <p:cNvPicPr preferRelativeResize="0"/>
           <p:nvPr/>
         </p:nvPicPr>
@@ -19924,7 +20077,7 @@
       </p:pic>
       <p:sp>
         <p:nvSpPr>
-          <p:cNvPr id="272" name="Google Shape;272;g31ce2079169_1_4"/>
+          <p:cNvPr id="271" name="Google Shape;271;g31ce2079169_1_4"/>
           <p:cNvSpPr txBox="1"/>
           <p:nvPr>
             <p:ph idx="1" type="body"/>
@@ -19945,7 +20098,7 @@
         </p:spPr>
         <p:txBody>
           <a:bodyPr anchorCtr="0" anchor="t" bIns="45700" lIns="91425" spcFirstLastPara="1" rIns="91425" wrap="square" tIns="45700">
-            <a:normAutofit fontScale="47500" lnSpcReduction="10000"/>
+            <a:normAutofit fontScale="55000" lnSpcReduction="20000"/>
           </a:bodyPr>
           <a:lstStyle/>
           <a:p>
@@ -19967,7 +20120,7 @@
             </a:pPr>
             <a:r>
               <a:rPr lang="en-US"/>
-              <a:t>Shrusti Jain, Kevin Lu, Taobo Liao, Smeet Patel</a:t>
+              <a:t>Shrusti Jain, Taobo Liao, Smeet Patel</a:t>
             </a:r>
             <a:endParaRPr/>
           </a:p>
@@ -19975,7 +20128,7 @@
       </p:sp>
       <p:pic>
         <p:nvPicPr>
-          <p:cNvPr id="273" name="Google Shape;273;g31ce2079169_1_4"/>
+          <p:cNvPr id="272" name="Google Shape;272;g31ce2079169_1_4"/>
           <p:cNvPicPr preferRelativeResize="0"/>
           <p:nvPr/>
         </p:nvPicPr>
@@ -20014,7 +20167,7 @@
   <p:cSld>
     <p:spTree>
       <p:nvGrpSpPr>
-        <p:cNvPr id="278" name="Shape 278"/>
+        <p:cNvPr id="277" name="Shape 277"/>
         <p:cNvGrpSpPr/>
         <p:nvPr/>
       </p:nvGrpSpPr>
@@ -20028,7 +20181,7 @@
       </p:grpSpPr>
       <p:sp>
         <p:nvSpPr>
-          <p:cNvPr id="279" name="Google Shape;279;g31ce2079169_0_14"/>
+          <p:cNvPr id="278" name="Google Shape;278;g31ce2079169_0_14"/>
           <p:cNvSpPr txBox="1"/>
           <p:nvPr>
             <p:ph type="title"/>
@@ -20080,7 +20233,7 @@
       </p:sp>
       <p:sp>
         <p:nvSpPr>
-          <p:cNvPr id="280" name="Google Shape;280;g31ce2079169_0_14"/>
+          <p:cNvPr id="279" name="Google Shape;279;g31ce2079169_0_14"/>
           <p:cNvSpPr txBox="1"/>
           <p:nvPr>
             <p:ph idx="12" type="sldNum"/>
@@ -20119,57 +20272,6 @@
               <a:t>‹#›</a:t>
             </a:fld>
             <a:endParaRPr/>
-          </a:p>
-        </p:txBody>
-      </p:sp>
-      <p:sp>
-        <p:nvSpPr>
-          <p:cNvPr id="281" name="Google Shape;281;g31ce2079169_0_14"/>
-          <p:cNvSpPr txBox="1"/>
-          <p:nvPr>
-            <p:ph idx="1" type="body"/>
-          </p:nvPr>
-        </p:nvSpPr>
-        <p:spPr>
-          <a:xfrm>
-            <a:off x="52574" y="6165250"/>
-            <a:ext cx="3923400" cy="268500"/>
-          </a:xfrm>
-          <a:prstGeom prst="rect">
-            <a:avLst/>
-          </a:prstGeom>
-          <a:noFill/>
-          <a:ln>
-            <a:noFill/>
-          </a:ln>
-        </p:spPr>
-        <p:txBody>
-          <a:bodyPr anchorCtr="0" anchor="t" bIns="45700" lIns="91425" spcFirstLastPara="1" rIns="91425" wrap="square" tIns="45700">
-            <a:normAutofit fontScale="70000"/>
-          </a:bodyPr>
-          <a:lstStyle/>
-          <a:p>
-            <a:pPr indent="0" lvl="0" marL="0" rtl="0" algn="l">
-              <a:lnSpc>
-                <a:spcPct val="90000"/>
-              </a:lnSpc>
-              <a:spcBef>
-                <a:spcPts val="0"/>
-              </a:spcBef>
-              <a:spcAft>
-                <a:spcPts val="0"/>
-              </a:spcAft>
-              <a:buClr>
-                <a:srgbClr val="12284B"/>
-              </a:buClr>
-              <a:buSzPct val="66666"/>
-              <a:buNone/>
-            </a:pPr>
-            <a:r>
-              <a:rPr b="0" lang="en-US"/>
-              <a:t>Shrusti Jain, Kevin Lu, Taobo Liao, Smeet Patel</a:t>
-            </a:r>
-            <a:endParaRPr b="0"/>
           </a:p>
         </p:txBody>
       </p:sp>
@@ -20186,7 +20288,7 @@
   <p:cSld>
     <p:spTree>
       <p:nvGrpSpPr>
-        <p:cNvPr id="286" name="Shape 286"/>
+        <p:cNvPr id="284" name="Shape 284"/>
         <p:cNvGrpSpPr/>
         <p:nvPr/>
       </p:nvGrpSpPr>
@@ -20200,7 +20302,7 @@
       </p:grpSpPr>
       <p:sp>
         <p:nvSpPr>
-          <p:cNvPr id="287" name="Google Shape;287;p6"/>
+          <p:cNvPr id="285" name="Google Shape;285;p6"/>
           <p:cNvSpPr txBox="1"/>
           <p:nvPr>
             <p:ph type="title"/>
@@ -20260,107 +20362,7 @@
       </p:sp>
       <p:sp>
         <p:nvSpPr>
-          <p:cNvPr id="288" name="Google Shape;288;p6"/>
-          <p:cNvSpPr txBox="1"/>
-          <p:nvPr>
-            <p:ph idx="3" type="body"/>
-          </p:nvPr>
-        </p:nvSpPr>
-        <p:spPr>
-          <a:xfrm>
-            <a:off x="839788" y="2505075"/>
-            <a:ext cx="5157787" cy="3684588"/>
-          </a:xfrm>
-          <a:prstGeom prst="rect">
-            <a:avLst/>
-          </a:prstGeom>
-          <a:noFill/>
-          <a:ln>
-            <a:noFill/>
-          </a:ln>
-        </p:spPr>
-        <p:txBody>
-          <a:bodyPr anchorCtr="0" anchor="t" bIns="45700" lIns="91425" spcFirstLastPara="1" rIns="91425" wrap="square" tIns="45700">
-            <a:normAutofit/>
-          </a:bodyPr>
-          <a:lstStyle/>
-          <a:p>
-            <a:pPr indent="-76200" lvl="0" marL="228600" rtl="0" algn="l">
-              <a:lnSpc>
-                <a:spcPct val="90000"/>
-              </a:lnSpc>
-              <a:spcBef>
-                <a:spcPts val="0"/>
-              </a:spcBef>
-              <a:spcAft>
-                <a:spcPts val="0"/>
-              </a:spcAft>
-              <a:buClr>
-                <a:schemeClr val="dk1"/>
-              </a:buClr>
-              <a:buSzPts val="2400"/>
-              <a:buNone/>
-            </a:pPr>
-            <a:r>
-              <a:t/>
-            </a:r>
-            <a:endParaRPr/>
-          </a:p>
-        </p:txBody>
-      </p:sp>
-      <p:sp>
-        <p:nvSpPr>
-          <p:cNvPr id="289" name="Google Shape;289;p6"/>
-          <p:cNvSpPr txBox="1"/>
-          <p:nvPr>
-            <p:ph idx="1" type="body"/>
-          </p:nvPr>
-        </p:nvSpPr>
-        <p:spPr>
-          <a:xfrm>
-            <a:off x="6172200" y="2505075"/>
-            <a:ext cx="5183188" cy="3684588"/>
-          </a:xfrm>
-          <a:prstGeom prst="rect">
-            <a:avLst/>
-          </a:prstGeom>
-          <a:noFill/>
-          <a:ln>
-            <a:noFill/>
-          </a:ln>
-        </p:spPr>
-        <p:txBody>
-          <a:bodyPr anchorCtr="0" anchor="t" bIns="45700" lIns="91425" spcFirstLastPara="1" rIns="91425" wrap="square" tIns="45700">
-            <a:normAutofit/>
-          </a:bodyPr>
-          <a:lstStyle/>
-          <a:p>
-            <a:pPr indent="-76200" lvl="0" marL="228600" rtl="0" algn="l">
-              <a:lnSpc>
-                <a:spcPct val="90000"/>
-              </a:lnSpc>
-              <a:spcBef>
-                <a:spcPts val="0"/>
-              </a:spcBef>
-              <a:spcAft>
-                <a:spcPts val="0"/>
-              </a:spcAft>
-              <a:buClr>
-                <a:schemeClr val="dk1"/>
-              </a:buClr>
-              <a:buSzPts val="2400"/>
-              <a:buNone/>
-            </a:pPr>
-            <a:r>
-              <a:t/>
-            </a:r>
-            <a:endParaRPr/>
-          </a:p>
-        </p:txBody>
-      </p:sp>
-      <p:sp>
-        <p:nvSpPr>
-          <p:cNvPr id="290" name="Google Shape;290;p6"/>
+          <p:cNvPr id="286" name="Google Shape;286;p6"/>
           <p:cNvSpPr txBox="1"/>
           <p:nvPr>
             <p:ph idx="12" type="sldNum"/>
@@ -20404,7 +20406,7 @@
       </p:sp>
       <p:sp>
         <p:nvSpPr>
-          <p:cNvPr id="291" name="Google Shape;291;p6"/>
+          <p:cNvPr id="287" name="Google Shape;287;p6"/>
           <p:cNvSpPr txBox="1"/>
           <p:nvPr>
             <p:ph idx="1" type="body"/>
@@ -20425,7 +20427,7 @@
         </p:spPr>
         <p:txBody>
           <a:bodyPr anchorCtr="0" anchor="t" bIns="45700" lIns="91425" spcFirstLastPara="1" rIns="91425" wrap="square" tIns="45700">
-            <a:normAutofit fontScale="55000" lnSpcReduction="10000"/>
+            <a:normAutofit fontScale="62500" lnSpcReduction="20000"/>
           </a:bodyPr>
           <a:lstStyle/>
           <a:p>
@@ -20447,7 +20449,7 @@
             </a:pPr>
             <a:r>
               <a:rPr lang="en-US"/>
-              <a:t>Shrusti Jain, Kevin Lu, Taobo Liao, Smeet Patel</a:t>
+              <a:t>Smeet Patel</a:t>
             </a:r>
             <a:endParaRPr/>
           </a:p>
@@ -20455,7 +20457,7 @@
       </p:sp>
       <p:pic>
         <p:nvPicPr>
-          <p:cNvPr id="292" name="Google Shape;292;p6"/>
+          <p:cNvPr id="288" name="Google Shape;288;p6"/>
           <p:cNvPicPr preferRelativeResize="0"/>
           <p:nvPr/>
         </p:nvPicPr>
@@ -20483,7 +20485,7 @@
       </p:pic>
       <p:pic>
         <p:nvPicPr>
-          <p:cNvPr id="293" name="Google Shape;293;p6"/>
+          <p:cNvPr id="289" name="Google Shape;289;p6"/>
           <p:cNvPicPr preferRelativeResize="0"/>
           <p:nvPr/>
         </p:nvPicPr>
@@ -20511,7 +20513,7 @@
       </p:pic>
       <p:pic>
         <p:nvPicPr>
-          <p:cNvPr id="294" name="Google Shape;294;p6"/>
+          <p:cNvPr id="290" name="Google Shape;290;p6"/>
           <p:cNvPicPr preferRelativeResize="0"/>
           <p:nvPr/>
         </p:nvPicPr>
@@ -20550,7 +20552,7 @@
   <p:cSld>
     <p:spTree>
       <p:nvGrpSpPr>
-        <p:cNvPr id="299" name="Shape 299"/>
+        <p:cNvPr id="295" name="Shape 295"/>
         <p:cNvGrpSpPr/>
         <p:nvPr/>
       </p:nvGrpSpPr>
@@ -20564,7 +20566,7 @@
       </p:grpSpPr>
       <p:sp>
         <p:nvSpPr>
-          <p:cNvPr id="300" name="Google Shape;300;g31ce2079169_5_7"/>
+          <p:cNvPr id="296" name="Google Shape;296;g31ce2079169_5_7"/>
           <p:cNvSpPr txBox="1"/>
           <p:nvPr>
             <p:ph idx="12" type="sldNum"/>
@@ -20608,7 +20610,7 @@
       </p:sp>
       <p:sp>
         <p:nvSpPr>
-          <p:cNvPr id="301" name="Google Shape;301;g31ce2079169_5_7"/>
+          <p:cNvPr id="297" name="Google Shape;297;g31ce2079169_5_7"/>
           <p:cNvSpPr txBox="1"/>
           <p:nvPr>
             <p:ph idx="1" type="body"/>
@@ -20647,7 +20649,7 @@
       </p:sp>
       <p:sp>
         <p:nvSpPr>
-          <p:cNvPr id="302" name="Google Shape;302;g31ce2079169_5_7"/>
+          <p:cNvPr id="298" name="Google Shape;298;g31ce2079169_5_7"/>
           <p:cNvSpPr txBox="1"/>
           <p:nvPr>
             <p:ph idx="2" type="body"/>
@@ -20686,85 +20688,7 @@
       </p:sp>
       <p:sp>
         <p:nvSpPr>
-          <p:cNvPr id="303" name="Google Shape;303;g31ce2079169_5_7"/>
-          <p:cNvSpPr txBox="1"/>
-          <p:nvPr>
-            <p:ph idx="3" type="body"/>
-          </p:nvPr>
-        </p:nvSpPr>
-        <p:spPr>
-          <a:xfrm>
-            <a:off x="839788" y="2505075"/>
-            <a:ext cx="5157900" cy="3684600"/>
-          </a:xfrm>
-          <a:prstGeom prst="rect">
-            <a:avLst/>
-          </a:prstGeom>
-        </p:spPr>
-        <p:txBody>
-          <a:bodyPr anchorCtr="0" anchor="t" bIns="45700" lIns="91425" spcFirstLastPara="1" rIns="91425" wrap="square" tIns="45700">
-            <a:normAutofit/>
-          </a:bodyPr>
-          <a:lstStyle/>
-          <a:p>
-            <a:pPr indent="0" lvl="0" marL="0" rtl="0" algn="l">
-              <a:spcBef>
-                <a:spcPts val="1000"/>
-              </a:spcBef>
-              <a:spcAft>
-                <a:spcPts val="0"/>
-              </a:spcAft>
-              <a:buNone/>
-            </a:pPr>
-            <a:r>
-              <a:t/>
-            </a:r>
-            <a:endParaRPr/>
-          </a:p>
-        </p:txBody>
-      </p:sp>
-      <p:sp>
-        <p:nvSpPr>
-          <p:cNvPr id="304" name="Google Shape;304;g31ce2079169_5_7"/>
-          <p:cNvSpPr txBox="1"/>
-          <p:nvPr>
-            <p:ph idx="4" type="body"/>
-          </p:nvPr>
-        </p:nvSpPr>
-        <p:spPr>
-          <a:xfrm>
-            <a:off x="839788" y="1681163"/>
-            <a:ext cx="5157900" cy="499200"/>
-          </a:xfrm>
-          <a:prstGeom prst="rect">
-            <a:avLst/>
-          </a:prstGeom>
-        </p:spPr>
-        <p:txBody>
-          <a:bodyPr anchorCtr="0" anchor="b" bIns="45700" lIns="91425" spcFirstLastPara="1" rIns="91425" wrap="square" tIns="45700">
-            <a:normAutofit/>
-          </a:bodyPr>
-          <a:lstStyle/>
-          <a:p>
-            <a:pPr indent="0" lvl="0" marL="0" rtl="0" algn="l">
-              <a:spcBef>
-                <a:spcPts val="1000"/>
-              </a:spcBef>
-              <a:spcAft>
-                <a:spcPts val="0"/>
-              </a:spcAft>
-              <a:buNone/>
-            </a:pPr>
-            <a:r>
-              <a:t/>
-            </a:r>
-            <a:endParaRPr/>
-          </a:p>
-        </p:txBody>
-      </p:sp>
-      <p:sp>
-        <p:nvSpPr>
-          <p:cNvPr id="305" name="Google Shape;305;g31ce2079169_5_7"/>
+          <p:cNvPr id="299" name="Google Shape;299;g31ce2079169_5_7"/>
           <p:cNvSpPr txBox="1"/>
           <p:nvPr>
             <p:ph type="title"/>
@@ -20804,7 +20728,7 @@
       </p:sp>
       <p:pic>
         <p:nvPicPr>
-          <p:cNvPr id="306" name="Google Shape;306;g31ce2079169_5_7"/>
+          <p:cNvPr id="300" name="Google Shape;300;g31ce2079169_5_7"/>
           <p:cNvPicPr preferRelativeResize="0"/>
           <p:nvPr/>
         </p:nvPicPr>
@@ -20818,7 +20742,7 @@
         </p:blipFill>
         <p:spPr>
           <a:xfrm>
-            <a:off x="2935008" y="1681175"/>
+            <a:off x="2876708" y="1681175"/>
             <a:ext cx="6321960" cy="4441300"/>
           </a:xfrm>
           <a:prstGeom prst="rect">
@@ -20830,6 +20754,57 @@
           </a:ln>
         </p:spPr>
       </p:pic>
+      <p:sp>
+        <p:nvSpPr>
+          <p:cNvPr id="301" name="Google Shape;301;g31ce2079169_5_7"/>
+          <p:cNvSpPr txBox="1"/>
+          <p:nvPr>
+            <p:ph idx="1" type="body"/>
+          </p:nvPr>
+        </p:nvSpPr>
+        <p:spPr>
+          <a:xfrm>
+            <a:off x="675149" y="6404700"/>
+            <a:ext cx="3923400" cy="268500"/>
+          </a:xfrm>
+          <a:prstGeom prst="rect">
+            <a:avLst/>
+          </a:prstGeom>
+          <a:noFill/>
+          <a:ln>
+            <a:noFill/>
+          </a:ln>
+        </p:spPr>
+        <p:txBody>
+          <a:bodyPr anchorCtr="0" anchor="t" bIns="45700" lIns="91425" spcFirstLastPara="1" rIns="91425" wrap="square" tIns="45700">
+            <a:normAutofit fontScale="62500" lnSpcReduction="20000"/>
+          </a:bodyPr>
+          <a:lstStyle/>
+          <a:p>
+            <a:pPr indent="0" lvl="0" marL="0" rtl="0" algn="l">
+              <a:lnSpc>
+                <a:spcPct val="90000"/>
+              </a:lnSpc>
+              <a:spcBef>
+                <a:spcPts val="0"/>
+              </a:spcBef>
+              <a:spcAft>
+                <a:spcPts val="0"/>
+              </a:spcAft>
+              <a:buClr>
+                <a:srgbClr val="12284B"/>
+              </a:buClr>
+              <a:buSzPct val="50000"/>
+              <a:buNone/>
+            </a:pPr>
+            <a:r>
+              <a:rPr lang="en-US"/>
+              <a:t>Smeet Patel</a:t>
+            </a:r>
+            <a:endParaRPr/>
+          </a:p>
+        </p:txBody>
+      </p:sp>
     </p:spTree>
   </p:cSld>
   <p:clrMapOvr>
@@ -20843,7 +20818,7 @@
   <p:cSld>
     <p:spTree>
       <p:nvGrpSpPr>
-        <p:cNvPr id="311" name="Shape 311"/>
+        <p:cNvPr id="306" name="Shape 306"/>
         <p:cNvGrpSpPr/>
         <p:nvPr/>
       </p:nvGrpSpPr>
@@ -20857,7 +20832,7 @@
       </p:grpSpPr>
       <p:sp>
         <p:nvSpPr>
-          <p:cNvPr id="312" name="Google Shape;312;g31ce2079169_0_54"/>
+          <p:cNvPr id="307" name="Google Shape;307;g31ce2079169_0_54"/>
           <p:cNvSpPr txBox="1"/>
           <p:nvPr>
             <p:ph idx="12" type="sldNum"/>
@@ -20901,7 +20876,7 @@
       </p:sp>
       <p:sp>
         <p:nvSpPr>
-          <p:cNvPr id="313" name="Google Shape;313;g31ce2079169_0_54"/>
+          <p:cNvPr id="308" name="Google Shape;308;g31ce2079169_0_54"/>
           <p:cNvSpPr txBox="1"/>
           <p:nvPr>
             <p:ph idx="1" type="body"/>
@@ -20942,7 +20917,7 @@
       </p:sp>
       <p:sp>
         <p:nvSpPr>
-          <p:cNvPr id="314" name="Google Shape;314;g31ce2079169_0_54"/>
+          <p:cNvPr id="309" name="Google Shape;309;g31ce2079169_0_54"/>
           <p:cNvSpPr txBox="1"/>
           <p:nvPr>
             <p:ph type="title"/>
@@ -20982,7 +20957,7 @@
       </p:sp>
       <p:pic>
         <p:nvPicPr>
-          <p:cNvPr id="315" name="Google Shape;315;g31ce2079169_0_54"/>
+          <p:cNvPr id="310" name="Google Shape;310;g31ce2079169_0_54"/>
           <p:cNvPicPr preferRelativeResize="0"/>
           <p:nvPr/>
         </p:nvPicPr>
@@ -21008,6 +20983,57 @@
           </a:ln>
         </p:spPr>
       </p:pic>
+      <p:sp>
+        <p:nvSpPr>
+          <p:cNvPr id="311" name="Google Shape;311;g31ce2079169_0_54"/>
+          <p:cNvSpPr txBox="1"/>
+          <p:nvPr>
+            <p:ph idx="1" type="body"/>
+          </p:nvPr>
+        </p:nvSpPr>
+        <p:spPr>
+          <a:xfrm>
+            <a:off x="675149" y="6404700"/>
+            <a:ext cx="3923400" cy="268500"/>
+          </a:xfrm>
+          <a:prstGeom prst="rect">
+            <a:avLst/>
+          </a:prstGeom>
+          <a:noFill/>
+          <a:ln>
+            <a:noFill/>
+          </a:ln>
+        </p:spPr>
+        <p:txBody>
+          <a:bodyPr anchorCtr="0" anchor="t" bIns="45700" lIns="91425" spcFirstLastPara="1" rIns="91425" wrap="square" tIns="45700">
+            <a:normAutofit fontScale="55000" lnSpcReduction="20000"/>
+          </a:bodyPr>
+          <a:lstStyle/>
+          <a:p>
+            <a:pPr indent="0" lvl="0" marL="0" rtl="0" algn="l">
+              <a:lnSpc>
+                <a:spcPct val="90000"/>
+              </a:lnSpc>
+              <a:spcBef>
+                <a:spcPts val="0"/>
+              </a:spcBef>
+              <a:spcAft>
+                <a:spcPts val="0"/>
+              </a:spcAft>
+              <a:buClr>
+                <a:srgbClr val="12284B"/>
+              </a:buClr>
+              <a:buSzPct val="42857"/>
+              <a:buNone/>
+            </a:pPr>
+            <a:r>
+              <a:rPr lang="en-US"/>
+              <a:t>Taobo Liao, Smeet Patel, Kevin Lu</a:t>
+            </a:r>
+            <a:endParaRPr/>
+          </a:p>
+        </p:txBody>
+      </p:sp>
     </p:spTree>
   </p:cSld>
   <p:clrMapOvr>
@@ -21021,7 +21047,7 @@
   <p:cSld>
     <p:spTree>
       <p:nvGrpSpPr>
-        <p:cNvPr id="320" name="Shape 320"/>
+        <p:cNvPr id="316" name="Shape 316"/>
         <p:cNvGrpSpPr/>
         <p:nvPr/>
       </p:nvGrpSpPr>
@@ -21035,7 +21061,7 @@
       </p:grpSpPr>
       <p:sp>
         <p:nvSpPr>
-          <p:cNvPr id="321" name="Google Shape;321;g31ce2079169_3_80"/>
+          <p:cNvPr id="317" name="Google Shape;317;g31ce2079169_0_28"/>
           <p:cNvSpPr txBox="1"/>
           <p:nvPr>
             <p:ph type="title"/>
@@ -21043,7 +21069,7 @@
         </p:nvSpPr>
         <p:spPr>
           <a:xfrm>
-            <a:off x="838200" y="664684"/>
+            <a:off x="838200" y="2882169"/>
             <a:ext cx="10515600" cy="599100"/>
           </a:xfrm>
           <a:prstGeom prst="rect">
@@ -21056,134 +21082,26 @@
         </p:spPr>
         <p:txBody>
           <a:bodyPr anchorCtr="0" anchor="ctr" bIns="45700" lIns="91425" spcFirstLastPara="1" rIns="91425" wrap="square" tIns="45700">
-            <a:normAutofit fontScale="90000"/>
-          </a:bodyPr>
-          <a:lstStyle/>
-          <a:p>
-            <a:pPr indent="0" lvl="0" marL="0" rtl="0" algn="l">
-              <a:lnSpc>
-                <a:spcPct val="90000"/>
-              </a:lnSpc>
-              <a:spcBef>
-                <a:spcPts val="0"/>
-              </a:spcBef>
-              <a:spcAft>
-                <a:spcPts val="0"/>
-              </a:spcAft>
-              <a:buClr>
-                <a:srgbClr val="FF5F03"/>
-              </a:buClr>
-              <a:buSzPct val="100000"/>
-              <a:buFont typeface="Arial Black"/>
-              <a:buNone/>
-            </a:pPr>
-            <a:r>
-              <a:rPr lang="en-US"/>
-              <a:t>Part 1-2</a:t>
-            </a:r>
-            <a:endParaRPr/>
-          </a:p>
-        </p:txBody>
-      </p:sp>
-      <p:sp>
-        <p:nvSpPr>
-          <p:cNvPr id="322" name="Google Shape;322;g31ce2079169_3_80"/>
-          <p:cNvSpPr txBox="1"/>
-          <p:nvPr>
-            <p:ph idx="1" type="body"/>
-          </p:nvPr>
-        </p:nvSpPr>
-        <p:spPr>
-          <a:xfrm>
-            <a:off x="838200" y="1740981"/>
-            <a:ext cx="10515600" cy="1918200"/>
-          </a:xfrm>
-          <a:prstGeom prst="rect">
-            <a:avLst/>
-          </a:prstGeom>
-          <a:noFill/>
-          <a:ln>
-            <a:noFill/>
-          </a:ln>
-        </p:spPr>
-        <p:txBody>
-          <a:bodyPr anchorCtr="0" anchor="t" bIns="45700" lIns="91425" spcFirstLastPara="1" rIns="91425" wrap="square" tIns="45700">
             <a:normAutofit/>
           </a:bodyPr>
           <a:lstStyle/>
           <a:p>
-            <a:pPr indent="-342900" lvl="0" marL="457200" rtl="0" algn="l">
-              <a:lnSpc>
-                <a:spcPct val="90000"/>
-              </a:lnSpc>
-              <a:spcBef>
-                <a:spcPts val="0"/>
-              </a:spcBef>
-              <a:spcAft>
-                <a:spcPts val="0"/>
-              </a:spcAft>
-              <a:buSzPts val="1800"/>
-              <a:buChar char="•"/>
-            </a:pPr>
-            <a:r>
-              <a:rPr lang="en-US"/>
-              <a:t>What is Part 1 or 2 crime?</a:t>
-            </a:r>
-            <a:endParaRPr/>
-          </a:p>
-          <a:p>
-            <a:pPr indent="-342900" lvl="0" marL="457200" rtl="0" algn="l">
-              <a:lnSpc>
-                <a:spcPct val="90000"/>
-              </a:lnSpc>
-              <a:spcBef>
-                <a:spcPts val="0"/>
-              </a:spcBef>
-              <a:spcAft>
-                <a:spcPts val="0"/>
-              </a:spcAft>
-              <a:buSzPts val="1800"/>
-              <a:buChar char="•"/>
-            </a:pPr>
-            <a:r>
-              <a:rPr lang="en-US"/>
-              <a:t>Training with Part 1 or 2 crime as target</a:t>
-            </a:r>
-            <a:endParaRPr/>
-          </a:p>
-          <a:p>
-            <a:pPr indent="-342900" lvl="0" marL="457200" rtl="0" algn="l">
-              <a:lnSpc>
-                <a:spcPct val="90000"/>
-              </a:lnSpc>
-              <a:spcBef>
-                <a:spcPts val="0"/>
-              </a:spcBef>
-              <a:spcAft>
-                <a:spcPts val="0"/>
-              </a:spcAft>
-              <a:buSzPts val="1800"/>
-              <a:buChar char="•"/>
-            </a:pPr>
-            <a:r>
-              <a:rPr lang="en-US"/>
-              <a:t>Accuracy: .93 on test set</a:t>
-            </a:r>
-            <a:endParaRPr/>
-          </a:p>
-          <a:p>
-            <a:pPr indent="-342900" lvl="0" marL="457200" rtl="0" algn="l">
-              <a:lnSpc>
-                <a:spcPct val="90000"/>
-              </a:lnSpc>
-              <a:spcBef>
-                <a:spcPts val="0"/>
-              </a:spcBef>
-              <a:spcAft>
-                <a:spcPts val="0"/>
-              </a:spcAft>
-              <a:buSzPts val="1800"/>
-              <a:buChar char="•"/>
+            <a:pPr indent="0" lvl="0" marL="0" rtl="0" algn="ctr">
+              <a:lnSpc>
+                <a:spcPct val="90000"/>
+              </a:lnSpc>
+              <a:spcBef>
+                <a:spcPts val="0"/>
+              </a:spcBef>
+              <a:spcAft>
+                <a:spcPts val="0"/>
+              </a:spcAft>
+              <a:buClr>
+                <a:srgbClr val="FF5F03"/>
+              </a:buClr>
+              <a:buSzPts val="3600"/>
+              <a:buFont typeface="Georgia"/>
+              <a:buNone/>
             </a:pPr>
             <a:r>
               <a:rPr lang="en-US"/>
@@ -21195,7 +21113,7 @@
       </p:sp>
       <p:sp>
         <p:nvSpPr>
-          <p:cNvPr id="323" name="Google Shape;323;g31ce2079169_3_80"/>
+          <p:cNvPr id="318" name="Google Shape;318;g31ce2079169_0_28"/>
           <p:cNvSpPr txBox="1"/>
           <p:nvPr>
             <p:ph idx="12" type="sldNum"/>
@@ -21230,101 +21148,9 @@
               <a:buNone/>
             </a:pPr>
             <a:fld id="{00000000-1234-1234-1234-123412341234}" type="slidenum">
-              <a:rPr lang="en-US">
-                <a:solidFill>
-                  <a:schemeClr val="dk1"/>
-                </a:solidFill>
-                <a:highlight>
-                  <a:schemeClr val="lt1"/>
-                </a:highlight>
-              </a:rPr>
+              <a:rPr lang="en-US"/>
               <a:t>‹#›</a:t>
             </a:fld>
-            <a:endParaRPr>
-              <a:solidFill>
-                <a:schemeClr val="dk1"/>
-              </a:solidFill>
-              <a:highlight>
-                <a:schemeClr val="lt1"/>
-              </a:highlight>
-            </a:endParaRPr>
-          </a:p>
-        </p:txBody>
-      </p:sp>
-      <p:pic>
-        <p:nvPicPr>
-          <p:cNvPr descr="A orange and blue Block I logo on a white background." id="324" name="Google Shape;324;g31ce2079169_3_80"/>
-          <p:cNvPicPr preferRelativeResize="0"/>
-          <p:nvPr/>
-        </p:nvPicPr>
-        <p:blipFill rotWithShape="1">
-          <a:blip r:embed="rId3">
-            <a:alphaModFix/>
-          </a:blip>
-          <a:srcRect b="0" l="0" r="0" t="0"/>
-          <a:stretch/>
-        </p:blipFill>
-        <p:spPr>
-          <a:xfrm>
-            <a:off x="11271055" y="5910977"/>
-            <a:ext cx="759486" cy="948449"/>
-          </a:xfrm>
-          <a:prstGeom prst="rect">
-            <a:avLst/>
-          </a:prstGeom>
-          <a:noFill/>
-          <a:ln>
-            <a:noFill/>
-          </a:ln>
-        </p:spPr>
-      </p:pic>
-      <p:sp>
-        <p:nvSpPr>
-          <p:cNvPr id="325" name="Google Shape;325;g31ce2079169_3_80"/>
-          <p:cNvSpPr txBox="1"/>
-          <p:nvPr>
-            <p:ph idx="1" type="body"/>
-          </p:nvPr>
-        </p:nvSpPr>
-        <p:spPr>
-          <a:xfrm>
-            <a:off x="675149" y="6404700"/>
-            <a:ext cx="3923400" cy="268500"/>
-          </a:xfrm>
-          <a:prstGeom prst="rect">
-            <a:avLst/>
-          </a:prstGeom>
-          <a:noFill/>
-          <a:ln>
-            <a:noFill/>
-          </a:ln>
-        </p:spPr>
-        <p:txBody>
-          <a:bodyPr anchorCtr="0" anchor="t" bIns="45700" lIns="91425" spcFirstLastPara="1" rIns="91425" wrap="square" tIns="45700">
-            <a:normAutofit fontScale="47500" lnSpcReduction="10000"/>
-          </a:bodyPr>
-          <a:lstStyle/>
-          <a:p>
-            <a:pPr indent="0" lvl="0" marL="0" rtl="0" algn="l">
-              <a:lnSpc>
-                <a:spcPct val="90000"/>
-              </a:lnSpc>
-              <a:spcBef>
-                <a:spcPts val="0"/>
-              </a:spcBef>
-              <a:spcAft>
-                <a:spcPts val="0"/>
-              </a:spcAft>
-              <a:buClr>
-                <a:srgbClr val="12284B"/>
-              </a:buClr>
-              <a:buSzPct val="42857"/>
-              <a:buNone/>
-            </a:pPr>
-            <a:r>
-              <a:rPr lang="en-US"/>
-              <a:t>Shrusti Jain, Kevin Lu, Taobo Liao, Smeet Patel</a:t>
-            </a:r>
             <a:endParaRPr/>
           </a:p>
         </p:txBody>
@@ -21785,57 +21611,6 @@
           </a:p>
         </p:txBody>
       </p:sp>
-      <p:sp>
-        <p:nvSpPr>
-          <p:cNvPr id="143" name="Google Shape;143;p2"/>
-          <p:cNvSpPr txBox="1"/>
-          <p:nvPr>
-            <p:ph idx="1" type="body"/>
-          </p:nvPr>
-        </p:nvSpPr>
-        <p:spPr>
-          <a:xfrm>
-            <a:off x="3893424" y="6452975"/>
-            <a:ext cx="3923400" cy="268500"/>
-          </a:xfrm>
-          <a:prstGeom prst="rect">
-            <a:avLst/>
-          </a:prstGeom>
-          <a:noFill/>
-          <a:ln>
-            <a:noFill/>
-          </a:ln>
-        </p:spPr>
-        <p:txBody>
-          <a:bodyPr anchorCtr="0" anchor="t" bIns="45700" lIns="91425" spcFirstLastPara="1" rIns="91425" wrap="square" tIns="45700">
-            <a:normAutofit fontScale="62500"/>
-          </a:bodyPr>
-          <a:lstStyle/>
-          <a:p>
-            <a:pPr indent="0" lvl="0" marL="0" rtl="0" algn="l">
-              <a:lnSpc>
-                <a:spcPct val="90000"/>
-              </a:lnSpc>
-              <a:spcBef>
-                <a:spcPts val="0"/>
-              </a:spcBef>
-              <a:spcAft>
-                <a:spcPts val="0"/>
-              </a:spcAft>
-              <a:buClr>
-                <a:srgbClr val="12284B"/>
-              </a:buClr>
-              <a:buSzPct val="60000"/>
-              <a:buNone/>
-            </a:pPr>
-            <a:r>
-              <a:rPr b="0" lang="en-US"/>
-              <a:t>Shrusti Jain, Kevin Lu, Taobo Liao, Smeet Patel</a:t>
-            </a:r>
-            <a:endParaRPr b="0"/>
-          </a:p>
-        </p:txBody>
-      </p:sp>
     </p:spTree>
   </p:cSld>
   <p:clrMapOvr>
@@ -21849,7 +21624,7 @@
   <p:cSld>
     <p:spTree>
       <p:nvGrpSpPr>
-        <p:cNvPr id="330" name="Shape 330"/>
+        <p:cNvPr id="323" name="Shape 323"/>
         <p:cNvGrpSpPr/>
         <p:nvPr/>
       </p:nvGrpSpPr>
@@ -21863,7 +21638,7 @@
       </p:grpSpPr>
       <p:sp>
         <p:nvSpPr>
-          <p:cNvPr id="331" name="Google Shape;331;g31ce2079169_3_89"/>
+          <p:cNvPr id="324" name="Google Shape;324;g31ce2079169_0_35"/>
           <p:cNvSpPr txBox="1"/>
           <p:nvPr>
             <p:ph type="title"/>
@@ -21907,7 +21682,7 @@
             </a:pPr>
             <a:r>
               <a:rPr lang="en-US"/>
-              <a:t>Time-Sensitive Learning</a:t>
+              <a:t>Per Feature Importance Results</a:t>
             </a:r>
             <a:endParaRPr/>
           </a:p>
@@ -21915,7 +21690,7 @@
       </p:sp>
       <p:sp>
         <p:nvSpPr>
-          <p:cNvPr id="332" name="Google Shape;332;g31ce2079169_3_89"/>
+          <p:cNvPr id="325" name="Google Shape;325;g31ce2079169_0_35"/>
           <p:cNvSpPr txBox="1"/>
           <p:nvPr>
             <p:ph idx="12" type="sldNum"/>
@@ -21973,7 +21748,7 @@
       </p:sp>
       <p:pic>
         <p:nvPicPr>
-          <p:cNvPr descr="A orange and blue Block I logo on a white background." id="333" name="Google Shape;333;g31ce2079169_3_89"/>
+          <p:cNvPr descr="A orange and blue Block I logo on a white background." id="326" name="Google Shape;326;g31ce2079169_0_35"/>
           <p:cNvPicPr preferRelativeResize="0"/>
           <p:nvPr/>
         </p:nvPicPr>
@@ -22000,7 +21775,7 @@
       </p:pic>
       <p:sp>
         <p:nvSpPr>
-          <p:cNvPr id="334" name="Google Shape;334;g31ce2079169_3_89"/>
+          <p:cNvPr id="327" name="Google Shape;327;g31ce2079169_0_35"/>
           <p:cNvSpPr txBox="1"/>
           <p:nvPr>
             <p:ph idx="1" type="body"/>
@@ -22049,117 +21824,9 @@
           </a:p>
         </p:txBody>
       </p:sp>
-      <p:sp>
-        <p:nvSpPr>
-          <p:cNvPr id="335" name="Google Shape;335;g31ce2079169_3_89"/>
-          <p:cNvSpPr txBox="1"/>
-          <p:nvPr>
-            <p:ph idx="1" type="body"/>
-          </p:nvPr>
-        </p:nvSpPr>
-        <p:spPr>
-          <a:xfrm>
-            <a:off x="755450" y="1559000"/>
-            <a:ext cx="5014500" cy="4587300"/>
-          </a:xfrm>
-          <a:prstGeom prst="rect">
-            <a:avLst/>
-          </a:prstGeom>
-          <a:noFill/>
-          <a:ln>
-            <a:noFill/>
-          </a:ln>
-        </p:spPr>
-        <p:txBody>
-          <a:bodyPr anchorCtr="0" anchor="t" bIns="45700" lIns="91425" spcFirstLastPara="1" rIns="91425" wrap="square" tIns="45700">
-            <a:normAutofit/>
-          </a:bodyPr>
-          <a:lstStyle/>
-          <a:p>
-            <a:pPr indent="-342900" lvl="0" marL="457200" rtl="0" algn="l">
-              <a:lnSpc>
-                <a:spcPct val="90000"/>
-              </a:lnSpc>
-              <a:spcBef>
-                <a:spcPts val="0"/>
-              </a:spcBef>
-              <a:spcAft>
-                <a:spcPts val="0"/>
-              </a:spcAft>
-              <a:buSzPts val="1800"/>
-              <a:buChar char="•"/>
-            </a:pPr>
-            <a:r>
-              <a:rPr lang="en-US"/>
-              <a:t>Training on 2020-2022 data, “validating” on 2023, testing on 2024</a:t>
-            </a:r>
-            <a:endParaRPr/>
-          </a:p>
-          <a:p>
-            <a:pPr indent="-342900" lvl="0" marL="457200" rtl="0" algn="l">
-              <a:lnSpc>
-                <a:spcPct val="90000"/>
-              </a:lnSpc>
-              <a:spcBef>
-                <a:spcPts val="0"/>
-              </a:spcBef>
-              <a:spcAft>
-                <a:spcPts val="0"/>
-              </a:spcAft>
-              <a:buSzPts val="1800"/>
-              <a:buChar char="•"/>
-            </a:pPr>
-            <a:r>
-              <a:rPr lang="en-US"/>
-              <a:t>Accuracy: .62 on 2023, .46 on 2024</a:t>
-            </a:r>
-            <a:endParaRPr/>
-          </a:p>
-          <a:p>
-            <a:pPr indent="-342900" lvl="0" marL="457200" rtl="0" algn="l">
-              <a:lnSpc>
-                <a:spcPct val="90000"/>
-              </a:lnSpc>
-              <a:spcBef>
-                <a:spcPts val="0"/>
-              </a:spcBef>
-              <a:spcAft>
-                <a:spcPts val="0"/>
-              </a:spcAft>
-              <a:buSzPts val="1800"/>
-              <a:buChar char="•"/>
-            </a:pPr>
-            <a:r>
-              <a:rPr lang="en-US"/>
-              <a:t>Data bias</a:t>
-            </a:r>
-            <a:endParaRPr/>
-          </a:p>
-          <a:p>
-            <a:pPr indent="-342900" lvl="0" marL="457200" rtl="0" algn="l">
-              <a:lnSpc>
-                <a:spcPct val="90000"/>
-              </a:lnSpc>
-              <a:spcBef>
-                <a:spcPts val="0"/>
-              </a:spcBef>
-              <a:spcAft>
-                <a:spcPts val="0"/>
-              </a:spcAft>
-              <a:buSzPts val="1800"/>
-              <a:buChar char="•"/>
-            </a:pPr>
-            <a:r>
-              <a:rPr lang="en-US"/>
-              <a:t>Feature Importance</a:t>
-            </a:r>
-            <a:endParaRPr/>
-          </a:p>
-        </p:txBody>
-      </p:sp>
       <p:pic>
         <p:nvPicPr>
-          <p:cNvPr id="336" name="Google Shape;336;g31ce2079169_3_89"/>
+          <p:cNvPr id="328" name="Google Shape;328;g31ce2079169_0_35"/>
           <p:cNvPicPr preferRelativeResize="0"/>
           <p:nvPr/>
         </p:nvPicPr>
@@ -22173,370 +21840,8 @@
         </p:blipFill>
         <p:spPr>
           <a:xfrm>
-            <a:off x="6195349" y="1686281"/>
-            <a:ext cx="2814106" cy="3075994"/>
-          </a:xfrm>
-          <a:prstGeom prst="rect">
-            <a:avLst/>
-          </a:prstGeom>
-          <a:noFill/>
-          <a:ln>
-            <a:noFill/>
-          </a:ln>
-        </p:spPr>
-      </p:pic>
-      <p:pic>
-        <p:nvPicPr>
-          <p:cNvPr id="337" name="Google Shape;337;g31ce2079169_3_89"/>
-          <p:cNvPicPr preferRelativeResize="0"/>
-          <p:nvPr/>
-        </p:nvPicPr>
-        <p:blipFill>
-          <a:blip r:embed="rId5">
-            <a:alphaModFix/>
-          </a:blip>
-          <a:stretch>
-            <a:fillRect/>
-          </a:stretch>
-        </p:blipFill>
-        <p:spPr>
-          <a:xfrm>
-            <a:off x="9084554" y="1686284"/>
-            <a:ext cx="2877746" cy="3145556"/>
-          </a:xfrm>
-          <a:prstGeom prst="rect">
-            <a:avLst/>
-          </a:prstGeom>
-          <a:noFill/>
-          <a:ln>
-            <a:noFill/>
-          </a:ln>
-        </p:spPr>
-      </p:pic>
-    </p:spTree>
-  </p:cSld>
-  <p:clrMapOvr>
-    <a:masterClrMapping/>
-  </p:clrMapOvr>
-</p:sld>
-</file>
-
-<file path=ppt/slides/slide21.xml><?xml version="1.0" encoding="utf-8"?>
-<p:sld xmlns:a="http://schemas.openxmlformats.org/drawingml/2006/main" xmlns:r="http://schemas.openxmlformats.org/officeDocument/2006/relationships" xmlns:mc="http://schemas.openxmlformats.org/markup-compatibility/2006" xmlns:mv="urn:schemas-microsoft-com:mac:vml" xmlns:p="http://schemas.openxmlformats.org/presentationml/2006/main" xmlns:c="http://schemas.openxmlformats.org/drawingml/2006/chart" xmlns:dgm="http://schemas.openxmlformats.org/drawingml/2006/diagram" xmlns:o="urn:schemas-microsoft-com:office:office" xmlns:v="urn:schemas-microsoft-com:vml" xmlns:pvml="urn:schemas-microsoft-com:office:powerpoint" xmlns:com="http://schemas.openxmlformats.org/drawingml/2006/compatibility" xmlns:p14="http://schemas.microsoft.com/office/powerpoint/2010/main" xmlns:p15="http://schemas.microsoft.com/office/powerpoint/2012/main" xmlns:ahyp="http://schemas.microsoft.com/office/drawing/2018/hyperlinkcolor">
-  <p:cSld>
-    <p:spTree>
-      <p:nvGrpSpPr>
-        <p:cNvPr id="342" name="Shape 342"/>
-        <p:cNvGrpSpPr/>
-        <p:nvPr/>
-      </p:nvGrpSpPr>
-      <p:grpSpPr>
-        <a:xfrm>
-          <a:off x="0" y="0"/>
-          <a:ext cx="0" cy="0"/>
-          <a:chOff x="0" y="0"/>
-          <a:chExt cx="0" cy="0"/>
-        </a:xfrm>
-      </p:grpSpPr>
-      <p:sp>
-        <p:nvSpPr>
-          <p:cNvPr id="343" name="Google Shape;343;g31ce2079169_0_28"/>
-          <p:cNvSpPr txBox="1"/>
-          <p:nvPr>
-            <p:ph type="title"/>
-          </p:nvPr>
-        </p:nvSpPr>
-        <p:spPr>
-          <a:xfrm>
-            <a:off x="838200" y="2882169"/>
-            <a:ext cx="10515600" cy="599100"/>
-          </a:xfrm>
-          <a:prstGeom prst="rect">
-            <a:avLst/>
-          </a:prstGeom>
-          <a:noFill/>
-          <a:ln>
-            <a:noFill/>
-          </a:ln>
-        </p:spPr>
-        <p:txBody>
-          <a:bodyPr anchorCtr="0" anchor="ctr" bIns="45700" lIns="91425" spcFirstLastPara="1" rIns="91425" wrap="square" tIns="45700">
-            <a:normAutofit/>
-          </a:bodyPr>
-          <a:lstStyle/>
-          <a:p>
-            <a:pPr indent="0" lvl="0" marL="0" rtl="0" algn="ctr">
-              <a:lnSpc>
-                <a:spcPct val="90000"/>
-              </a:lnSpc>
-              <a:spcBef>
-                <a:spcPts val="0"/>
-              </a:spcBef>
-              <a:spcAft>
-                <a:spcPts val="0"/>
-              </a:spcAft>
-              <a:buClr>
-                <a:srgbClr val="FF5F03"/>
-              </a:buClr>
-              <a:buSzPts val="3600"/>
-              <a:buFont typeface="Georgia"/>
-              <a:buNone/>
-            </a:pPr>
-            <a:r>
-              <a:rPr lang="en-US"/>
-              <a:t>Feature Importance</a:t>
-            </a:r>
-            <a:endParaRPr/>
-          </a:p>
-        </p:txBody>
-      </p:sp>
-      <p:sp>
-        <p:nvSpPr>
-          <p:cNvPr id="344" name="Google Shape;344;g31ce2079169_0_28"/>
-          <p:cNvSpPr txBox="1"/>
-          <p:nvPr>
-            <p:ph idx="12" type="sldNum"/>
-          </p:nvPr>
-        </p:nvSpPr>
-        <p:spPr>
-          <a:xfrm>
-            <a:off x="8610600" y="6356350"/>
-            <a:ext cx="2743200" cy="365100"/>
-          </a:xfrm>
-          <a:prstGeom prst="rect">
-            <a:avLst/>
-          </a:prstGeom>
-          <a:noFill/>
-          <a:ln>
-            <a:noFill/>
-          </a:ln>
-        </p:spPr>
-        <p:txBody>
-          <a:bodyPr anchorCtr="0" anchor="ctr" bIns="45700" lIns="91425" spcFirstLastPara="1" rIns="91425" wrap="square" tIns="45700">
-            <a:noAutofit/>
-          </a:bodyPr>
-          <a:lstStyle/>
-          <a:p>
-            <a:pPr indent="0" lvl="0" marL="0" rtl="0" algn="r">
-              <a:spcBef>
-                <a:spcPts val="0"/>
-              </a:spcBef>
-              <a:spcAft>
-                <a:spcPts val="0"/>
-              </a:spcAft>
-              <a:buNone/>
-            </a:pPr>
-            <a:fld id="{00000000-1234-1234-1234-123412341234}" type="slidenum">
-              <a:rPr lang="en-US"/>
-              <a:t>‹#›</a:t>
-            </a:fld>
-            <a:endParaRPr/>
-          </a:p>
-        </p:txBody>
-      </p:sp>
-      <p:sp>
-        <p:nvSpPr>
-          <p:cNvPr id="345" name="Google Shape;345;g31ce2079169_0_28"/>
-          <p:cNvSpPr txBox="1"/>
-          <p:nvPr>
-            <p:ph idx="1" type="body"/>
-          </p:nvPr>
-        </p:nvSpPr>
-        <p:spPr>
-          <a:xfrm>
-            <a:off x="52574" y="6165250"/>
-            <a:ext cx="3923400" cy="268500"/>
-          </a:xfrm>
-          <a:prstGeom prst="rect">
-            <a:avLst/>
-          </a:prstGeom>
-          <a:noFill/>
-          <a:ln>
-            <a:noFill/>
-          </a:ln>
-        </p:spPr>
-        <p:txBody>
-          <a:bodyPr anchorCtr="0" anchor="t" bIns="45700" lIns="91425" spcFirstLastPara="1" rIns="91425" wrap="square" tIns="45700">
-            <a:normAutofit fontScale="70000"/>
-          </a:bodyPr>
-          <a:lstStyle/>
-          <a:p>
-            <a:pPr indent="0" lvl="0" marL="0" rtl="0" algn="l">
-              <a:lnSpc>
-                <a:spcPct val="90000"/>
-              </a:lnSpc>
-              <a:spcBef>
-                <a:spcPts val="0"/>
-              </a:spcBef>
-              <a:spcAft>
-                <a:spcPts val="0"/>
-              </a:spcAft>
-              <a:buClr>
-                <a:srgbClr val="12284B"/>
-              </a:buClr>
-              <a:buSzPct val="66666"/>
-              <a:buNone/>
-            </a:pPr>
-            <a:r>
-              <a:rPr b="0" lang="en-US"/>
-              <a:t>Shrusti Jain, Kevin Lu, Taobo Liao, Smeet Patel</a:t>
-            </a:r>
-            <a:endParaRPr b="0"/>
-          </a:p>
-        </p:txBody>
-      </p:sp>
-    </p:spTree>
-  </p:cSld>
-  <p:clrMapOvr>
-    <a:masterClrMapping/>
-  </p:clrMapOvr>
-</p:sld>
-</file>
-
-<file path=ppt/slides/slide22.xml><?xml version="1.0" encoding="utf-8"?>
-<p:sld xmlns:a="http://schemas.openxmlformats.org/drawingml/2006/main" xmlns:r="http://schemas.openxmlformats.org/officeDocument/2006/relationships" xmlns:mc="http://schemas.openxmlformats.org/markup-compatibility/2006" xmlns:mv="urn:schemas-microsoft-com:mac:vml" xmlns:p="http://schemas.openxmlformats.org/presentationml/2006/main" xmlns:c="http://schemas.openxmlformats.org/drawingml/2006/chart" xmlns:dgm="http://schemas.openxmlformats.org/drawingml/2006/diagram" xmlns:o="urn:schemas-microsoft-com:office:office" xmlns:v="urn:schemas-microsoft-com:vml" xmlns:pvml="urn:schemas-microsoft-com:office:powerpoint" xmlns:com="http://schemas.openxmlformats.org/drawingml/2006/compatibility" xmlns:p14="http://schemas.microsoft.com/office/powerpoint/2010/main" xmlns:p15="http://schemas.microsoft.com/office/powerpoint/2012/main" xmlns:ahyp="http://schemas.microsoft.com/office/drawing/2018/hyperlinkcolor">
-  <p:cSld>
-    <p:spTree>
-      <p:nvGrpSpPr>
-        <p:cNvPr id="350" name="Shape 350"/>
-        <p:cNvGrpSpPr/>
-        <p:nvPr/>
-      </p:nvGrpSpPr>
-      <p:grpSpPr>
-        <a:xfrm>
-          <a:off x="0" y="0"/>
-          <a:ext cx="0" cy="0"/>
-          <a:chOff x="0" y="0"/>
-          <a:chExt cx="0" cy="0"/>
-        </a:xfrm>
-      </p:grpSpPr>
-      <p:sp>
-        <p:nvSpPr>
-          <p:cNvPr id="351" name="Google Shape;351;g31ce2079169_0_35"/>
-          <p:cNvSpPr txBox="1"/>
-          <p:nvPr>
-            <p:ph type="title"/>
-          </p:nvPr>
-        </p:nvSpPr>
-        <p:spPr>
-          <a:xfrm>
-            <a:off x="838200" y="664684"/>
-            <a:ext cx="10515600" cy="599100"/>
-          </a:xfrm>
-          <a:prstGeom prst="rect">
-            <a:avLst/>
-          </a:prstGeom>
-          <a:noFill/>
-          <a:ln>
-            <a:noFill/>
-          </a:ln>
-        </p:spPr>
-        <p:txBody>
-          <a:bodyPr anchorCtr="0" anchor="ctr" bIns="45700" lIns="91425" spcFirstLastPara="1" rIns="91425" wrap="square" tIns="45700">
-            <a:normAutofit fontScale="90000"/>
-          </a:bodyPr>
-          <a:lstStyle/>
-          <a:p>
-            <a:pPr indent="0" lvl="0" marL="0" rtl="0" algn="l">
-              <a:lnSpc>
-                <a:spcPct val="90000"/>
-              </a:lnSpc>
-              <a:spcBef>
-                <a:spcPts val="0"/>
-              </a:spcBef>
-              <a:spcAft>
-                <a:spcPts val="0"/>
-              </a:spcAft>
-              <a:buClr>
-                <a:srgbClr val="FF5F03"/>
-              </a:buClr>
-              <a:buSzPct val="100000"/>
-              <a:buFont typeface="Arial Black"/>
-              <a:buNone/>
-            </a:pPr>
-            <a:r>
-              <a:rPr lang="en-US"/>
-              <a:t>Per Feature Importance Results</a:t>
-            </a:r>
-            <a:endParaRPr/>
-          </a:p>
-        </p:txBody>
-      </p:sp>
-      <p:sp>
-        <p:nvSpPr>
-          <p:cNvPr id="352" name="Google Shape;352;g31ce2079169_0_35"/>
-          <p:cNvSpPr txBox="1"/>
-          <p:nvPr>
-            <p:ph idx="12" type="sldNum"/>
-          </p:nvPr>
-        </p:nvSpPr>
-        <p:spPr>
-          <a:xfrm>
-            <a:off x="8610600" y="6356350"/>
-            <a:ext cx="2743200" cy="365100"/>
-          </a:xfrm>
-          <a:prstGeom prst="rect">
-            <a:avLst/>
-          </a:prstGeom>
-          <a:noFill/>
-          <a:ln>
-            <a:noFill/>
-          </a:ln>
-        </p:spPr>
-        <p:txBody>
-          <a:bodyPr anchorCtr="0" anchor="ctr" bIns="45700" lIns="91425" spcFirstLastPara="1" rIns="91425" wrap="square" tIns="45700">
-            <a:noAutofit/>
-          </a:bodyPr>
-          <a:lstStyle/>
-          <a:p>
-            <a:pPr indent="0" lvl="0" marL="0" rtl="0" algn="r">
-              <a:spcBef>
-                <a:spcPts val="0"/>
-              </a:spcBef>
-              <a:spcAft>
-                <a:spcPts val="0"/>
-              </a:spcAft>
-              <a:buNone/>
-            </a:pPr>
-            <a:fld id="{00000000-1234-1234-1234-123412341234}" type="slidenum">
-              <a:rPr lang="en-US">
-                <a:solidFill>
-                  <a:schemeClr val="dk1"/>
-                </a:solidFill>
-                <a:highlight>
-                  <a:schemeClr val="lt1"/>
-                </a:highlight>
-              </a:rPr>
-              <a:t>‹#›</a:t>
-            </a:fld>
-            <a:endParaRPr>
-              <a:solidFill>
-                <a:schemeClr val="dk1"/>
-              </a:solidFill>
-              <a:highlight>
-                <a:schemeClr val="lt1"/>
-              </a:highlight>
-            </a:endParaRPr>
-          </a:p>
-        </p:txBody>
-      </p:sp>
-      <p:pic>
-        <p:nvPicPr>
-          <p:cNvPr descr="A orange and blue Block I logo on a white background." id="353" name="Google Shape;353;g31ce2079169_0_35"/>
-          <p:cNvPicPr preferRelativeResize="0"/>
-          <p:nvPr/>
-        </p:nvPicPr>
-        <p:blipFill rotWithShape="1">
-          <a:blip r:embed="rId3">
-            <a:alphaModFix/>
-          </a:blip>
-          <a:srcRect b="0" l="0" r="0" t="0"/>
-          <a:stretch/>
-        </p:blipFill>
-        <p:spPr>
-          <a:xfrm>
-            <a:off x="11271055" y="5910977"/>
-            <a:ext cx="759486" cy="948449"/>
+            <a:off x="899500" y="1962126"/>
+            <a:ext cx="3699050" cy="4078442"/>
           </a:xfrm>
           <a:prstGeom prst="rect">
             <a:avLst/>
@@ -22549,114 +21854,7 @@
       </p:pic>
       <p:sp>
         <p:nvSpPr>
-          <p:cNvPr id="354" name="Google Shape;354;g31ce2079169_0_35"/>
-          <p:cNvSpPr txBox="1"/>
-          <p:nvPr>
-            <p:ph idx="1" type="body"/>
-          </p:nvPr>
-        </p:nvSpPr>
-        <p:spPr>
-          <a:xfrm>
-            <a:off x="675149" y="6404700"/>
-            <a:ext cx="3923400" cy="268500"/>
-          </a:xfrm>
-          <a:prstGeom prst="rect">
-            <a:avLst/>
-          </a:prstGeom>
-          <a:noFill/>
-          <a:ln>
-            <a:noFill/>
-          </a:ln>
-        </p:spPr>
-        <p:txBody>
-          <a:bodyPr anchorCtr="0" anchor="t" bIns="45700" lIns="91425" spcFirstLastPara="1" rIns="91425" wrap="square" tIns="45700">
-            <a:normAutofit fontScale="47500" lnSpcReduction="10000"/>
-          </a:bodyPr>
-          <a:lstStyle/>
-          <a:p>
-            <a:pPr indent="0" lvl="0" marL="0" rtl="0" algn="l">
-              <a:lnSpc>
-                <a:spcPct val="90000"/>
-              </a:lnSpc>
-              <a:spcBef>
-                <a:spcPts val="0"/>
-              </a:spcBef>
-              <a:spcAft>
-                <a:spcPts val="0"/>
-              </a:spcAft>
-              <a:buClr>
-                <a:srgbClr val="12284B"/>
-              </a:buClr>
-              <a:buSzPct val="42857"/>
-              <a:buNone/>
-            </a:pPr>
-            <a:r>
-              <a:rPr lang="en-US"/>
-              <a:t>Shrusti Jain, Kevin Lu, Taobo Liao, Smeet Patel</a:t>
-            </a:r>
-            <a:endParaRPr/>
-          </a:p>
-        </p:txBody>
-      </p:sp>
-      <p:pic>
-        <p:nvPicPr>
-          <p:cNvPr id="355" name="Google Shape;355;g31ce2079169_0_35"/>
-          <p:cNvPicPr preferRelativeResize="0"/>
-          <p:nvPr/>
-        </p:nvPicPr>
-        <p:blipFill>
-          <a:blip r:embed="rId4">
-            <a:alphaModFix/>
-          </a:blip>
-          <a:stretch>
-            <a:fillRect/>
-          </a:stretch>
-        </p:blipFill>
-        <p:spPr>
-          <a:xfrm>
-            <a:off x="899500" y="1962126"/>
-            <a:ext cx="3699050" cy="4078442"/>
-          </a:xfrm>
-          <a:prstGeom prst="rect">
-            <a:avLst/>
-          </a:prstGeom>
-          <a:noFill/>
-          <a:ln>
-            <a:noFill/>
-          </a:ln>
-        </p:spPr>
-      </p:pic>
-      <p:pic>
-        <p:nvPicPr>
-          <p:cNvPr id="356" name="Google Shape;356;g31ce2079169_0_35"/>
-          <p:cNvPicPr preferRelativeResize="0"/>
-          <p:nvPr/>
-        </p:nvPicPr>
-        <p:blipFill>
-          <a:blip r:embed="rId5">
-            <a:alphaModFix/>
-          </a:blip>
-          <a:stretch>
-            <a:fillRect/>
-          </a:stretch>
-        </p:blipFill>
-        <p:spPr>
-          <a:xfrm>
-            <a:off x="4651000" y="3428159"/>
-            <a:ext cx="7288649" cy="2612419"/>
-          </a:xfrm>
-          <a:prstGeom prst="rect">
-            <a:avLst/>
-          </a:prstGeom>
-          <a:noFill/>
-          <a:ln>
-            <a:noFill/>
-          </a:ln>
-        </p:spPr>
-      </p:pic>
-      <p:sp>
-        <p:nvSpPr>
-          <p:cNvPr id="357" name="Google Shape;357;g31ce2079169_0_35"/>
+          <p:cNvPr id="329" name="Google Shape;329;g31ce2079169_0_35"/>
           <p:cNvSpPr txBox="1"/>
           <p:nvPr/>
         </p:nvSpPr>
@@ -22772,6 +21970,34 @@
           </a:p>
         </p:txBody>
       </p:sp>
+      <p:pic>
+        <p:nvPicPr>
+          <p:cNvPr id="330" name="Google Shape;330;g31ce2079169_0_35"/>
+          <p:cNvPicPr preferRelativeResize="0"/>
+          <p:nvPr/>
+        </p:nvPicPr>
+        <p:blipFill>
+          <a:blip r:embed="rId5">
+            <a:alphaModFix/>
+          </a:blip>
+          <a:stretch>
+            <a:fillRect/>
+          </a:stretch>
+        </p:blipFill>
+        <p:spPr>
+          <a:xfrm>
+            <a:off x="4839050" y="3549725"/>
+            <a:ext cx="5942701" cy="2854975"/>
+          </a:xfrm>
+          <a:prstGeom prst="rect">
+            <a:avLst/>
+          </a:prstGeom>
+          <a:noFill/>
+          <a:ln>
+            <a:noFill/>
+          </a:ln>
+        </p:spPr>
+      </p:pic>
     </p:spTree>
   </p:cSld>
   <p:clrMapOvr>
@@ -22780,12 +22006,12 @@
 </p:sld>
 </file>
 
-<file path=ppt/slides/slide23.xml><?xml version="1.0" encoding="utf-8"?>
+<file path=ppt/slides/slide21.xml><?xml version="1.0" encoding="utf-8"?>
 <p:sld xmlns:a="http://schemas.openxmlformats.org/drawingml/2006/main" xmlns:r="http://schemas.openxmlformats.org/officeDocument/2006/relationships" xmlns:mc="http://schemas.openxmlformats.org/markup-compatibility/2006" xmlns:mv="urn:schemas-microsoft-com:mac:vml" xmlns:p="http://schemas.openxmlformats.org/presentationml/2006/main" xmlns:c="http://schemas.openxmlformats.org/drawingml/2006/chart" xmlns:dgm="http://schemas.openxmlformats.org/drawingml/2006/diagram" xmlns:o="urn:schemas-microsoft-com:office:office" xmlns:v="urn:schemas-microsoft-com:vml" xmlns:pvml="urn:schemas-microsoft-com:office:powerpoint" xmlns:com="http://schemas.openxmlformats.org/drawingml/2006/compatibility" xmlns:p14="http://schemas.microsoft.com/office/powerpoint/2010/main" xmlns:p15="http://schemas.microsoft.com/office/powerpoint/2012/main" xmlns:ahyp="http://schemas.microsoft.com/office/drawing/2018/hyperlinkcolor">
   <p:cSld>
     <p:spTree>
       <p:nvGrpSpPr>
-        <p:cNvPr id="362" name="Shape 362"/>
+        <p:cNvPr id="335" name="Shape 335"/>
         <p:cNvGrpSpPr/>
         <p:nvPr/>
       </p:nvGrpSpPr>
@@ -22799,7 +22025,7 @@
       </p:grpSpPr>
       <p:sp>
         <p:nvSpPr>
-          <p:cNvPr id="363" name="Google Shape;363;g31ce2079169_4_4"/>
+          <p:cNvPr id="336" name="Google Shape;336;g31ce2079169_4_4"/>
           <p:cNvSpPr txBox="1"/>
           <p:nvPr>
             <p:ph type="title"/>
@@ -22807,7 +22033,7 @@
         </p:nvSpPr>
         <p:spPr>
           <a:xfrm>
-            <a:off x="838200" y="664684"/>
+            <a:off x="838200" y="459984"/>
             <a:ext cx="10515600" cy="599100"/>
           </a:xfrm>
           <a:prstGeom prst="rect">
@@ -22851,7 +22077,7 @@
       </p:sp>
       <p:sp>
         <p:nvSpPr>
-          <p:cNvPr id="364" name="Google Shape;364;g31ce2079169_4_4"/>
+          <p:cNvPr id="337" name="Google Shape;337;g31ce2079169_4_4"/>
           <p:cNvSpPr txBox="1"/>
           <p:nvPr>
             <p:ph idx="12" type="sldNum"/>
@@ -22909,7 +22135,7 @@
       </p:sp>
       <p:pic>
         <p:nvPicPr>
-          <p:cNvPr descr="A orange and blue Block I logo on a white background." id="365" name="Google Shape;365;g31ce2079169_4_4"/>
+          <p:cNvPr descr="A orange and blue Block I logo on a white background." id="338" name="Google Shape;338;g31ce2079169_4_4"/>
           <p:cNvPicPr preferRelativeResize="0"/>
           <p:nvPr/>
         </p:nvPicPr>
@@ -22936,7 +22162,7 @@
       </p:pic>
       <p:sp>
         <p:nvSpPr>
-          <p:cNvPr id="366" name="Google Shape;366;g31ce2079169_4_4"/>
+          <p:cNvPr id="339" name="Google Shape;339;g31ce2079169_4_4"/>
           <p:cNvSpPr txBox="1"/>
           <p:nvPr>
             <p:ph idx="1" type="body"/>
@@ -22987,7 +22213,7 @@
       </p:sp>
       <p:pic>
         <p:nvPicPr>
-          <p:cNvPr id="367" name="Google Shape;367;g31ce2079169_4_4"/>
+          <p:cNvPr id="340" name="Google Shape;340;g31ce2079169_4_4"/>
           <p:cNvPicPr preferRelativeResize="0"/>
           <p:nvPr/>
         </p:nvPicPr>
@@ -23015,7 +22241,7 @@
       </p:pic>
       <p:sp>
         <p:nvSpPr>
-          <p:cNvPr id="368" name="Google Shape;368;g31ce2079169_4_4"/>
+          <p:cNvPr id="341" name="Google Shape;341;g31ce2079169_4_4"/>
           <p:cNvSpPr txBox="1"/>
           <p:nvPr/>
         </p:nvSpPr>
@@ -23143,12 +22369,12 @@
 </p:sld>
 </file>
 
-<file path=ppt/slides/slide24.xml><?xml version="1.0" encoding="utf-8"?>
+<file path=ppt/slides/slide22.xml><?xml version="1.0" encoding="utf-8"?>
 <p:sld xmlns:a="http://schemas.openxmlformats.org/drawingml/2006/main" xmlns:r="http://schemas.openxmlformats.org/officeDocument/2006/relationships" xmlns:mc="http://schemas.openxmlformats.org/markup-compatibility/2006" xmlns:mv="urn:schemas-microsoft-com:mac:vml" xmlns:p="http://schemas.openxmlformats.org/presentationml/2006/main" xmlns:c="http://schemas.openxmlformats.org/drawingml/2006/chart" xmlns:dgm="http://schemas.openxmlformats.org/drawingml/2006/diagram" xmlns:o="urn:schemas-microsoft-com:office:office" xmlns:v="urn:schemas-microsoft-com:vml" xmlns:pvml="urn:schemas-microsoft-com:office:powerpoint" xmlns:com="http://schemas.openxmlformats.org/drawingml/2006/compatibility" xmlns:p14="http://schemas.microsoft.com/office/powerpoint/2010/main" xmlns:p15="http://schemas.microsoft.com/office/powerpoint/2012/main" xmlns:ahyp="http://schemas.microsoft.com/office/drawing/2018/hyperlinkcolor">
   <p:cSld>
     <p:spTree>
       <p:nvGrpSpPr>
-        <p:cNvPr id="373" name="Shape 373"/>
+        <p:cNvPr id="346" name="Shape 346"/>
         <p:cNvGrpSpPr/>
         <p:nvPr/>
       </p:nvGrpSpPr>
@@ -23162,7 +22388,915 @@
       </p:grpSpPr>
       <p:sp>
         <p:nvSpPr>
-          <p:cNvPr id="374" name="Google Shape;374;p7"/>
+          <p:cNvPr id="347" name="Google Shape;347;g31ce2079169_3_80"/>
+          <p:cNvSpPr txBox="1"/>
+          <p:nvPr>
+            <p:ph type="title"/>
+          </p:nvPr>
+        </p:nvSpPr>
+        <p:spPr>
+          <a:xfrm>
+            <a:off x="838200" y="664684"/>
+            <a:ext cx="10515600" cy="599100"/>
+          </a:xfrm>
+          <a:prstGeom prst="rect">
+            <a:avLst/>
+          </a:prstGeom>
+          <a:noFill/>
+          <a:ln>
+            <a:noFill/>
+          </a:ln>
+        </p:spPr>
+        <p:txBody>
+          <a:bodyPr anchorCtr="0" anchor="ctr" bIns="45700" lIns="91425" spcFirstLastPara="1" rIns="91425" wrap="square" tIns="45700">
+            <a:normAutofit fontScale="90000"/>
+          </a:bodyPr>
+          <a:lstStyle/>
+          <a:p>
+            <a:pPr indent="0" lvl="0" marL="0" rtl="0" algn="l">
+              <a:lnSpc>
+                <a:spcPct val="90000"/>
+              </a:lnSpc>
+              <a:spcBef>
+                <a:spcPts val="0"/>
+              </a:spcBef>
+              <a:spcAft>
+                <a:spcPts val="0"/>
+              </a:spcAft>
+              <a:buClr>
+                <a:srgbClr val="FF5F03"/>
+              </a:buClr>
+              <a:buSzPct val="100000"/>
+              <a:buFont typeface="Arial Black"/>
+              <a:buNone/>
+            </a:pPr>
+            <a:r>
+              <a:rPr lang="en-US"/>
+              <a:t>Part 1-2</a:t>
+            </a:r>
+            <a:endParaRPr/>
+          </a:p>
+        </p:txBody>
+      </p:sp>
+      <p:sp>
+        <p:nvSpPr>
+          <p:cNvPr id="348" name="Google Shape;348;g31ce2079169_3_80"/>
+          <p:cNvSpPr txBox="1"/>
+          <p:nvPr>
+            <p:ph idx="1" type="body"/>
+          </p:nvPr>
+        </p:nvSpPr>
+        <p:spPr>
+          <a:xfrm>
+            <a:off x="838200" y="1740981"/>
+            <a:ext cx="10515600" cy="1918200"/>
+          </a:xfrm>
+          <a:prstGeom prst="rect">
+            <a:avLst/>
+          </a:prstGeom>
+          <a:noFill/>
+          <a:ln>
+            <a:noFill/>
+          </a:ln>
+        </p:spPr>
+        <p:txBody>
+          <a:bodyPr anchorCtr="0" anchor="t" bIns="45700" lIns="91425" spcFirstLastPara="1" rIns="91425" wrap="square" tIns="45700">
+            <a:normAutofit/>
+          </a:bodyPr>
+          <a:lstStyle/>
+          <a:p>
+            <a:pPr indent="-342900" lvl="0" marL="457200" rtl="0" algn="l">
+              <a:lnSpc>
+                <a:spcPct val="90000"/>
+              </a:lnSpc>
+              <a:spcBef>
+                <a:spcPts val="0"/>
+              </a:spcBef>
+              <a:spcAft>
+                <a:spcPts val="0"/>
+              </a:spcAft>
+              <a:buSzPts val="1800"/>
+              <a:buChar char="•"/>
+            </a:pPr>
+            <a:r>
+              <a:rPr lang="en-US"/>
+              <a:t>What is Part 1 or 2 crime?</a:t>
+            </a:r>
+            <a:endParaRPr/>
+          </a:p>
+          <a:p>
+            <a:pPr indent="-342900" lvl="0" marL="457200" rtl="0" algn="l">
+              <a:lnSpc>
+                <a:spcPct val="90000"/>
+              </a:lnSpc>
+              <a:spcBef>
+                <a:spcPts val="0"/>
+              </a:spcBef>
+              <a:spcAft>
+                <a:spcPts val="0"/>
+              </a:spcAft>
+              <a:buSzPts val="1800"/>
+              <a:buChar char="•"/>
+            </a:pPr>
+            <a:r>
+              <a:rPr lang="en-US"/>
+              <a:t>Training with Part 1 or 2 crime as target</a:t>
+            </a:r>
+            <a:endParaRPr/>
+          </a:p>
+          <a:p>
+            <a:pPr indent="-342900" lvl="0" marL="457200" rtl="0" algn="l">
+              <a:lnSpc>
+                <a:spcPct val="90000"/>
+              </a:lnSpc>
+              <a:spcBef>
+                <a:spcPts val="0"/>
+              </a:spcBef>
+              <a:spcAft>
+                <a:spcPts val="0"/>
+              </a:spcAft>
+              <a:buSzPts val="1800"/>
+              <a:buChar char="•"/>
+            </a:pPr>
+            <a:r>
+              <a:rPr lang="en-US"/>
+              <a:t>Accuracy: .93 on test set</a:t>
+            </a:r>
+            <a:endParaRPr/>
+          </a:p>
+          <a:p>
+            <a:pPr indent="-342900" lvl="0" marL="457200" rtl="0" algn="l">
+              <a:lnSpc>
+                <a:spcPct val="90000"/>
+              </a:lnSpc>
+              <a:spcBef>
+                <a:spcPts val="0"/>
+              </a:spcBef>
+              <a:spcAft>
+                <a:spcPts val="0"/>
+              </a:spcAft>
+              <a:buSzPts val="1800"/>
+              <a:buChar char="•"/>
+            </a:pPr>
+            <a:r>
+              <a:rPr lang="en-US"/>
+              <a:t>Feature Importance</a:t>
+            </a:r>
+            <a:endParaRPr/>
+          </a:p>
+        </p:txBody>
+      </p:sp>
+      <p:sp>
+        <p:nvSpPr>
+          <p:cNvPr id="349" name="Google Shape;349;g31ce2079169_3_80"/>
+          <p:cNvSpPr txBox="1"/>
+          <p:nvPr>
+            <p:ph idx="12" type="sldNum"/>
+          </p:nvPr>
+        </p:nvSpPr>
+        <p:spPr>
+          <a:xfrm>
+            <a:off x="8610600" y="6356350"/>
+            <a:ext cx="2743200" cy="365100"/>
+          </a:xfrm>
+          <a:prstGeom prst="rect">
+            <a:avLst/>
+          </a:prstGeom>
+          <a:noFill/>
+          <a:ln>
+            <a:noFill/>
+          </a:ln>
+        </p:spPr>
+        <p:txBody>
+          <a:bodyPr anchorCtr="0" anchor="ctr" bIns="45700" lIns="91425" spcFirstLastPara="1" rIns="91425" wrap="square" tIns="45700">
+            <a:noAutofit/>
+          </a:bodyPr>
+          <a:lstStyle/>
+          <a:p>
+            <a:pPr indent="0" lvl="0" marL="0" rtl="0" algn="r">
+              <a:spcBef>
+                <a:spcPts val="0"/>
+              </a:spcBef>
+              <a:spcAft>
+                <a:spcPts val="0"/>
+              </a:spcAft>
+              <a:buNone/>
+            </a:pPr>
+            <a:fld id="{00000000-1234-1234-1234-123412341234}" type="slidenum">
+              <a:rPr lang="en-US">
+                <a:solidFill>
+                  <a:schemeClr val="dk1"/>
+                </a:solidFill>
+                <a:highlight>
+                  <a:schemeClr val="lt1"/>
+                </a:highlight>
+              </a:rPr>
+              <a:t>‹#›</a:t>
+            </a:fld>
+            <a:endParaRPr>
+              <a:solidFill>
+                <a:schemeClr val="dk1"/>
+              </a:solidFill>
+              <a:highlight>
+                <a:schemeClr val="lt1"/>
+              </a:highlight>
+            </a:endParaRPr>
+          </a:p>
+        </p:txBody>
+      </p:sp>
+      <p:pic>
+        <p:nvPicPr>
+          <p:cNvPr descr="A orange and blue Block I logo on a white background." id="350" name="Google Shape;350;g31ce2079169_3_80"/>
+          <p:cNvPicPr preferRelativeResize="0"/>
+          <p:nvPr/>
+        </p:nvPicPr>
+        <p:blipFill rotWithShape="1">
+          <a:blip r:embed="rId3">
+            <a:alphaModFix/>
+          </a:blip>
+          <a:srcRect b="0" l="0" r="0" t="0"/>
+          <a:stretch/>
+        </p:blipFill>
+        <p:spPr>
+          <a:xfrm>
+            <a:off x="11271055" y="5910977"/>
+            <a:ext cx="759486" cy="948449"/>
+          </a:xfrm>
+          <a:prstGeom prst="rect">
+            <a:avLst/>
+          </a:prstGeom>
+          <a:noFill/>
+          <a:ln>
+            <a:noFill/>
+          </a:ln>
+        </p:spPr>
+      </p:pic>
+      <p:sp>
+        <p:nvSpPr>
+          <p:cNvPr id="351" name="Google Shape;351;g31ce2079169_3_80"/>
+          <p:cNvSpPr txBox="1"/>
+          <p:nvPr>
+            <p:ph idx="1" type="body"/>
+          </p:nvPr>
+        </p:nvSpPr>
+        <p:spPr>
+          <a:xfrm>
+            <a:off x="675149" y="6404700"/>
+            <a:ext cx="3923400" cy="268500"/>
+          </a:xfrm>
+          <a:prstGeom prst="rect">
+            <a:avLst/>
+          </a:prstGeom>
+          <a:noFill/>
+          <a:ln>
+            <a:noFill/>
+          </a:ln>
+        </p:spPr>
+        <p:txBody>
+          <a:bodyPr anchorCtr="0" anchor="t" bIns="45700" lIns="91425" spcFirstLastPara="1" rIns="91425" wrap="square" tIns="45700">
+            <a:normAutofit fontScale="55000" lnSpcReduction="20000"/>
+          </a:bodyPr>
+          <a:lstStyle/>
+          <a:p>
+            <a:pPr indent="0" lvl="0" marL="0" rtl="0" algn="l">
+              <a:lnSpc>
+                <a:spcPct val="90000"/>
+              </a:lnSpc>
+              <a:spcBef>
+                <a:spcPts val="0"/>
+              </a:spcBef>
+              <a:spcAft>
+                <a:spcPts val="0"/>
+              </a:spcAft>
+              <a:buClr>
+                <a:srgbClr val="12284B"/>
+              </a:buClr>
+              <a:buSzPct val="42857"/>
+              <a:buNone/>
+            </a:pPr>
+            <a:r>
+              <a:rPr lang="en-US"/>
+              <a:t>Shrusti Jain</a:t>
+            </a:r>
+            <a:endParaRPr/>
+          </a:p>
+        </p:txBody>
+      </p:sp>
+      <p:pic>
+        <p:nvPicPr>
+          <p:cNvPr id="352" name="Google Shape;352;g31ce2079169_3_80"/>
+          <p:cNvPicPr preferRelativeResize="0"/>
+          <p:nvPr/>
+        </p:nvPicPr>
+        <p:blipFill>
+          <a:blip r:embed="rId4">
+            <a:alphaModFix/>
+          </a:blip>
+          <a:stretch>
+            <a:fillRect/>
+          </a:stretch>
+        </p:blipFill>
+        <p:spPr>
+          <a:xfrm>
+            <a:off x="1064125" y="3470256"/>
+            <a:ext cx="5080409" cy="2440719"/>
+          </a:xfrm>
+          <a:prstGeom prst="rect">
+            <a:avLst/>
+          </a:prstGeom>
+          <a:noFill/>
+          <a:ln>
+            <a:noFill/>
+          </a:ln>
+        </p:spPr>
+      </p:pic>
+      <p:pic>
+        <p:nvPicPr>
+          <p:cNvPr id="353" name="Google Shape;353;g31ce2079169_3_80"/>
+          <p:cNvPicPr preferRelativeResize="0"/>
+          <p:nvPr/>
+        </p:nvPicPr>
+        <p:blipFill>
+          <a:blip r:embed="rId5">
+            <a:alphaModFix/>
+          </a:blip>
+          <a:stretch>
+            <a:fillRect/>
+          </a:stretch>
+        </p:blipFill>
+        <p:spPr>
+          <a:xfrm>
+            <a:off x="6296934" y="3470256"/>
+            <a:ext cx="4821722" cy="2324759"/>
+          </a:xfrm>
+          <a:prstGeom prst="rect">
+            <a:avLst/>
+          </a:prstGeom>
+          <a:noFill/>
+          <a:ln>
+            <a:noFill/>
+          </a:ln>
+        </p:spPr>
+      </p:pic>
+    </p:spTree>
+  </p:cSld>
+  <p:clrMapOvr>
+    <a:masterClrMapping/>
+  </p:clrMapOvr>
+</p:sld>
+</file>
+
+<file path=ppt/slides/slide23.xml><?xml version="1.0" encoding="utf-8"?>
+<p:sld xmlns:a="http://schemas.openxmlformats.org/drawingml/2006/main" xmlns:r="http://schemas.openxmlformats.org/officeDocument/2006/relationships" xmlns:mc="http://schemas.openxmlformats.org/markup-compatibility/2006" xmlns:mv="urn:schemas-microsoft-com:mac:vml" xmlns:p="http://schemas.openxmlformats.org/presentationml/2006/main" xmlns:c="http://schemas.openxmlformats.org/drawingml/2006/chart" xmlns:dgm="http://schemas.openxmlformats.org/drawingml/2006/diagram" xmlns:o="urn:schemas-microsoft-com:office:office" xmlns:v="urn:schemas-microsoft-com:vml" xmlns:pvml="urn:schemas-microsoft-com:office:powerpoint" xmlns:com="http://schemas.openxmlformats.org/drawingml/2006/compatibility" xmlns:p14="http://schemas.microsoft.com/office/powerpoint/2010/main" xmlns:p15="http://schemas.microsoft.com/office/powerpoint/2012/main" xmlns:ahyp="http://schemas.microsoft.com/office/drawing/2018/hyperlinkcolor">
+  <p:cSld>
+    <p:spTree>
+      <p:nvGrpSpPr>
+        <p:cNvPr id="358" name="Shape 358"/>
+        <p:cNvGrpSpPr/>
+        <p:nvPr/>
+      </p:nvGrpSpPr>
+      <p:grpSpPr>
+        <a:xfrm>
+          <a:off x="0" y="0"/>
+          <a:ext cx="0" cy="0"/>
+          <a:chOff x="0" y="0"/>
+          <a:chExt cx="0" cy="0"/>
+        </a:xfrm>
+      </p:grpSpPr>
+      <p:sp>
+        <p:nvSpPr>
+          <p:cNvPr id="359" name="Google Shape;359;g31ce2079169_3_89"/>
+          <p:cNvSpPr txBox="1"/>
+          <p:nvPr>
+            <p:ph type="title"/>
+          </p:nvPr>
+        </p:nvSpPr>
+        <p:spPr>
+          <a:xfrm>
+            <a:off x="838200" y="664684"/>
+            <a:ext cx="10515600" cy="599100"/>
+          </a:xfrm>
+          <a:prstGeom prst="rect">
+            <a:avLst/>
+          </a:prstGeom>
+          <a:noFill/>
+          <a:ln>
+            <a:noFill/>
+          </a:ln>
+        </p:spPr>
+        <p:txBody>
+          <a:bodyPr anchorCtr="0" anchor="ctr" bIns="45700" lIns="91425" spcFirstLastPara="1" rIns="91425" wrap="square" tIns="45700">
+            <a:normAutofit fontScale="90000"/>
+          </a:bodyPr>
+          <a:lstStyle/>
+          <a:p>
+            <a:pPr indent="0" lvl="0" marL="0" rtl="0" algn="l">
+              <a:lnSpc>
+                <a:spcPct val="90000"/>
+              </a:lnSpc>
+              <a:spcBef>
+                <a:spcPts val="0"/>
+              </a:spcBef>
+              <a:spcAft>
+                <a:spcPts val="0"/>
+              </a:spcAft>
+              <a:buClr>
+                <a:srgbClr val="FF5F03"/>
+              </a:buClr>
+              <a:buSzPct val="100000"/>
+              <a:buFont typeface="Arial Black"/>
+              <a:buNone/>
+            </a:pPr>
+            <a:r>
+              <a:rPr lang="en-US"/>
+              <a:t>Time-Sensitive Learning</a:t>
+            </a:r>
+            <a:endParaRPr/>
+          </a:p>
+        </p:txBody>
+      </p:sp>
+      <p:sp>
+        <p:nvSpPr>
+          <p:cNvPr id="360" name="Google Shape;360;g31ce2079169_3_89"/>
+          <p:cNvSpPr txBox="1"/>
+          <p:nvPr>
+            <p:ph idx="12" type="sldNum"/>
+          </p:nvPr>
+        </p:nvSpPr>
+        <p:spPr>
+          <a:xfrm>
+            <a:off x="8610600" y="6356350"/>
+            <a:ext cx="2743200" cy="365100"/>
+          </a:xfrm>
+          <a:prstGeom prst="rect">
+            <a:avLst/>
+          </a:prstGeom>
+          <a:noFill/>
+          <a:ln>
+            <a:noFill/>
+          </a:ln>
+        </p:spPr>
+        <p:txBody>
+          <a:bodyPr anchorCtr="0" anchor="ctr" bIns="45700" lIns="91425" spcFirstLastPara="1" rIns="91425" wrap="square" tIns="45700">
+            <a:noAutofit/>
+          </a:bodyPr>
+          <a:lstStyle/>
+          <a:p>
+            <a:pPr indent="0" lvl="0" marL="0" rtl="0" algn="r">
+              <a:spcBef>
+                <a:spcPts val="0"/>
+              </a:spcBef>
+              <a:spcAft>
+                <a:spcPts val="0"/>
+              </a:spcAft>
+              <a:buNone/>
+            </a:pPr>
+            <a:fld id="{00000000-1234-1234-1234-123412341234}" type="slidenum">
+              <a:rPr lang="en-US">
+                <a:solidFill>
+                  <a:schemeClr val="dk1"/>
+                </a:solidFill>
+                <a:highlight>
+                  <a:schemeClr val="lt1"/>
+                </a:highlight>
+              </a:rPr>
+              <a:t>‹#›</a:t>
+            </a:fld>
+            <a:endParaRPr>
+              <a:solidFill>
+                <a:schemeClr val="dk1"/>
+              </a:solidFill>
+              <a:highlight>
+                <a:schemeClr val="lt1"/>
+              </a:highlight>
+            </a:endParaRPr>
+          </a:p>
+        </p:txBody>
+      </p:sp>
+      <p:pic>
+        <p:nvPicPr>
+          <p:cNvPr descr="A orange and blue Block I logo on a white background." id="361" name="Google Shape;361;g31ce2079169_3_89"/>
+          <p:cNvPicPr preferRelativeResize="0"/>
+          <p:nvPr/>
+        </p:nvPicPr>
+        <p:blipFill rotWithShape="1">
+          <a:blip r:embed="rId3">
+            <a:alphaModFix/>
+          </a:blip>
+          <a:srcRect b="0" l="0" r="0" t="0"/>
+          <a:stretch/>
+        </p:blipFill>
+        <p:spPr>
+          <a:xfrm>
+            <a:off x="11271055" y="5910977"/>
+            <a:ext cx="759486" cy="948449"/>
+          </a:xfrm>
+          <a:prstGeom prst="rect">
+            <a:avLst/>
+          </a:prstGeom>
+          <a:noFill/>
+          <a:ln>
+            <a:noFill/>
+          </a:ln>
+        </p:spPr>
+      </p:pic>
+      <p:sp>
+        <p:nvSpPr>
+          <p:cNvPr id="362" name="Google Shape;362;g31ce2079169_3_89"/>
+          <p:cNvSpPr txBox="1"/>
+          <p:nvPr>
+            <p:ph idx="1" type="body"/>
+          </p:nvPr>
+        </p:nvSpPr>
+        <p:spPr>
+          <a:xfrm>
+            <a:off x="675149" y="6404700"/>
+            <a:ext cx="3923400" cy="268500"/>
+          </a:xfrm>
+          <a:prstGeom prst="rect">
+            <a:avLst/>
+          </a:prstGeom>
+          <a:noFill/>
+          <a:ln>
+            <a:noFill/>
+          </a:ln>
+        </p:spPr>
+        <p:txBody>
+          <a:bodyPr anchorCtr="0" anchor="t" bIns="45700" lIns="91425" spcFirstLastPara="1" rIns="91425" wrap="square" tIns="45700">
+            <a:normAutofit fontScale="55000" lnSpcReduction="20000"/>
+          </a:bodyPr>
+          <a:lstStyle/>
+          <a:p>
+            <a:pPr indent="0" lvl="0" marL="0" rtl="0" algn="l">
+              <a:lnSpc>
+                <a:spcPct val="90000"/>
+              </a:lnSpc>
+              <a:spcBef>
+                <a:spcPts val="0"/>
+              </a:spcBef>
+              <a:spcAft>
+                <a:spcPts val="0"/>
+              </a:spcAft>
+              <a:buClr>
+                <a:srgbClr val="12284B"/>
+              </a:buClr>
+              <a:buSzPct val="42857"/>
+              <a:buNone/>
+            </a:pPr>
+            <a:r>
+              <a:rPr lang="en-US"/>
+              <a:t>Shrusti Jain</a:t>
+            </a:r>
+            <a:endParaRPr/>
+          </a:p>
+        </p:txBody>
+      </p:sp>
+      <p:sp>
+        <p:nvSpPr>
+          <p:cNvPr id="363" name="Google Shape;363;g31ce2079169_3_89"/>
+          <p:cNvSpPr txBox="1"/>
+          <p:nvPr>
+            <p:ph idx="1" type="body"/>
+          </p:nvPr>
+        </p:nvSpPr>
+        <p:spPr>
+          <a:xfrm>
+            <a:off x="755450" y="1559000"/>
+            <a:ext cx="5014500" cy="4587300"/>
+          </a:xfrm>
+          <a:prstGeom prst="rect">
+            <a:avLst/>
+          </a:prstGeom>
+          <a:noFill/>
+          <a:ln>
+            <a:noFill/>
+          </a:ln>
+        </p:spPr>
+        <p:txBody>
+          <a:bodyPr anchorCtr="0" anchor="t" bIns="45700" lIns="91425" spcFirstLastPara="1" rIns="91425" wrap="square" tIns="45700">
+            <a:normAutofit/>
+          </a:bodyPr>
+          <a:lstStyle/>
+          <a:p>
+            <a:pPr indent="-342900" lvl="0" marL="457200" rtl="0" algn="l">
+              <a:lnSpc>
+                <a:spcPct val="90000"/>
+              </a:lnSpc>
+              <a:spcBef>
+                <a:spcPts val="0"/>
+              </a:spcBef>
+              <a:spcAft>
+                <a:spcPts val="0"/>
+              </a:spcAft>
+              <a:buSzPts val="1800"/>
+              <a:buChar char="•"/>
+            </a:pPr>
+            <a:r>
+              <a:rPr lang="en-US"/>
+              <a:t>Training on 2020-2022 data, “validating” on 2023, testing on 2024</a:t>
+            </a:r>
+            <a:endParaRPr/>
+          </a:p>
+          <a:p>
+            <a:pPr indent="-342900" lvl="0" marL="457200" rtl="0" algn="l">
+              <a:lnSpc>
+                <a:spcPct val="90000"/>
+              </a:lnSpc>
+              <a:spcBef>
+                <a:spcPts val="0"/>
+              </a:spcBef>
+              <a:spcAft>
+                <a:spcPts val="0"/>
+              </a:spcAft>
+              <a:buSzPts val="1800"/>
+              <a:buChar char="•"/>
+            </a:pPr>
+            <a:r>
+              <a:rPr lang="en-US"/>
+              <a:t>Accuracy: .62 on 2023, .46 on 2024</a:t>
+            </a:r>
+            <a:endParaRPr/>
+          </a:p>
+          <a:p>
+            <a:pPr indent="-342900" lvl="0" marL="457200" rtl="0" algn="l">
+              <a:lnSpc>
+                <a:spcPct val="90000"/>
+              </a:lnSpc>
+              <a:spcBef>
+                <a:spcPts val="0"/>
+              </a:spcBef>
+              <a:spcAft>
+                <a:spcPts val="0"/>
+              </a:spcAft>
+              <a:buSzPts val="1800"/>
+              <a:buChar char="•"/>
+            </a:pPr>
+            <a:r>
+              <a:rPr lang="en-US"/>
+              <a:t>Data bias</a:t>
+            </a:r>
+            <a:endParaRPr/>
+          </a:p>
+          <a:p>
+            <a:pPr indent="-342900" lvl="0" marL="457200" rtl="0" algn="l">
+              <a:lnSpc>
+                <a:spcPct val="90000"/>
+              </a:lnSpc>
+              <a:spcBef>
+                <a:spcPts val="0"/>
+              </a:spcBef>
+              <a:spcAft>
+                <a:spcPts val="0"/>
+              </a:spcAft>
+              <a:buSzPts val="1800"/>
+              <a:buChar char="•"/>
+            </a:pPr>
+            <a:r>
+              <a:rPr lang="en-US"/>
+              <a:t>Feature Importance</a:t>
+            </a:r>
+            <a:endParaRPr/>
+          </a:p>
+        </p:txBody>
+      </p:sp>
+      <p:pic>
+        <p:nvPicPr>
+          <p:cNvPr id="364" name="Google Shape;364;g31ce2079169_3_89"/>
+          <p:cNvPicPr preferRelativeResize="0"/>
+          <p:nvPr/>
+        </p:nvPicPr>
+        <p:blipFill rotWithShape="1">
+          <a:blip r:embed="rId4">
+            <a:alphaModFix/>
+          </a:blip>
+          <a:srcRect b="39368" l="0" r="0" t="0"/>
+          <a:stretch/>
+        </p:blipFill>
+        <p:spPr>
+          <a:xfrm>
+            <a:off x="560825" y="4308800"/>
+            <a:ext cx="2570525" cy="1703549"/>
+          </a:xfrm>
+          <a:prstGeom prst="rect">
+            <a:avLst/>
+          </a:prstGeom>
+          <a:noFill/>
+          <a:ln>
+            <a:noFill/>
+          </a:ln>
+        </p:spPr>
+      </p:pic>
+      <p:pic>
+        <p:nvPicPr>
+          <p:cNvPr id="365" name="Google Shape;365;g31ce2079169_3_89"/>
+          <p:cNvPicPr preferRelativeResize="0"/>
+          <p:nvPr/>
+        </p:nvPicPr>
+        <p:blipFill rotWithShape="1">
+          <a:blip r:embed="rId5">
+            <a:alphaModFix/>
+          </a:blip>
+          <a:srcRect b="39529" l="0" r="0" t="0"/>
+          <a:stretch/>
+        </p:blipFill>
+        <p:spPr>
+          <a:xfrm>
+            <a:off x="3131350" y="4358975"/>
+            <a:ext cx="2570523" cy="1699100"/>
+          </a:xfrm>
+          <a:prstGeom prst="rect">
+            <a:avLst/>
+          </a:prstGeom>
+          <a:noFill/>
+          <a:ln>
+            <a:noFill/>
+          </a:ln>
+        </p:spPr>
+      </p:pic>
+      <p:pic>
+        <p:nvPicPr>
+          <p:cNvPr id="366" name="Google Shape;366;g31ce2079169_3_89"/>
+          <p:cNvPicPr preferRelativeResize="0"/>
+          <p:nvPr/>
+        </p:nvPicPr>
+        <p:blipFill>
+          <a:blip r:embed="rId6">
+            <a:alphaModFix/>
+          </a:blip>
+          <a:stretch>
+            <a:fillRect/>
+          </a:stretch>
+        </p:blipFill>
+        <p:spPr>
+          <a:xfrm>
+            <a:off x="6528750" y="1636077"/>
+            <a:ext cx="4742300" cy="2286475"/>
+          </a:xfrm>
+          <a:prstGeom prst="rect">
+            <a:avLst/>
+          </a:prstGeom>
+          <a:noFill/>
+          <a:ln>
+            <a:noFill/>
+          </a:ln>
+        </p:spPr>
+      </p:pic>
+      <p:pic>
+        <p:nvPicPr>
+          <p:cNvPr id="367" name="Google Shape;367;g31ce2079169_3_89"/>
+          <p:cNvPicPr preferRelativeResize="0"/>
+          <p:nvPr/>
+        </p:nvPicPr>
+        <p:blipFill>
+          <a:blip r:embed="rId7">
+            <a:alphaModFix/>
+          </a:blip>
+          <a:stretch>
+            <a:fillRect/>
+          </a:stretch>
+        </p:blipFill>
+        <p:spPr>
+          <a:xfrm>
+            <a:off x="6528750" y="3922552"/>
+            <a:ext cx="4505816" cy="2128998"/>
+          </a:xfrm>
+          <a:prstGeom prst="rect">
+            <a:avLst/>
+          </a:prstGeom>
+          <a:noFill/>
+          <a:ln>
+            <a:noFill/>
+          </a:ln>
+        </p:spPr>
+      </p:pic>
+      <p:sp>
+        <p:nvSpPr>
+          <p:cNvPr id="368" name="Google Shape;368;g31ce2079169_3_89"/>
+          <p:cNvSpPr txBox="1"/>
+          <p:nvPr/>
+        </p:nvSpPr>
+        <p:spPr>
+          <a:xfrm>
+            <a:off x="880425" y="5946600"/>
+            <a:ext cx="2358300" cy="489900"/>
+          </a:xfrm>
+          <a:prstGeom prst="rect">
+            <a:avLst/>
+          </a:prstGeom>
+          <a:noFill/>
+          <a:ln>
+            <a:noFill/>
+          </a:ln>
+        </p:spPr>
+        <p:txBody>
+          <a:bodyPr anchorCtr="0" anchor="t" bIns="91425" lIns="91425" spcFirstLastPara="1" rIns="91425" wrap="square" tIns="91425">
+            <a:noAutofit/>
+          </a:bodyPr>
+          <a:lstStyle/>
+          <a:p>
+            <a:pPr indent="0" lvl="0" marL="0" rtl="0" algn="l">
+              <a:spcBef>
+                <a:spcPts val="0"/>
+              </a:spcBef>
+              <a:spcAft>
+                <a:spcPts val="0"/>
+              </a:spcAft>
+              <a:buNone/>
+            </a:pPr>
+            <a:r>
+              <a:rPr lang="en-US" sz="1200">
+                <a:solidFill>
+                  <a:schemeClr val="dk1"/>
+                </a:solidFill>
+              </a:rPr>
+              <a:t>Data points per month in 2024</a:t>
+            </a:r>
+            <a:endParaRPr sz="1200">
+              <a:solidFill>
+                <a:schemeClr val="dk1"/>
+              </a:solidFill>
+            </a:endParaRPr>
+          </a:p>
+        </p:txBody>
+      </p:sp>
+      <p:sp>
+        <p:nvSpPr>
+          <p:cNvPr id="369" name="Google Shape;369;g31ce2079169_3_89"/>
+          <p:cNvSpPr txBox="1"/>
+          <p:nvPr/>
+        </p:nvSpPr>
+        <p:spPr>
+          <a:xfrm>
+            <a:off x="3411650" y="5946600"/>
+            <a:ext cx="2358300" cy="489900"/>
+          </a:xfrm>
+          <a:prstGeom prst="rect">
+            <a:avLst/>
+          </a:prstGeom>
+          <a:noFill/>
+          <a:ln>
+            <a:noFill/>
+          </a:ln>
+        </p:spPr>
+        <p:txBody>
+          <a:bodyPr anchorCtr="0" anchor="t" bIns="91425" lIns="91425" spcFirstLastPara="1" rIns="91425" wrap="square" tIns="91425">
+            <a:noAutofit/>
+          </a:bodyPr>
+          <a:lstStyle/>
+          <a:p>
+            <a:pPr indent="0" lvl="0" marL="0" rtl="0" algn="l">
+              <a:spcBef>
+                <a:spcPts val="0"/>
+              </a:spcBef>
+              <a:spcAft>
+                <a:spcPts val="0"/>
+              </a:spcAft>
+              <a:buNone/>
+            </a:pPr>
+            <a:r>
+              <a:rPr lang="en-US" sz="1200">
+                <a:solidFill>
+                  <a:schemeClr val="dk1"/>
+                </a:solidFill>
+              </a:rPr>
+              <a:t>Data points per month in 2023</a:t>
+            </a:r>
+            <a:endParaRPr sz="1200">
+              <a:solidFill>
+                <a:schemeClr val="dk1"/>
+              </a:solidFill>
+            </a:endParaRPr>
+          </a:p>
+        </p:txBody>
+      </p:sp>
+    </p:spTree>
+  </p:cSld>
+  <p:clrMapOvr>
+    <a:masterClrMapping/>
+  </p:clrMapOvr>
+</p:sld>
+</file>
+
+<file path=ppt/slides/slide24.xml><?xml version="1.0" encoding="utf-8"?>
+<p:sld xmlns:a="http://schemas.openxmlformats.org/drawingml/2006/main" xmlns:r="http://schemas.openxmlformats.org/officeDocument/2006/relationships" xmlns:mc="http://schemas.openxmlformats.org/markup-compatibility/2006" xmlns:mv="urn:schemas-microsoft-com:mac:vml" xmlns:p="http://schemas.openxmlformats.org/presentationml/2006/main" xmlns:c="http://schemas.openxmlformats.org/drawingml/2006/chart" xmlns:dgm="http://schemas.openxmlformats.org/drawingml/2006/diagram" xmlns:o="urn:schemas-microsoft-com:office:office" xmlns:v="urn:schemas-microsoft-com:vml" xmlns:pvml="urn:schemas-microsoft-com:office:powerpoint" xmlns:com="http://schemas.openxmlformats.org/drawingml/2006/compatibility" xmlns:p14="http://schemas.microsoft.com/office/powerpoint/2010/main" xmlns:p15="http://schemas.microsoft.com/office/powerpoint/2012/main" xmlns:ahyp="http://schemas.microsoft.com/office/drawing/2018/hyperlinkcolor">
+  <p:cSld>
+    <p:spTree>
+      <p:nvGrpSpPr>
+        <p:cNvPr id="374" name="Shape 374"/>
+        <p:cNvGrpSpPr/>
+        <p:nvPr/>
+      </p:nvGrpSpPr>
+      <p:grpSpPr>
+        <a:xfrm>
+          <a:off x="0" y="0"/>
+          <a:ext cx="0" cy="0"/>
+          <a:chOff x="0" y="0"/>
+          <a:chExt cx="0" cy="0"/>
+        </a:xfrm>
+      </p:grpSpPr>
+      <p:sp>
+        <p:nvSpPr>
+          <p:cNvPr id="375" name="Google Shape;375;p7"/>
           <p:cNvSpPr txBox="1"/>
           <p:nvPr>
             <p:ph type="title"/>
@@ -23214,7 +23348,7 @@
       </p:sp>
       <p:sp>
         <p:nvSpPr>
-          <p:cNvPr id="375" name="Google Shape;375;p7"/>
+          <p:cNvPr id="376" name="Google Shape;376;p7"/>
           <p:cNvSpPr txBox="1"/>
           <p:nvPr>
             <p:ph idx="12" type="sldNum"/>
@@ -23269,7 +23403,7 @@
   <p:cSld>
     <p:spTree>
       <p:nvGrpSpPr>
-        <p:cNvPr id="380" name="Shape 380"/>
+        <p:cNvPr id="381" name="Shape 381"/>
         <p:cNvGrpSpPr/>
         <p:nvPr/>
       </p:nvGrpSpPr>
@@ -23283,7 +23417,7 @@
       </p:grpSpPr>
       <p:sp>
         <p:nvSpPr>
-          <p:cNvPr id="381" name="Google Shape;381;g31ce2079169_6_6"/>
+          <p:cNvPr id="382" name="Google Shape;382;g31ce2079169_6_6"/>
           <p:cNvSpPr txBox="1"/>
           <p:nvPr>
             <p:ph type="title"/>
@@ -23335,7 +23469,7 @@
       </p:sp>
       <p:sp>
         <p:nvSpPr>
-          <p:cNvPr id="382" name="Google Shape;382;g31ce2079169_6_6"/>
+          <p:cNvPr id="383" name="Google Shape;383;g31ce2079169_6_6"/>
           <p:cNvSpPr txBox="1"/>
           <p:nvPr>
             <p:ph idx="1" type="body"/>
@@ -23433,7 +23567,7 @@
             </a:pPr>
             <a:r>
               <a:rPr lang="en-US"/>
-              <a:t>Mocodes, descriptors of the environment before the crime, are by far the most important features in prediction</a:t>
+              <a:t>Mocodes, descriptors of the suspect, are by far the most important features in prediction</a:t>
             </a:r>
             <a:endParaRPr/>
           </a:p>
@@ -23517,7 +23651,7 @@
       </p:sp>
       <p:sp>
         <p:nvSpPr>
-          <p:cNvPr id="383" name="Google Shape;383;g31ce2079169_6_6"/>
+          <p:cNvPr id="384" name="Google Shape;384;g31ce2079169_6_6"/>
           <p:cNvSpPr txBox="1"/>
           <p:nvPr>
             <p:ph idx="12" type="sldNum"/>
@@ -23575,7 +23709,7 @@
       </p:sp>
       <p:pic>
         <p:nvPicPr>
-          <p:cNvPr descr="A orange and blue Block I logo on a white background." id="384" name="Google Shape;384;g31ce2079169_6_6"/>
+          <p:cNvPr descr="A orange and blue Block I logo on a white background." id="385" name="Google Shape;385;g31ce2079169_6_6"/>
           <p:cNvPicPr preferRelativeResize="0"/>
           <p:nvPr/>
         </p:nvPicPr>
@@ -23602,7 +23736,7 @@
       </p:pic>
       <p:sp>
         <p:nvSpPr>
-          <p:cNvPr id="385" name="Google Shape;385;g31ce2079169_6_6"/>
+          <p:cNvPr id="386" name="Google Shape;386;g31ce2079169_6_6"/>
           <p:cNvSpPr txBox="1"/>
           <p:nvPr>
             <p:ph idx="1" type="body"/>
@@ -23664,7 +23798,7 @@
   <p:cSld>
     <p:spTree>
       <p:nvGrpSpPr>
-        <p:cNvPr id="390" name="Shape 390"/>
+        <p:cNvPr id="391" name="Shape 391"/>
         <p:cNvGrpSpPr/>
         <p:nvPr/>
       </p:nvGrpSpPr>
@@ -23678,7 +23812,7 @@
       </p:grpSpPr>
       <p:sp>
         <p:nvSpPr>
-          <p:cNvPr id="391" name="Google Shape;391;g31ce2079169_6_15"/>
+          <p:cNvPr id="392" name="Google Shape;392;g320dea10c1e_0_10"/>
           <p:cNvSpPr txBox="1"/>
           <p:nvPr>
             <p:ph type="title"/>
@@ -23722,7 +23856,7 @@
             </a:pPr>
             <a:r>
               <a:rPr lang="en-US"/>
-              <a:t>Conclusion (Restrictions)</a:t>
+              <a:t>Conclusion (Implications)</a:t>
             </a:r>
             <a:endParaRPr/>
           </a:p>
@@ -23730,7 +23864,7 @@
       </p:sp>
       <p:sp>
         <p:nvSpPr>
-          <p:cNvPr id="392" name="Google Shape;392;g31ce2079169_6_15"/>
+          <p:cNvPr id="393" name="Google Shape;393;g320dea10c1e_0_10"/>
           <p:cNvSpPr txBox="1"/>
           <p:nvPr>
             <p:ph idx="1" type="body"/>
@@ -23738,8 +23872,8 @@
         </p:nvSpPr>
         <p:spPr>
           <a:xfrm>
-            <a:off x="838200" y="1740968"/>
-            <a:ext cx="10515600" cy="4170000"/>
+            <a:off x="838200" y="1740967"/>
+            <a:ext cx="10515600" cy="4338900"/>
           </a:xfrm>
           <a:prstGeom prst="rect">
             <a:avLst/>
@@ -23757,7 +23891,7 @@
           <a:p>
             <a:pPr indent="-342900" lvl="0" marL="457200" rtl="0" algn="l">
               <a:lnSpc>
-                <a:spcPct val="90000"/>
+                <a:spcPct val="200000"/>
               </a:lnSpc>
               <a:spcBef>
                 <a:spcPts val="0"/>
@@ -23770,112 +23904,14 @@
             </a:pPr>
             <a:r>
               <a:rPr lang="en-US"/>
-              <a:t>Limited dataset</a:t>
-            </a:r>
-            <a:endParaRPr/>
-          </a:p>
-          <a:p>
-            <a:pPr indent="-342900" lvl="1" marL="914400" rtl="0" algn="l">
-              <a:lnSpc>
-                <a:spcPct val="90000"/>
-              </a:lnSpc>
-              <a:spcBef>
-                <a:spcPts val="0"/>
-              </a:spcBef>
-              <a:spcAft>
-                <a:spcPts val="0"/>
-              </a:spcAft>
-              <a:buSzPts val="1800"/>
-              <a:buChar char="•"/>
-            </a:pPr>
-            <a:r>
-              <a:rPr lang="en-US"/>
-              <a:t>Features available</a:t>
-            </a:r>
-            <a:endParaRPr/>
-          </a:p>
-          <a:p>
-            <a:pPr indent="-342900" lvl="1" marL="914400" rtl="0" algn="l">
-              <a:lnSpc>
-                <a:spcPct val="90000"/>
-              </a:lnSpc>
-              <a:spcBef>
-                <a:spcPts val="0"/>
-              </a:spcBef>
-              <a:spcAft>
-                <a:spcPts val="0"/>
-              </a:spcAft>
-              <a:buSzPts val="1800"/>
-              <a:buChar char="•"/>
-            </a:pPr>
-            <a:r>
-              <a:rPr lang="en-US"/>
-              <a:t>Feature imbalance</a:t>
-            </a:r>
-            <a:endParaRPr/>
-          </a:p>
-          <a:p>
-            <a:pPr indent="-342900" lvl="1" marL="914400" rtl="0" algn="l">
-              <a:lnSpc>
-                <a:spcPct val="90000"/>
-              </a:lnSpc>
-              <a:spcBef>
-                <a:spcPts val="0"/>
-              </a:spcBef>
-              <a:spcAft>
-                <a:spcPts val="0"/>
-              </a:spcAft>
-              <a:buSzPts val="1800"/>
-              <a:buChar char="•"/>
-            </a:pPr>
-            <a:r>
-              <a:rPr lang="en-US"/>
-              <a:t>Time imbalance</a:t>
-            </a:r>
-            <a:endParaRPr/>
-          </a:p>
-          <a:p>
-            <a:pPr indent="-342900" lvl="1" marL="914400" rtl="0" algn="l">
-              <a:lnSpc>
-                <a:spcPct val="90000"/>
-              </a:lnSpc>
-              <a:spcBef>
-                <a:spcPts val="0"/>
-              </a:spcBef>
-              <a:spcAft>
-                <a:spcPts val="0"/>
-              </a:spcAft>
-              <a:buSzPts val="1800"/>
-              <a:buChar char="•"/>
-            </a:pPr>
-            <a:r>
-              <a:rPr lang="en-US"/>
-              <a:t>Only includes information when crime occurs</a:t>
-            </a:r>
-            <a:endParaRPr/>
-          </a:p>
-          <a:p>
-            <a:pPr indent="0" lvl="0" marL="0" rtl="0" algn="l">
-              <a:lnSpc>
-                <a:spcPct val="90000"/>
-              </a:lnSpc>
-              <a:spcBef>
-                <a:spcPts val="0"/>
-              </a:spcBef>
-              <a:spcAft>
-                <a:spcPts val="0"/>
-              </a:spcAft>
-              <a:buNone/>
-            </a:pPr>
-            <a:r>
-              <a:t/>
+              <a:t>Authorities can allocate resources in real-time</a:t>
             </a:r>
             <a:endParaRPr/>
           </a:p>
           <a:p>
             <a:pPr indent="-342900" lvl="0" marL="457200" rtl="0" algn="l">
               <a:lnSpc>
-                <a:spcPct val="90000"/>
+                <a:spcPct val="200000"/>
               </a:lnSpc>
               <a:spcBef>
                 <a:spcPts val="0"/>
@@ -23888,25 +23924,27 @@
             </a:pPr>
             <a:r>
               <a:rPr lang="en-US"/>
-              <a:t>Limited GPU usage and RAM availability</a:t>
+              <a:t>Addressing factors that predict crime severity</a:t>
             </a:r>
             <a:endParaRPr/>
           </a:p>
           <a:p>
-            <a:pPr indent="0" lvl="0" marL="0" rtl="0" algn="l">
-              <a:lnSpc>
-                <a:spcPct val="90000"/>
-              </a:lnSpc>
-              <a:spcBef>
-                <a:spcPts val="0"/>
-              </a:spcBef>
-              <a:spcAft>
-                <a:spcPts val="0"/>
-              </a:spcAft>
-              <a:buNone/>
+            <a:pPr indent="-342900" lvl="0" marL="457200" rtl="0" algn="l">
+              <a:lnSpc>
+                <a:spcPct val="200000"/>
+              </a:lnSpc>
+              <a:spcBef>
+                <a:spcPts val="0"/>
+              </a:spcBef>
+              <a:spcAft>
+                <a:spcPts val="0"/>
+              </a:spcAft>
+              <a:buSzPts val="1800"/>
+              <a:buChar char="•"/>
             </a:pPr>
             <a:r>
-              <a:t/>
+              <a:rPr lang="en-US"/>
+              <a:t>Adaptively adjust resources based on more probable crimes</a:t>
             </a:r>
             <a:endParaRPr/>
           </a:p>
@@ -23914,7 +23952,7 @@
       </p:sp>
       <p:sp>
         <p:nvSpPr>
-          <p:cNvPr id="393" name="Google Shape;393;g31ce2079169_6_15"/>
+          <p:cNvPr id="394" name="Google Shape;394;g320dea10c1e_0_10"/>
           <p:cNvSpPr txBox="1"/>
           <p:nvPr>
             <p:ph idx="12" type="sldNum"/>
@@ -23972,7 +24010,7 @@
       </p:sp>
       <p:pic>
         <p:nvPicPr>
-          <p:cNvPr descr="A orange and blue Block I logo on a white background." id="394" name="Google Shape;394;g31ce2079169_6_15"/>
+          <p:cNvPr descr="A orange and blue Block I logo on a white background." id="395" name="Google Shape;395;g320dea10c1e_0_10"/>
           <p:cNvPicPr preferRelativeResize="0"/>
           <p:nvPr/>
         </p:nvPicPr>
@@ -23999,7 +24037,7 @@
       </p:pic>
       <p:sp>
         <p:nvSpPr>
-          <p:cNvPr id="395" name="Google Shape;395;g31ce2079169_6_15"/>
+          <p:cNvPr id="396" name="Google Shape;396;g320dea10c1e_0_10"/>
           <p:cNvSpPr txBox="1"/>
           <p:nvPr>
             <p:ph idx="1" type="body"/>
@@ -24061,7 +24099,7 @@
   <p:cSld>
     <p:spTree>
       <p:nvGrpSpPr>
-        <p:cNvPr id="400" name="Shape 400"/>
+        <p:cNvPr id="401" name="Shape 401"/>
         <p:cNvGrpSpPr/>
         <p:nvPr/>
       </p:nvGrpSpPr>
@@ -24075,7 +24113,7 @@
       </p:grpSpPr>
       <p:sp>
         <p:nvSpPr>
-          <p:cNvPr id="401" name="Google Shape;401;g31ce2079169_6_24"/>
+          <p:cNvPr id="402" name="Google Shape;402;g31ce2079169_6_15"/>
           <p:cNvSpPr txBox="1"/>
           <p:nvPr>
             <p:ph type="title"/>
@@ -24119,7 +24157,7 @@
             </a:pPr>
             <a:r>
               <a:rPr lang="en-US"/>
-              <a:t>Conclusion (Future Work)</a:t>
+              <a:t>Conclusion (Restrictions)</a:t>
             </a:r>
             <a:endParaRPr/>
           </a:p>
@@ -24127,7 +24165,7 @@
       </p:sp>
       <p:sp>
         <p:nvSpPr>
-          <p:cNvPr id="402" name="Google Shape;402;g31ce2079169_6_24"/>
+          <p:cNvPr id="403" name="Google Shape;403;g31ce2079169_6_15"/>
           <p:cNvSpPr txBox="1"/>
           <p:nvPr>
             <p:ph idx="1" type="body"/>
@@ -24135,8 +24173,8 @@
         </p:nvSpPr>
         <p:spPr>
           <a:xfrm>
-            <a:off x="838200" y="1740967"/>
-            <a:ext cx="10515600" cy="4358100"/>
+            <a:off x="838200" y="1740968"/>
+            <a:ext cx="10515600" cy="4170000"/>
           </a:xfrm>
           <a:prstGeom prst="rect">
             <a:avLst/>
@@ -24167,7 +24205,7 @@
             </a:pPr>
             <a:r>
               <a:rPr lang="en-US"/>
-              <a:t>Cross referencing with other datasets</a:t>
+              <a:t>Limited dataset</a:t>
             </a:r>
             <a:endParaRPr/>
           </a:p>
@@ -24187,12 +24225,15 @@
             </a:pPr>
             <a:r>
               <a:rPr lang="en-US"/>
-              <a:t>Weather, income, unemployment rates, traffic</a:t>
+              <a:t>Features available</a:t>
             </a:r>
             <a:endParaRPr/>
           </a:p>
           <a:p>
             <a:pPr indent="-342900" lvl="1" marL="914400" rtl="0" algn="l">
+              <a:lnSpc>
+                <a:spcPct val="90000"/>
+              </a:lnSpc>
               <a:spcBef>
                 <a:spcPts val="0"/>
               </a:spcBef>
@@ -24204,7 +24245,47 @@
             </a:pPr>
             <a:r>
               <a:rPr lang="en-US"/>
-              <a:t>Including data where crime doesn’t happen</a:t>
+              <a:t>Feature imbalance</a:t>
+            </a:r>
+            <a:endParaRPr/>
+          </a:p>
+          <a:p>
+            <a:pPr indent="-342900" lvl="1" marL="914400" rtl="0" algn="l">
+              <a:lnSpc>
+                <a:spcPct val="90000"/>
+              </a:lnSpc>
+              <a:spcBef>
+                <a:spcPts val="0"/>
+              </a:spcBef>
+              <a:spcAft>
+                <a:spcPts val="0"/>
+              </a:spcAft>
+              <a:buSzPts val="1800"/>
+              <a:buChar char="•"/>
+            </a:pPr>
+            <a:r>
+              <a:rPr lang="en-US"/>
+              <a:t>Time imbalance</a:t>
+            </a:r>
+            <a:endParaRPr/>
+          </a:p>
+          <a:p>
+            <a:pPr indent="-342900" lvl="1" marL="914400" rtl="0" algn="l">
+              <a:lnSpc>
+                <a:spcPct val="90000"/>
+              </a:lnSpc>
+              <a:spcBef>
+                <a:spcPts val="0"/>
+              </a:spcBef>
+              <a:spcAft>
+                <a:spcPts val="0"/>
+              </a:spcAft>
+              <a:buSzPts val="1800"/>
+              <a:buChar char="•"/>
+            </a:pPr>
+            <a:r>
+              <a:rPr lang="en-US"/>
+              <a:t>Only includes information when crime occurs</a:t>
             </a:r>
             <a:endParaRPr/>
           </a:p>
@@ -24224,27 +24305,27 @@
             <a:r>
               <a:t/>
             </a:r>
-            <a:endParaRPr sz="2400"/>
+            <a:endParaRPr/>
           </a:p>
           <a:p>
-            <a:pPr indent="-381000" lvl="0" marL="457200" rtl="0" algn="l">
-              <a:lnSpc>
-                <a:spcPct val="90000"/>
-              </a:lnSpc>
-              <a:spcBef>
-                <a:spcPts val="0"/>
-              </a:spcBef>
-              <a:spcAft>
-                <a:spcPts val="0"/>
-              </a:spcAft>
-              <a:buSzPts val="2400"/>
+            <a:pPr indent="-342900" lvl="0" marL="457200" rtl="0" algn="l">
+              <a:lnSpc>
+                <a:spcPct val="90000"/>
+              </a:lnSpc>
+              <a:spcBef>
+                <a:spcPts val="0"/>
+              </a:spcBef>
+              <a:spcAft>
+                <a:spcPts val="0"/>
+              </a:spcAft>
+              <a:buSzPts val="1800"/>
               <a:buChar char="•"/>
             </a:pPr>
             <a:r>
-              <a:rPr lang="en-US" sz="2400"/>
-              <a:t>Stronger GPU and more RAM</a:t>
+              <a:rPr lang="en-US"/>
+              <a:t>Limited GPU usage and RAM availability</a:t>
             </a:r>
-            <a:endParaRPr sz="2400"/>
+            <a:endParaRPr/>
           </a:p>
           <a:p>
             <a:pPr indent="0" lvl="0" marL="0" rtl="0" algn="l">
@@ -24262,111 +24343,13 @@
             <a:r>
               <a:t/>
             </a:r>
-            <a:endParaRPr sz="2400"/>
-          </a:p>
-          <a:p>
-            <a:pPr indent="-381000" lvl="0" marL="457200" rtl="0" algn="l">
-              <a:lnSpc>
-                <a:spcPct val="90000"/>
-              </a:lnSpc>
-              <a:spcBef>
-                <a:spcPts val="0"/>
-              </a:spcBef>
-              <a:spcAft>
-                <a:spcPts val="0"/>
-              </a:spcAft>
-              <a:buSzPts val="2400"/>
-              <a:buChar char="•"/>
-            </a:pPr>
-            <a:r>
-              <a:rPr lang="en-US" sz="2400"/>
-              <a:t>Expanding the model to an RNN</a:t>
-            </a:r>
-            <a:endParaRPr sz="2400"/>
-          </a:p>
-          <a:p>
-            <a:pPr indent="-381000" lvl="1" marL="914400" rtl="0" algn="l">
-              <a:lnSpc>
-                <a:spcPct val="90000"/>
-              </a:lnSpc>
-              <a:spcBef>
-                <a:spcPts val="0"/>
-              </a:spcBef>
-              <a:spcAft>
-                <a:spcPts val="0"/>
-              </a:spcAft>
-              <a:buSzPts val="2400"/>
-              <a:buChar char="•"/>
-            </a:pPr>
-            <a:r>
-              <a:rPr lang="en-US"/>
-              <a:t>Predict evolution of crime over a time-period</a:t>
-            </a:r>
-            <a:endParaRPr sz="2400"/>
-          </a:p>
-          <a:p>
-            <a:pPr indent="0" lvl="0" marL="0" rtl="0" algn="l">
-              <a:lnSpc>
-                <a:spcPct val="90000"/>
-              </a:lnSpc>
-              <a:spcBef>
-                <a:spcPts val="0"/>
-              </a:spcBef>
-              <a:spcAft>
-                <a:spcPts val="0"/>
-              </a:spcAft>
-              <a:buNone/>
-            </a:pPr>
-            <a:r>
-              <a:t/>
-            </a:r>
-            <a:endParaRPr sz="2400"/>
-          </a:p>
-          <a:p>
-            <a:pPr indent="-381000" lvl="0" marL="457200" rtl="0" algn="l">
-              <a:lnSpc>
-                <a:spcPct val="90000"/>
-              </a:lnSpc>
-              <a:spcBef>
-                <a:spcPts val="0"/>
-              </a:spcBef>
-              <a:spcAft>
-                <a:spcPts val="0"/>
-              </a:spcAft>
-              <a:buSzPts val="2400"/>
-              <a:buChar char="•"/>
-            </a:pPr>
-            <a:r>
-              <a:rPr lang="en-US" sz="2400"/>
-              <a:t>Real-time predictions</a:t>
-            </a:r>
-            <a:endParaRPr sz="2400"/>
-          </a:p>
-          <a:p>
-            <a:pPr indent="-381000" lvl="1" marL="914400" rtl="0" algn="l">
-              <a:lnSpc>
-                <a:spcPct val="90000"/>
-              </a:lnSpc>
-              <a:spcBef>
-                <a:spcPts val="0"/>
-              </a:spcBef>
-              <a:spcAft>
-                <a:spcPts val="0"/>
-              </a:spcAft>
-              <a:buSzPts val="2400"/>
-              <a:buChar char="•"/>
-            </a:pPr>
-            <a:r>
-              <a:rPr lang="en-US"/>
-              <a:t>Leveraging modern IoT systems</a:t>
-            </a:r>
-            <a:endParaRPr sz="2400"/>
+            <a:endParaRPr/>
           </a:p>
         </p:txBody>
       </p:sp>
       <p:sp>
         <p:nvSpPr>
-          <p:cNvPr id="403" name="Google Shape;403;g31ce2079169_6_24"/>
+          <p:cNvPr id="404" name="Google Shape;404;g31ce2079169_6_15"/>
           <p:cNvSpPr txBox="1"/>
           <p:nvPr>
             <p:ph idx="12" type="sldNum"/>
@@ -24424,7 +24407,7 @@
       </p:sp>
       <p:pic>
         <p:nvPicPr>
-          <p:cNvPr descr="A orange and blue Block I logo on a white background." id="404" name="Google Shape;404;g31ce2079169_6_24"/>
+          <p:cNvPr descr="A orange and blue Block I logo on a white background." id="405" name="Google Shape;405;g31ce2079169_6_15"/>
           <p:cNvPicPr preferRelativeResize="0"/>
           <p:nvPr/>
         </p:nvPicPr>
@@ -24451,7 +24434,7 @@
       </p:pic>
       <p:sp>
         <p:nvSpPr>
-          <p:cNvPr id="405" name="Google Shape;405;g31ce2079169_6_24"/>
+          <p:cNvPr id="406" name="Google Shape;406;g31ce2079169_6_15"/>
           <p:cNvSpPr txBox="1"/>
           <p:nvPr>
             <p:ph idx="1" type="body"/>
@@ -24472,7 +24455,7 @@
         </p:spPr>
         <p:txBody>
           <a:bodyPr anchorCtr="0" anchor="t" bIns="45700" lIns="91425" spcFirstLastPara="1" rIns="91425" wrap="square" tIns="45700">
-            <a:normAutofit fontScale="47500" lnSpcReduction="10000"/>
+            <a:normAutofit fontScale="55000" lnSpcReduction="20000"/>
           </a:bodyPr>
           <a:lstStyle/>
           <a:p>
@@ -24494,7 +24477,7 @@
             </a:pPr>
             <a:r>
               <a:rPr lang="en-US"/>
-              <a:t>Shrusti Jain, Kevin Lu, Taobo Liao, Smeet Patel</a:t>
+              <a:t>Shrusti Jain, Kevin Lu</a:t>
             </a:r>
             <a:endParaRPr/>
           </a:p>
@@ -24513,7 +24496,7 @@
   <p:cSld>
     <p:spTree>
       <p:nvGrpSpPr>
-        <p:cNvPr id="410" name="Shape 410"/>
+        <p:cNvPr id="411" name="Shape 411"/>
         <p:cNvGrpSpPr/>
         <p:nvPr/>
       </p:nvGrpSpPr>
@@ -24525,9 +24508,358 @@
           <a:chExt cx="0" cy="0"/>
         </a:xfrm>
       </p:grpSpPr>
+      <p:sp>
+        <p:nvSpPr>
+          <p:cNvPr id="412" name="Google Shape;412;g31ce2079169_6_24"/>
+          <p:cNvSpPr txBox="1"/>
+          <p:nvPr>
+            <p:ph type="title"/>
+          </p:nvPr>
+        </p:nvSpPr>
+        <p:spPr>
+          <a:xfrm>
+            <a:off x="838200" y="664684"/>
+            <a:ext cx="10515600" cy="599100"/>
+          </a:xfrm>
+          <a:prstGeom prst="rect">
+            <a:avLst/>
+          </a:prstGeom>
+          <a:noFill/>
+          <a:ln>
+            <a:noFill/>
+          </a:ln>
+        </p:spPr>
+        <p:txBody>
+          <a:bodyPr anchorCtr="0" anchor="ctr" bIns="45700" lIns="91425" spcFirstLastPara="1" rIns="91425" wrap="square" tIns="45700">
+            <a:normAutofit fontScale="90000"/>
+          </a:bodyPr>
+          <a:lstStyle/>
+          <a:p>
+            <a:pPr indent="0" lvl="0" marL="0" rtl="0" algn="l">
+              <a:lnSpc>
+                <a:spcPct val="90000"/>
+              </a:lnSpc>
+              <a:spcBef>
+                <a:spcPts val="0"/>
+              </a:spcBef>
+              <a:spcAft>
+                <a:spcPts val="0"/>
+              </a:spcAft>
+              <a:buClr>
+                <a:srgbClr val="FF5F03"/>
+              </a:buClr>
+              <a:buSzPct val="100000"/>
+              <a:buFont typeface="Arial Black"/>
+              <a:buNone/>
+            </a:pPr>
+            <a:r>
+              <a:rPr lang="en-US"/>
+              <a:t>Conclusion (Future Work)</a:t>
+            </a:r>
+            <a:endParaRPr/>
+          </a:p>
+        </p:txBody>
+      </p:sp>
+      <p:sp>
+        <p:nvSpPr>
+          <p:cNvPr id="413" name="Google Shape;413;g31ce2079169_6_24"/>
+          <p:cNvSpPr txBox="1"/>
+          <p:nvPr>
+            <p:ph idx="1" type="body"/>
+          </p:nvPr>
+        </p:nvSpPr>
+        <p:spPr>
+          <a:xfrm>
+            <a:off x="838200" y="1740967"/>
+            <a:ext cx="10515600" cy="4358100"/>
+          </a:xfrm>
+          <a:prstGeom prst="rect">
+            <a:avLst/>
+          </a:prstGeom>
+          <a:noFill/>
+          <a:ln>
+            <a:noFill/>
+          </a:ln>
+        </p:spPr>
+        <p:txBody>
+          <a:bodyPr anchorCtr="0" anchor="t" bIns="45700" lIns="91425" spcFirstLastPara="1" rIns="91425" wrap="square" tIns="45700">
+            <a:normAutofit/>
+          </a:bodyPr>
+          <a:lstStyle/>
+          <a:p>
+            <a:pPr indent="-342900" lvl="0" marL="457200" rtl="0" algn="l">
+              <a:lnSpc>
+                <a:spcPct val="90000"/>
+              </a:lnSpc>
+              <a:spcBef>
+                <a:spcPts val="0"/>
+              </a:spcBef>
+              <a:spcAft>
+                <a:spcPts val="0"/>
+              </a:spcAft>
+              <a:buSzPts val="1800"/>
+              <a:buChar char="•"/>
+            </a:pPr>
+            <a:r>
+              <a:rPr lang="en-US"/>
+              <a:t>Cross referencing with other datasets</a:t>
+            </a:r>
+            <a:endParaRPr/>
+          </a:p>
+          <a:p>
+            <a:pPr indent="-342900" lvl="1" marL="914400" rtl="0" algn="l">
+              <a:lnSpc>
+                <a:spcPct val="90000"/>
+              </a:lnSpc>
+              <a:spcBef>
+                <a:spcPts val="0"/>
+              </a:spcBef>
+              <a:spcAft>
+                <a:spcPts val="0"/>
+              </a:spcAft>
+              <a:buSzPts val="1800"/>
+              <a:buChar char="•"/>
+            </a:pPr>
+            <a:r>
+              <a:rPr lang="en-US"/>
+              <a:t>Weather, income, unemployment rates, traffic</a:t>
+            </a:r>
+            <a:endParaRPr/>
+          </a:p>
+          <a:p>
+            <a:pPr indent="-342900" lvl="1" marL="914400" rtl="0" algn="l">
+              <a:spcBef>
+                <a:spcPts val="0"/>
+              </a:spcBef>
+              <a:spcAft>
+                <a:spcPts val="0"/>
+              </a:spcAft>
+              <a:buSzPts val="1800"/>
+              <a:buChar char="•"/>
+            </a:pPr>
+            <a:r>
+              <a:rPr lang="en-US"/>
+              <a:t>Including data where crime doesn’t happen</a:t>
+            </a:r>
+            <a:endParaRPr/>
+          </a:p>
+          <a:p>
+            <a:pPr indent="0" lvl="0" marL="0" rtl="0" algn="l">
+              <a:lnSpc>
+                <a:spcPct val="90000"/>
+              </a:lnSpc>
+              <a:spcBef>
+                <a:spcPts val="0"/>
+              </a:spcBef>
+              <a:spcAft>
+                <a:spcPts val="0"/>
+              </a:spcAft>
+              <a:buNone/>
+            </a:pPr>
+            <a:r>
+              <a:t/>
+            </a:r>
+            <a:endParaRPr sz="2400"/>
+          </a:p>
+          <a:p>
+            <a:pPr indent="-381000" lvl="0" marL="457200" rtl="0" algn="l">
+              <a:lnSpc>
+                <a:spcPct val="90000"/>
+              </a:lnSpc>
+              <a:spcBef>
+                <a:spcPts val="0"/>
+              </a:spcBef>
+              <a:spcAft>
+                <a:spcPts val="0"/>
+              </a:spcAft>
+              <a:buSzPts val="2400"/>
+              <a:buChar char="•"/>
+            </a:pPr>
+            <a:r>
+              <a:rPr lang="en-US" sz="2400"/>
+              <a:t>Stronger GPU and more RAM</a:t>
+            </a:r>
+            <a:endParaRPr sz="2400"/>
+          </a:p>
+          <a:p>
+            <a:pPr indent="0" lvl="0" marL="0" rtl="0" algn="l">
+              <a:lnSpc>
+                <a:spcPct val="90000"/>
+              </a:lnSpc>
+              <a:spcBef>
+                <a:spcPts val="0"/>
+              </a:spcBef>
+              <a:spcAft>
+                <a:spcPts val="0"/>
+              </a:spcAft>
+              <a:buNone/>
+            </a:pPr>
+            <a:r>
+              <a:t/>
+            </a:r>
+            <a:endParaRPr sz="2400"/>
+          </a:p>
+          <a:p>
+            <a:pPr indent="-381000" lvl="0" marL="457200" rtl="0" algn="l">
+              <a:lnSpc>
+                <a:spcPct val="90000"/>
+              </a:lnSpc>
+              <a:spcBef>
+                <a:spcPts val="0"/>
+              </a:spcBef>
+              <a:spcAft>
+                <a:spcPts val="0"/>
+              </a:spcAft>
+              <a:buSzPts val="2400"/>
+              <a:buChar char="•"/>
+            </a:pPr>
+            <a:r>
+              <a:rPr lang="en-US" sz="2400"/>
+              <a:t>Expanding the model to an RNN</a:t>
+            </a:r>
+            <a:endParaRPr sz="2400"/>
+          </a:p>
+          <a:p>
+            <a:pPr indent="-381000" lvl="1" marL="914400" rtl="0" algn="l">
+              <a:lnSpc>
+                <a:spcPct val="90000"/>
+              </a:lnSpc>
+              <a:spcBef>
+                <a:spcPts val="0"/>
+              </a:spcBef>
+              <a:spcAft>
+                <a:spcPts val="0"/>
+              </a:spcAft>
+              <a:buSzPts val="2400"/>
+              <a:buChar char="•"/>
+            </a:pPr>
+            <a:r>
+              <a:rPr lang="en-US"/>
+              <a:t>Predict evolution of crime over a time-period</a:t>
+            </a:r>
+            <a:endParaRPr sz="2400"/>
+          </a:p>
+          <a:p>
+            <a:pPr indent="0" lvl="0" marL="0" rtl="0" algn="l">
+              <a:lnSpc>
+                <a:spcPct val="90000"/>
+              </a:lnSpc>
+              <a:spcBef>
+                <a:spcPts val="0"/>
+              </a:spcBef>
+              <a:spcAft>
+                <a:spcPts val="0"/>
+              </a:spcAft>
+              <a:buNone/>
+            </a:pPr>
+            <a:r>
+              <a:t/>
+            </a:r>
+            <a:endParaRPr sz="2400"/>
+          </a:p>
+          <a:p>
+            <a:pPr indent="-381000" lvl="0" marL="457200" rtl="0" algn="l">
+              <a:lnSpc>
+                <a:spcPct val="90000"/>
+              </a:lnSpc>
+              <a:spcBef>
+                <a:spcPts val="0"/>
+              </a:spcBef>
+              <a:spcAft>
+                <a:spcPts val="0"/>
+              </a:spcAft>
+              <a:buSzPts val="2400"/>
+              <a:buChar char="•"/>
+            </a:pPr>
+            <a:r>
+              <a:rPr lang="en-US" sz="2400"/>
+              <a:t>Real-time predictions</a:t>
+            </a:r>
+            <a:endParaRPr sz="2400"/>
+          </a:p>
+          <a:p>
+            <a:pPr indent="-381000" lvl="1" marL="914400" rtl="0" algn="l">
+              <a:lnSpc>
+                <a:spcPct val="90000"/>
+              </a:lnSpc>
+              <a:spcBef>
+                <a:spcPts val="0"/>
+              </a:spcBef>
+              <a:spcAft>
+                <a:spcPts val="0"/>
+              </a:spcAft>
+              <a:buSzPts val="2400"/>
+              <a:buChar char="•"/>
+            </a:pPr>
+            <a:r>
+              <a:rPr lang="en-US"/>
+              <a:t>Leveraging modern IoT systems</a:t>
+            </a:r>
+            <a:endParaRPr sz="2400"/>
+          </a:p>
+        </p:txBody>
+      </p:sp>
+      <p:sp>
+        <p:nvSpPr>
+          <p:cNvPr id="414" name="Google Shape;414;g31ce2079169_6_24"/>
+          <p:cNvSpPr txBox="1"/>
+          <p:nvPr>
+            <p:ph idx="12" type="sldNum"/>
+          </p:nvPr>
+        </p:nvSpPr>
+        <p:spPr>
+          <a:xfrm>
+            <a:off x="8610600" y="6356350"/>
+            <a:ext cx="2743200" cy="365100"/>
+          </a:xfrm>
+          <a:prstGeom prst="rect">
+            <a:avLst/>
+          </a:prstGeom>
+          <a:noFill/>
+          <a:ln>
+            <a:noFill/>
+          </a:ln>
+        </p:spPr>
+        <p:txBody>
+          <a:bodyPr anchorCtr="0" anchor="ctr" bIns="45700" lIns="91425" spcFirstLastPara="1" rIns="91425" wrap="square" tIns="45700">
+            <a:noAutofit/>
+          </a:bodyPr>
+          <a:lstStyle/>
+          <a:p>
+            <a:pPr indent="0" lvl="0" marL="0" rtl="0" algn="r">
+              <a:spcBef>
+                <a:spcPts val="0"/>
+              </a:spcBef>
+              <a:spcAft>
+                <a:spcPts val="0"/>
+              </a:spcAft>
+              <a:buNone/>
+            </a:pPr>
+            <a:fld id="{00000000-1234-1234-1234-123412341234}" type="slidenum">
+              <a:rPr lang="en-US">
+                <a:solidFill>
+                  <a:schemeClr val="dk1"/>
+                </a:solidFill>
+                <a:highlight>
+                  <a:schemeClr val="lt1"/>
+                </a:highlight>
+              </a:rPr>
+              <a:t>‹#›</a:t>
+            </a:fld>
+            <a:endParaRPr>
+              <a:solidFill>
+                <a:schemeClr val="dk1"/>
+              </a:solidFill>
+              <a:highlight>
+                <a:schemeClr val="lt1"/>
+              </a:highlight>
+            </a:endParaRPr>
+          </a:p>
+        </p:txBody>
+      </p:sp>
       <p:pic>
         <p:nvPicPr>
-          <p:cNvPr id="411" name="Google Shape;411;p12"/>
+          <p:cNvPr descr="A orange and blue Block I logo on a white background." id="415" name="Google Shape;415;g31ce2079169_6_24"/>
           <p:cNvPicPr preferRelativeResize="0"/>
           <p:nvPr/>
         </p:nvPicPr>
@@ -24540,1088 +24872,8 @@
         </p:blipFill>
         <p:spPr>
           <a:xfrm>
-            <a:off x="4513449" y="4935699"/>
-            <a:ext cx="482600" cy="482600"/>
-          </a:xfrm>
-          <a:prstGeom prst="rect">
-            <a:avLst/>
-          </a:prstGeom>
-          <a:noFill/>
-          <a:ln>
-            <a:noFill/>
-          </a:ln>
-        </p:spPr>
-      </p:pic>
-      <p:pic>
-        <p:nvPicPr>
-          <p:cNvPr id="412" name="Google Shape;412;p12"/>
-          <p:cNvPicPr preferRelativeResize="0"/>
-          <p:nvPr/>
-        </p:nvPicPr>
-        <p:blipFill rotWithShape="1">
-          <a:blip r:embed="rId4">
-            <a:alphaModFix/>
-          </a:blip>
-          <a:srcRect b="0" l="0" r="0" t="0"/>
-          <a:stretch/>
-        </p:blipFill>
-        <p:spPr>
-          <a:xfrm>
-            <a:off x="5559461" y="4933885"/>
-            <a:ext cx="482600" cy="482600"/>
-          </a:xfrm>
-          <a:prstGeom prst="rect">
-            <a:avLst/>
-          </a:prstGeom>
-          <a:noFill/>
-          <a:ln>
-            <a:noFill/>
-          </a:ln>
-        </p:spPr>
-      </p:pic>
-      <p:pic>
-        <p:nvPicPr>
-          <p:cNvPr id="413" name="Google Shape;413;p12"/>
-          <p:cNvPicPr preferRelativeResize="0"/>
-          <p:nvPr/>
-        </p:nvPicPr>
-        <p:blipFill rotWithShape="1">
-          <a:blip r:embed="rId5">
-            <a:alphaModFix/>
-          </a:blip>
-          <a:srcRect b="0" l="0" r="0" t="0"/>
-          <a:stretch/>
-        </p:blipFill>
-        <p:spPr>
-          <a:xfrm>
-            <a:off x="5572145" y="4112653"/>
-            <a:ext cx="482600" cy="482600"/>
-          </a:xfrm>
-          <a:prstGeom prst="rect">
-            <a:avLst/>
-          </a:prstGeom>
-          <a:noFill/>
-          <a:ln>
-            <a:noFill/>
-          </a:ln>
-        </p:spPr>
-      </p:pic>
-      <p:pic>
-        <p:nvPicPr>
-          <p:cNvPr id="414" name="Google Shape;414;p12"/>
-          <p:cNvPicPr preferRelativeResize="0"/>
-          <p:nvPr/>
-        </p:nvPicPr>
-        <p:blipFill rotWithShape="1">
-          <a:blip r:embed="rId6">
-            <a:alphaModFix/>
-          </a:blip>
-          <a:srcRect b="0" l="0" r="0" t="0"/>
-          <a:stretch/>
-        </p:blipFill>
-        <p:spPr>
-          <a:xfrm>
-            <a:off x="5183393" y="2467101"/>
-            <a:ext cx="482600" cy="482600"/>
-          </a:xfrm>
-          <a:prstGeom prst="rect">
-            <a:avLst/>
-          </a:prstGeom>
-          <a:noFill/>
-          <a:ln>
-            <a:noFill/>
-          </a:ln>
-        </p:spPr>
-      </p:pic>
-      <p:pic>
-        <p:nvPicPr>
-          <p:cNvPr id="415" name="Google Shape;415;p12"/>
-          <p:cNvPicPr preferRelativeResize="0"/>
-          <p:nvPr/>
-        </p:nvPicPr>
-        <p:blipFill rotWithShape="1">
-          <a:blip r:embed="rId7">
-            <a:alphaModFix/>
-          </a:blip>
-          <a:srcRect b="0" l="0" r="0" t="0"/>
-          <a:stretch/>
-        </p:blipFill>
-        <p:spPr>
-          <a:xfrm>
-            <a:off x="4706249" y="2517489"/>
-            <a:ext cx="482600" cy="482600"/>
-          </a:xfrm>
-          <a:prstGeom prst="rect">
-            <a:avLst/>
-          </a:prstGeom>
-          <a:noFill/>
-          <a:ln>
-            <a:noFill/>
-          </a:ln>
-        </p:spPr>
-      </p:pic>
-      <p:pic>
-        <p:nvPicPr>
-          <p:cNvPr id="416" name="Google Shape;416;p12"/>
-          <p:cNvPicPr preferRelativeResize="0"/>
-          <p:nvPr/>
-        </p:nvPicPr>
-        <p:blipFill rotWithShape="1">
-          <a:blip r:embed="rId8">
-            <a:alphaModFix/>
-          </a:blip>
-          <a:srcRect b="0" l="0" r="0" t="0"/>
-          <a:stretch/>
-        </p:blipFill>
-        <p:spPr>
-          <a:xfrm>
-            <a:off x="4172839" y="2505200"/>
-            <a:ext cx="482600" cy="482600"/>
-          </a:xfrm>
-          <a:prstGeom prst="rect">
-            <a:avLst/>
-          </a:prstGeom>
-          <a:noFill/>
-          <a:ln>
-            <a:noFill/>
-          </a:ln>
-        </p:spPr>
-      </p:pic>
-      <p:pic>
-        <p:nvPicPr>
-          <p:cNvPr id="417" name="Google Shape;417;p12"/>
-          <p:cNvPicPr preferRelativeResize="0"/>
-          <p:nvPr/>
-        </p:nvPicPr>
-        <p:blipFill rotWithShape="1">
-          <a:blip r:embed="rId9">
-            <a:alphaModFix/>
-          </a:blip>
-          <a:srcRect b="0" l="0" r="0" t="0"/>
-          <a:stretch/>
-        </p:blipFill>
-        <p:spPr>
-          <a:xfrm>
-            <a:off x="3695695" y="2509737"/>
-            <a:ext cx="482600" cy="482600"/>
-          </a:xfrm>
-          <a:prstGeom prst="rect">
-            <a:avLst/>
-          </a:prstGeom>
-          <a:noFill/>
-          <a:ln>
-            <a:noFill/>
-          </a:ln>
-        </p:spPr>
-      </p:pic>
-      <p:pic>
-        <p:nvPicPr>
-          <p:cNvPr id="418" name="Google Shape;418;p12"/>
-          <p:cNvPicPr preferRelativeResize="0"/>
-          <p:nvPr/>
-        </p:nvPicPr>
-        <p:blipFill rotWithShape="1">
-          <a:blip r:embed="rId10">
-            <a:alphaModFix/>
-          </a:blip>
-          <a:srcRect b="0" l="0" r="0" t="0"/>
-          <a:stretch/>
-        </p:blipFill>
-        <p:spPr>
-          <a:xfrm>
-            <a:off x="5026911" y="4112653"/>
-            <a:ext cx="482600" cy="482600"/>
-          </a:xfrm>
-          <a:prstGeom prst="rect">
-            <a:avLst/>
-          </a:prstGeom>
-          <a:noFill/>
-          <a:ln>
-            <a:noFill/>
-          </a:ln>
-        </p:spPr>
-      </p:pic>
-      <p:pic>
-        <p:nvPicPr>
-          <p:cNvPr id="419" name="Google Shape;419;p12"/>
-          <p:cNvPicPr preferRelativeResize="0"/>
-          <p:nvPr/>
-        </p:nvPicPr>
-        <p:blipFill rotWithShape="1">
-          <a:blip r:embed="rId11">
-            <a:alphaModFix/>
-          </a:blip>
-          <a:srcRect b="0" l="0" r="0" t="0"/>
-          <a:stretch/>
-        </p:blipFill>
-        <p:spPr>
-          <a:xfrm>
-            <a:off x="3844474" y="1649766"/>
-            <a:ext cx="482600" cy="482600"/>
-          </a:xfrm>
-          <a:prstGeom prst="rect">
-            <a:avLst/>
-          </a:prstGeom>
-          <a:noFill/>
-          <a:ln>
-            <a:noFill/>
-          </a:ln>
-        </p:spPr>
-      </p:pic>
-      <p:pic>
-        <p:nvPicPr>
-          <p:cNvPr id="420" name="Google Shape;420;p12"/>
-          <p:cNvPicPr preferRelativeResize="0"/>
-          <p:nvPr/>
-        </p:nvPicPr>
-        <p:blipFill rotWithShape="1">
-          <a:blip r:embed="rId12">
-            <a:alphaModFix/>
-          </a:blip>
-          <a:srcRect b="0" l="0" r="0" t="0"/>
-          <a:stretch/>
-        </p:blipFill>
-        <p:spPr>
-          <a:xfrm>
-            <a:off x="1981198" y="2517900"/>
-            <a:ext cx="482600" cy="482600"/>
-          </a:xfrm>
-          <a:prstGeom prst="rect">
-            <a:avLst/>
-          </a:prstGeom>
-          <a:noFill/>
-          <a:ln>
-            <a:noFill/>
-          </a:ln>
-        </p:spPr>
-      </p:pic>
-      <p:pic>
-        <p:nvPicPr>
-          <p:cNvPr id="421" name="Google Shape;421;p12"/>
-          <p:cNvPicPr preferRelativeResize="0"/>
-          <p:nvPr/>
-        </p:nvPicPr>
-        <p:blipFill rotWithShape="1">
-          <a:blip r:embed="rId13">
-            <a:alphaModFix/>
-          </a:blip>
-          <a:srcRect b="0" l="0" r="0" t="0"/>
-          <a:stretch/>
-        </p:blipFill>
-        <p:spPr>
-          <a:xfrm>
-            <a:off x="6110059" y="4926627"/>
-            <a:ext cx="482600" cy="482600"/>
-          </a:xfrm>
-          <a:prstGeom prst="rect">
-            <a:avLst/>
-          </a:prstGeom>
-          <a:noFill/>
-          <a:ln>
-            <a:noFill/>
-          </a:ln>
-        </p:spPr>
-      </p:pic>
-      <p:pic>
-        <p:nvPicPr>
-          <p:cNvPr id="422" name="Google Shape;422;p12"/>
-          <p:cNvPicPr preferRelativeResize="0"/>
-          <p:nvPr/>
-        </p:nvPicPr>
-        <p:blipFill rotWithShape="1">
-          <a:blip r:embed="rId14">
-            <a:alphaModFix/>
-          </a:blip>
-          <a:srcRect b="0" l="0" r="0" t="0"/>
-          <a:stretch/>
-        </p:blipFill>
-        <p:spPr>
-          <a:xfrm>
-            <a:off x="3947438" y="4937513"/>
-            <a:ext cx="482600" cy="482600"/>
-          </a:xfrm>
-          <a:prstGeom prst="rect">
-            <a:avLst/>
-          </a:prstGeom>
-          <a:noFill/>
-          <a:ln>
-            <a:noFill/>
-          </a:ln>
-        </p:spPr>
-      </p:pic>
-      <p:pic>
-        <p:nvPicPr>
-          <p:cNvPr id="423" name="Google Shape;423;p12"/>
-          <p:cNvPicPr preferRelativeResize="0"/>
-          <p:nvPr/>
-        </p:nvPicPr>
-        <p:blipFill rotWithShape="1">
-          <a:blip r:embed="rId15">
-            <a:alphaModFix/>
-          </a:blip>
-          <a:srcRect b="0" l="0" r="0" t="0"/>
-          <a:stretch/>
-        </p:blipFill>
-        <p:spPr>
-          <a:xfrm>
-            <a:off x="2552697" y="2467101"/>
-            <a:ext cx="482600" cy="482600"/>
-          </a:xfrm>
-          <a:prstGeom prst="rect">
-            <a:avLst/>
-          </a:prstGeom>
-          <a:noFill/>
-          <a:ln>
-            <a:noFill/>
-          </a:ln>
-        </p:spPr>
-      </p:pic>
-      <p:pic>
-        <p:nvPicPr>
-          <p:cNvPr id="424" name="Google Shape;424;p12"/>
-          <p:cNvPicPr preferRelativeResize="0"/>
-          <p:nvPr/>
-        </p:nvPicPr>
-        <p:blipFill rotWithShape="1">
-          <a:blip r:embed="rId16">
-            <a:alphaModFix/>
-          </a:blip>
-          <a:srcRect b="0" l="0" r="0" t="0"/>
-          <a:stretch/>
-        </p:blipFill>
-        <p:spPr>
-          <a:xfrm>
-            <a:off x="2456556" y="1666093"/>
-            <a:ext cx="482600" cy="482600"/>
-          </a:xfrm>
-          <a:prstGeom prst="rect">
-            <a:avLst/>
-          </a:prstGeom>
-          <a:noFill/>
-          <a:ln>
-            <a:noFill/>
-          </a:ln>
-        </p:spPr>
-      </p:pic>
-      <p:pic>
-        <p:nvPicPr>
-          <p:cNvPr id="425" name="Google Shape;425;p12"/>
-          <p:cNvPicPr preferRelativeResize="0"/>
-          <p:nvPr/>
-        </p:nvPicPr>
-        <p:blipFill rotWithShape="1">
-          <a:blip r:embed="rId17">
-            <a:alphaModFix/>
-          </a:blip>
-          <a:srcRect b="0" l="0" r="0" t="0"/>
-          <a:stretch/>
-        </p:blipFill>
-        <p:spPr>
-          <a:xfrm>
-            <a:off x="3820440" y="4112653"/>
-            <a:ext cx="482600" cy="482600"/>
-          </a:xfrm>
-          <a:prstGeom prst="rect">
-            <a:avLst/>
-          </a:prstGeom>
-          <a:noFill/>
-          <a:ln>
-            <a:noFill/>
-          </a:ln>
-        </p:spPr>
-      </p:pic>
-      <p:pic>
-        <p:nvPicPr>
-          <p:cNvPr id="426" name="Google Shape;426;p12"/>
-          <p:cNvPicPr preferRelativeResize="0"/>
-          <p:nvPr/>
-        </p:nvPicPr>
-        <p:blipFill rotWithShape="1">
-          <a:blip r:embed="rId18">
-            <a:alphaModFix/>
-          </a:blip>
-          <a:srcRect b="0" l="0" r="0" t="0"/>
-          <a:stretch/>
-        </p:blipFill>
-        <p:spPr>
-          <a:xfrm>
-            <a:off x="3124196" y="2467101"/>
-            <a:ext cx="482600" cy="482600"/>
-          </a:xfrm>
-          <a:prstGeom prst="rect">
-            <a:avLst/>
-          </a:prstGeom>
-          <a:noFill/>
-          <a:ln>
-            <a:noFill/>
-          </a:ln>
-        </p:spPr>
-      </p:pic>
-      <p:pic>
-        <p:nvPicPr>
-          <p:cNvPr id="427" name="Google Shape;427;p12"/>
-          <p:cNvPicPr preferRelativeResize="0"/>
-          <p:nvPr/>
-        </p:nvPicPr>
-        <p:blipFill rotWithShape="1">
-          <a:blip r:embed="rId19">
-            <a:alphaModFix/>
-          </a:blip>
-          <a:srcRect b="0" l="0" r="0" t="0"/>
-          <a:stretch/>
-        </p:blipFill>
-        <p:spPr>
-          <a:xfrm>
-            <a:off x="3381835" y="1649766"/>
-            <a:ext cx="482600" cy="482600"/>
-          </a:xfrm>
-          <a:prstGeom prst="rect">
-            <a:avLst/>
-          </a:prstGeom>
-          <a:noFill/>
-          <a:ln>
-            <a:noFill/>
-          </a:ln>
-        </p:spPr>
-      </p:pic>
-      <p:pic>
-        <p:nvPicPr>
-          <p:cNvPr id="428" name="Google Shape;428;p12"/>
-          <p:cNvPicPr preferRelativeResize="0"/>
-          <p:nvPr/>
-        </p:nvPicPr>
-        <p:blipFill rotWithShape="1">
-          <a:blip r:embed="rId20">
-            <a:alphaModFix/>
-          </a:blip>
-          <a:srcRect b="0" l="0" r="0" t="0"/>
-          <a:stretch/>
-        </p:blipFill>
-        <p:spPr>
-          <a:xfrm>
-            <a:off x="5037833" y="4933885"/>
-            <a:ext cx="482600" cy="482600"/>
-          </a:xfrm>
-          <a:prstGeom prst="rect">
-            <a:avLst/>
-          </a:prstGeom>
-          <a:noFill/>
-          <a:ln>
-            <a:noFill/>
-          </a:ln>
-        </p:spPr>
-      </p:pic>
-      <p:pic>
-        <p:nvPicPr>
-          <p:cNvPr id="429" name="Google Shape;429;p12"/>
-          <p:cNvPicPr preferRelativeResize="0"/>
-          <p:nvPr/>
-        </p:nvPicPr>
-        <p:blipFill rotWithShape="1">
-          <a:blip r:embed="rId21">
-            <a:alphaModFix/>
-          </a:blip>
-          <a:srcRect b="0" l="0" r="0" t="0"/>
-          <a:stretch/>
-        </p:blipFill>
-        <p:spPr>
-          <a:xfrm>
-            <a:off x="838200" y="2495221"/>
-            <a:ext cx="482600" cy="482600"/>
-          </a:xfrm>
-          <a:prstGeom prst="rect">
-            <a:avLst/>
-          </a:prstGeom>
-          <a:noFill/>
-          <a:ln>
-            <a:noFill/>
-          </a:ln>
-        </p:spPr>
-      </p:pic>
-      <p:pic>
-        <p:nvPicPr>
-          <p:cNvPr id="430" name="Google Shape;430;p12"/>
-          <p:cNvPicPr preferRelativeResize="0"/>
-          <p:nvPr/>
-        </p:nvPicPr>
-        <p:blipFill rotWithShape="1">
-          <a:blip r:embed="rId22">
-            <a:alphaModFix/>
-          </a:blip>
-          <a:srcRect b="0" l="0" r="0" t="0"/>
-          <a:stretch/>
-        </p:blipFill>
-        <p:spPr>
-          <a:xfrm>
-            <a:off x="1409699" y="2509737"/>
-            <a:ext cx="482600" cy="482600"/>
-          </a:xfrm>
-          <a:prstGeom prst="rect">
-            <a:avLst/>
-          </a:prstGeom>
-          <a:noFill/>
-          <a:ln>
-            <a:noFill/>
-          </a:ln>
-        </p:spPr>
-      </p:pic>
-      <p:pic>
-        <p:nvPicPr>
-          <p:cNvPr id="431" name="Google Shape;431;p12"/>
-          <p:cNvPicPr preferRelativeResize="0"/>
-          <p:nvPr/>
-        </p:nvPicPr>
-        <p:blipFill rotWithShape="1">
-          <a:blip r:embed="rId23">
-            <a:alphaModFix/>
-          </a:blip>
-          <a:srcRect b="0" l="0" r="0" t="0"/>
-          <a:stretch/>
-        </p:blipFill>
-        <p:spPr>
-          <a:xfrm>
-            <a:off x="3464838" y="4921825"/>
-            <a:ext cx="482600" cy="482600"/>
-          </a:xfrm>
-          <a:prstGeom prst="rect">
-            <a:avLst/>
-          </a:prstGeom>
-          <a:noFill/>
-          <a:ln>
-            <a:noFill/>
-          </a:ln>
-        </p:spPr>
-      </p:pic>
-      <p:pic>
-        <p:nvPicPr>
-          <p:cNvPr id="432" name="Google Shape;432;p12"/>
-          <p:cNvPicPr preferRelativeResize="0"/>
-          <p:nvPr/>
-        </p:nvPicPr>
-        <p:blipFill rotWithShape="1">
-          <a:blip r:embed="rId24">
-            <a:alphaModFix/>
-          </a:blip>
-          <a:srcRect b="0" l="0" r="0" t="0"/>
-          <a:stretch/>
-        </p:blipFill>
-        <p:spPr>
-          <a:xfrm>
-            <a:off x="2559899" y="3289877"/>
-            <a:ext cx="482600" cy="482600"/>
-          </a:xfrm>
-          <a:prstGeom prst="rect">
-            <a:avLst/>
-          </a:prstGeom>
-          <a:noFill/>
-          <a:ln>
-            <a:noFill/>
-          </a:ln>
-        </p:spPr>
-      </p:pic>
-      <p:pic>
-        <p:nvPicPr>
-          <p:cNvPr id="433" name="Google Shape;433;p12"/>
-          <p:cNvPicPr preferRelativeResize="0"/>
-          <p:nvPr/>
-        </p:nvPicPr>
-        <p:blipFill rotWithShape="1">
-          <a:blip r:embed="rId25">
-            <a:alphaModFix/>
-          </a:blip>
-          <a:srcRect b="0" l="0" r="0" t="0"/>
-          <a:stretch/>
-        </p:blipFill>
-        <p:spPr>
-          <a:xfrm>
-            <a:off x="3140535" y="3335236"/>
-            <a:ext cx="482600" cy="482600"/>
-          </a:xfrm>
-          <a:prstGeom prst="rect">
-            <a:avLst/>
-          </a:prstGeom>
-          <a:noFill/>
-          <a:ln>
-            <a:noFill/>
-          </a:ln>
-        </p:spPr>
-      </p:pic>
-      <p:pic>
-        <p:nvPicPr>
-          <p:cNvPr id="434" name="Google Shape;434;p12"/>
-          <p:cNvPicPr preferRelativeResize="0"/>
-          <p:nvPr/>
-        </p:nvPicPr>
-        <p:blipFill rotWithShape="1">
-          <a:blip r:embed="rId26">
-            <a:alphaModFix/>
-          </a:blip>
-          <a:srcRect b="0" l="0" r="0" t="0"/>
-          <a:stretch/>
-        </p:blipFill>
-        <p:spPr>
-          <a:xfrm>
-            <a:off x="4488997" y="4112653"/>
-            <a:ext cx="482600" cy="482600"/>
-          </a:xfrm>
-          <a:prstGeom prst="rect">
-            <a:avLst/>
-          </a:prstGeom>
-          <a:noFill/>
-          <a:ln>
-            <a:noFill/>
-          </a:ln>
-        </p:spPr>
-      </p:pic>
-      <p:pic>
-        <p:nvPicPr>
-          <p:cNvPr id="435" name="Google Shape;435;p12"/>
-          <p:cNvPicPr preferRelativeResize="0"/>
-          <p:nvPr/>
-        </p:nvPicPr>
-        <p:blipFill rotWithShape="1">
-          <a:blip r:embed="rId27">
-            <a:alphaModFix/>
-          </a:blip>
-          <a:srcRect b="0" l="0" r="0" t="0"/>
-          <a:stretch/>
-        </p:blipFill>
-        <p:spPr>
-          <a:xfrm>
-            <a:off x="2919196" y="1666093"/>
-            <a:ext cx="482600" cy="482600"/>
-          </a:xfrm>
-          <a:prstGeom prst="rect">
-            <a:avLst/>
-          </a:prstGeom>
-          <a:noFill/>
-          <a:ln>
-            <a:noFill/>
-          </a:ln>
-        </p:spPr>
-      </p:pic>
-      <p:pic>
-        <p:nvPicPr>
-          <p:cNvPr id="436" name="Google Shape;436;p12"/>
-          <p:cNvPicPr preferRelativeResize="0"/>
-          <p:nvPr/>
-        </p:nvPicPr>
-        <p:blipFill rotWithShape="1">
-          <a:blip r:embed="rId28">
-            <a:alphaModFix/>
-          </a:blip>
-          <a:srcRect b="0" l="0" r="0" t="0"/>
-          <a:stretch/>
-        </p:blipFill>
-        <p:spPr>
-          <a:xfrm>
-            <a:off x="2029734" y="4112653"/>
-            <a:ext cx="482600" cy="482600"/>
-          </a:xfrm>
-          <a:prstGeom prst="rect">
-            <a:avLst/>
-          </a:prstGeom>
-          <a:noFill/>
-          <a:ln>
-            <a:noFill/>
-          </a:ln>
-        </p:spPr>
-      </p:pic>
-      <p:pic>
-        <p:nvPicPr>
-          <p:cNvPr id="437" name="Google Shape;437;p12"/>
-          <p:cNvPicPr preferRelativeResize="0"/>
-          <p:nvPr/>
-        </p:nvPicPr>
-        <p:blipFill rotWithShape="1">
-          <a:blip r:embed="rId29">
-            <a:alphaModFix/>
-          </a:blip>
-          <a:srcRect b="0" l="0" r="0" t="0"/>
-          <a:stretch/>
-        </p:blipFill>
-        <p:spPr>
-          <a:xfrm>
-            <a:off x="3223538" y="4112653"/>
-            <a:ext cx="482600" cy="482600"/>
-          </a:xfrm>
-          <a:prstGeom prst="rect">
-            <a:avLst/>
-          </a:prstGeom>
-          <a:noFill/>
-          <a:ln>
-            <a:noFill/>
-          </a:ln>
-        </p:spPr>
-      </p:pic>
-      <p:pic>
-        <p:nvPicPr>
-          <p:cNvPr id="438" name="Google Shape;438;p12"/>
-          <p:cNvPicPr preferRelativeResize="0"/>
-          <p:nvPr/>
-        </p:nvPicPr>
-        <p:blipFill rotWithShape="1">
-          <a:blip r:embed="rId30">
-            <a:alphaModFix/>
-          </a:blip>
-          <a:srcRect b="0" l="0" r="0" t="0"/>
-          <a:stretch/>
-        </p:blipFill>
-        <p:spPr>
-          <a:xfrm>
-            <a:off x="835930" y="4921825"/>
-            <a:ext cx="482600" cy="482600"/>
-          </a:xfrm>
-          <a:prstGeom prst="rect">
-            <a:avLst/>
-          </a:prstGeom>
-          <a:noFill/>
-          <a:ln>
-            <a:noFill/>
-          </a:ln>
-        </p:spPr>
-      </p:pic>
-      <p:pic>
-        <p:nvPicPr>
-          <p:cNvPr id="439" name="Google Shape;439;p12"/>
-          <p:cNvPicPr preferRelativeResize="0"/>
-          <p:nvPr/>
-        </p:nvPicPr>
-        <p:blipFill rotWithShape="1">
-          <a:blip r:embed="rId31">
-            <a:alphaModFix/>
-          </a:blip>
-          <a:srcRect b="0" l="0" r="0" t="0"/>
-          <a:stretch/>
-        </p:blipFill>
-        <p:spPr>
-          <a:xfrm>
-            <a:off x="1359323" y="4933885"/>
-            <a:ext cx="482600" cy="482600"/>
-          </a:xfrm>
-          <a:prstGeom prst="rect">
-            <a:avLst/>
-          </a:prstGeom>
-          <a:noFill/>
-          <a:ln>
-            <a:noFill/>
-          </a:ln>
-        </p:spPr>
-      </p:pic>
-      <p:pic>
-        <p:nvPicPr>
-          <p:cNvPr id="440" name="Google Shape;440;p12"/>
-          <p:cNvPicPr preferRelativeResize="0"/>
-          <p:nvPr/>
-        </p:nvPicPr>
-        <p:blipFill rotWithShape="1">
-          <a:blip r:embed="rId32">
-            <a:alphaModFix/>
-          </a:blip>
-          <a:srcRect b="0" l="0" r="0" t="0"/>
-          <a:stretch/>
-        </p:blipFill>
-        <p:spPr>
-          <a:xfrm>
-            <a:off x="2889700" y="4921825"/>
-            <a:ext cx="482600" cy="482600"/>
-          </a:xfrm>
-          <a:prstGeom prst="rect">
-            <a:avLst/>
-          </a:prstGeom>
-          <a:noFill/>
-          <a:ln>
-            <a:noFill/>
-          </a:ln>
-        </p:spPr>
-      </p:pic>
-      <p:pic>
-        <p:nvPicPr>
-          <p:cNvPr id="441" name="Google Shape;441;p12"/>
-          <p:cNvPicPr preferRelativeResize="0"/>
-          <p:nvPr/>
-        </p:nvPicPr>
-        <p:blipFill rotWithShape="1">
-          <a:blip r:embed="rId33">
-            <a:alphaModFix/>
-          </a:blip>
-          <a:srcRect b="0" l="0" r="0" t="0"/>
-          <a:stretch/>
-        </p:blipFill>
-        <p:spPr>
-          <a:xfrm>
-            <a:off x="2626636" y="4112653"/>
-            <a:ext cx="482600" cy="482600"/>
-          </a:xfrm>
-          <a:prstGeom prst="rect">
-            <a:avLst/>
-          </a:prstGeom>
-          <a:noFill/>
-          <a:ln>
-            <a:noFill/>
-          </a:ln>
-        </p:spPr>
-      </p:pic>
-      <p:pic>
-        <p:nvPicPr>
-          <p:cNvPr id="442" name="Google Shape;442;p12"/>
-          <p:cNvPicPr preferRelativeResize="0"/>
-          <p:nvPr/>
-        </p:nvPicPr>
-        <p:blipFill rotWithShape="1">
-          <a:blip r:embed="rId34">
-            <a:alphaModFix/>
-          </a:blip>
-          <a:srcRect b="0" l="0" r="0" t="0"/>
-          <a:stretch/>
-        </p:blipFill>
-        <p:spPr>
-          <a:xfrm>
-            <a:off x="1934035" y="1666093"/>
-            <a:ext cx="482600" cy="482600"/>
-          </a:xfrm>
-          <a:prstGeom prst="rect">
-            <a:avLst/>
-          </a:prstGeom>
-          <a:noFill/>
-          <a:ln>
-            <a:noFill/>
-          </a:ln>
-        </p:spPr>
-      </p:pic>
-      <p:pic>
-        <p:nvPicPr>
-          <p:cNvPr id="443" name="Google Shape;443;p12"/>
-          <p:cNvPicPr preferRelativeResize="0"/>
-          <p:nvPr/>
-        </p:nvPicPr>
-        <p:blipFill rotWithShape="1">
-          <a:blip r:embed="rId35">
-            <a:alphaModFix/>
-          </a:blip>
-          <a:srcRect b="0" l="0" r="0" t="0"/>
-          <a:stretch/>
-        </p:blipFill>
-        <p:spPr>
-          <a:xfrm>
-            <a:off x="1981198" y="3327072"/>
-            <a:ext cx="482600" cy="482600"/>
-          </a:xfrm>
-          <a:prstGeom prst="rect">
-            <a:avLst/>
-          </a:prstGeom>
-          <a:noFill/>
-          <a:ln>
-            <a:noFill/>
-          </a:ln>
-        </p:spPr>
-      </p:pic>
-      <p:pic>
-        <p:nvPicPr>
-          <p:cNvPr id="444" name="Google Shape;444;p12"/>
-          <p:cNvPicPr preferRelativeResize="0"/>
-          <p:nvPr/>
-        </p:nvPicPr>
-        <p:blipFill rotWithShape="1">
-          <a:blip r:embed="rId36">
-            <a:alphaModFix/>
-          </a:blip>
-          <a:srcRect b="0" l="0" r="0" t="0"/>
-          <a:stretch/>
-        </p:blipFill>
-        <p:spPr>
-          <a:xfrm>
-            <a:off x="1862815" y="4956296"/>
-            <a:ext cx="482600" cy="482600"/>
-          </a:xfrm>
-          <a:prstGeom prst="rect">
-            <a:avLst/>
-          </a:prstGeom>
-          <a:noFill/>
-          <a:ln>
-            <a:noFill/>
-          </a:ln>
-        </p:spPr>
-      </p:pic>
-      <p:pic>
-        <p:nvPicPr>
-          <p:cNvPr id="445" name="Google Shape;445;p12"/>
-          <p:cNvPicPr preferRelativeResize="0"/>
-          <p:nvPr/>
-        </p:nvPicPr>
-        <p:blipFill rotWithShape="1">
-          <a:blip r:embed="rId37">
-            <a:alphaModFix/>
-          </a:blip>
-          <a:srcRect b="0" l="0" r="0" t="0"/>
-          <a:stretch/>
-        </p:blipFill>
-        <p:spPr>
-          <a:xfrm>
-            <a:off x="1409699" y="3289877"/>
-            <a:ext cx="482600" cy="482600"/>
-          </a:xfrm>
-          <a:prstGeom prst="rect">
-            <a:avLst/>
-          </a:prstGeom>
-          <a:noFill/>
-          <a:ln>
-            <a:noFill/>
-          </a:ln>
-        </p:spPr>
-      </p:pic>
-      <p:pic>
-        <p:nvPicPr>
-          <p:cNvPr id="446" name="Google Shape;446;p12"/>
-          <p:cNvPicPr preferRelativeResize="0"/>
-          <p:nvPr/>
-        </p:nvPicPr>
-        <p:blipFill rotWithShape="1">
-          <a:blip r:embed="rId38">
-            <a:alphaModFix/>
-          </a:blip>
-          <a:srcRect b="0" l="0" r="0" t="0"/>
-          <a:stretch/>
-        </p:blipFill>
-        <p:spPr>
-          <a:xfrm>
-            <a:off x="1432832" y="4112653"/>
-            <a:ext cx="482600" cy="482600"/>
-          </a:xfrm>
-          <a:prstGeom prst="rect">
-            <a:avLst/>
-          </a:prstGeom>
-          <a:noFill/>
-          <a:ln>
-            <a:noFill/>
-          </a:ln>
-        </p:spPr>
-      </p:pic>
-      <p:pic>
-        <p:nvPicPr>
-          <p:cNvPr id="447" name="Google Shape;447;p12"/>
-          <p:cNvPicPr preferRelativeResize="0"/>
-          <p:nvPr/>
-        </p:nvPicPr>
-        <p:blipFill rotWithShape="1">
-          <a:blip r:embed="rId39">
-            <a:alphaModFix/>
-          </a:blip>
-          <a:srcRect b="0" l="0" r="0" t="0"/>
-          <a:stretch/>
-        </p:blipFill>
-        <p:spPr>
-          <a:xfrm>
-            <a:off x="2345415" y="4921825"/>
-            <a:ext cx="482600" cy="482600"/>
-          </a:xfrm>
-          <a:prstGeom prst="rect">
-            <a:avLst/>
-          </a:prstGeom>
-          <a:noFill/>
-          <a:ln>
-            <a:noFill/>
-          </a:ln>
-        </p:spPr>
-      </p:pic>
-      <p:pic>
-        <p:nvPicPr>
-          <p:cNvPr id="448" name="Google Shape;448;p12"/>
-          <p:cNvPicPr preferRelativeResize="0"/>
-          <p:nvPr/>
-        </p:nvPicPr>
-        <p:blipFill rotWithShape="1">
-          <a:blip r:embed="rId40">
-            <a:alphaModFix/>
-          </a:blip>
-          <a:srcRect b="0" l="0" r="0" t="0"/>
-          <a:stretch/>
-        </p:blipFill>
-        <p:spPr>
-          <a:xfrm>
-            <a:off x="835930" y="4112653"/>
-            <a:ext cx="482600" cy="482600"/>
-          </a:xfrm>
-          <a:prstGeom prst="rect">
-            <a:avLst/>
-          </a:prstGeom>
-          <a:noFill/>
-          <a:ln>
-            <a:noFill/>
-          </a:ln>
-        </p:spPr>
-      </p:pic>
-      <p:pic>
-        <p:nvPicPr>
-          <p:cNvPr id="449" name="Google Shape;449;p12"/>
-          <p:cNvPicPr preferRelativeResize="0"/>
-          <p:nvPr/>
-        </p:nvPicPr>
-        <p:blipFill rotWithShape="1">
-          <a:blip r:embed="rId41">
-            <a:alphaModFix/>
-          </a:blip>
-          <a:srcRect b="0" l="0" r="0" t="0"/>
-          <a:stretch/>
-        </p:blipFill>
-        <p:spPr>
-          <a:xfrm>
-            <a:off x="1409699" y="1663370"/>
-            <a:ext cx="482600" cy="482600"/>
-          </a:xfrm>
-          <a:prstGeom prst="rect">
-            <a:avLst/>
-          </a:prstGeom>
-          <a:noFill/>
-          <a:ln>
-            <a:noFill/>
-          </a:ln>
-        </p:spPr>
-      </p:pic>
-      <p:pic>
-        <p:nvPicPr>
-          <p:cNvPr id="450" name="Google Shape;450;p12"/>
-          <p:cNvPicPr preferRelativeResize="0"/>
-          <p:nvPr/>
-        </p:nvPicPr>
-        <p:blipFill rotWithShape="1">
-          <a:blip r:embed="rId42">
-            <a:alphaModFix/>
-          </a:blip>
-          <a:srcRect b="0" l="0" r="0" t="0"/>
-          <a:stretch/>
-        </p:blipFill>
-        <p:spPr>
-          <a:xfrm>
-            <a:off x="835930" y="3330366"/>
-            <a:ext cx="482600" cy="482600"/>
-          </a:xfrm>
-          <a:prstGeom prst="rect">
-            <a:avLst/>
-          </a:prstGeom>
-          <a:noFill/>
-          <a:ln>
-            <a:noFill/>
-          </a:ln>
-        </p:spPr>
-      </p:pic>
-      <p:pic>
-        <p:nvPicPr>
-          <p:cNvPr id="451" name="Google Shape;451;p12"/>
-          <p:cNvPicPr preferRelativeResize="0"/>
-          <p:nvPr/>
-        </p:nvPicPr>
-        <p:blipFill rotWithShape="1">
-          <a:blip r:embed="rId43">
-            <a:alphaModFix/>
-          </a:blip>
-          <a:srcRect b="0" l="0" r="0" t="0"/>
-          <a:stretch/>
-        </p:blipFill>
-        <p:spPr>
-          <a:xfrm>
-            <a:off x="838200" y="1663370"/>
-            <a:ext cx="482600" cy="482600"/>
+            <a:off x="11271055" y="5910977"/>
+            <a:ext cx="759486" cy="948449"/>
           </a:xfrm>
           <a:prstGeom prst="rect">
             <a:avLst/>
@@ -25634,16 +24886,92 @@
       </p:pic>
       <p:sp>
         <p:nvSpPr>
-          <p:cNvPr id="452" name="Google Shape;452;p12"/>
+          <p:cNvPr id="416" name="Google Shape;416;g31ce2079169_6_24"/>
           <p:cNvSpPr txBox="1"/>
           <p:nvPr>
-            <p:ph idx="4294967295" type="title"/>
+            <p:ph idx="1" type="body"/>
           </p:nvPr>
         </p:nvSpPr>
         <p:spPr>
           <a:xfrm>
-            <a:off x="838200" y="501962"/>
-            <a:ext cx="10515600" cy="1325563"/>
+            <a:off x="675149" y="6404700"/>
+            <a:ext cx="3923400" cy="268500"/>
+          </a:xfrm>
+          <a:prstGeom prst="rect">
+            <a:avLst/>
+          </a:prstGeom>
+          <a:noFill/>
+          <a:ln>
+            <a:noFill/>
+          </a:ln>
+        </p:spPr>
+        <p:txBody>
+          <a:bodyPr anchorCtr="0" anchor="t" bIns="45700" lIns="91425" spcFirstLastPara="1" rIns="91425" wrap="square" tIns="45700">
+            <a:normAutofit fontScale="55000" lnSpcReduction="20000"/>
+          </a:bodyPr>
+          <a:lstStyle/>
+          <a:p>
+            <a:pPr indent="0" lvl="0" marL="0" rtl="0" algn="l">
+              <a:lnSpc>
+                <a:spcPct val="90000"/>
+              </a:lnSpc>
+              <a:spcBef>
+                <a:spcPts val="0"/>
+              </a:spcBef>
+              <a:spcAft>
+                <a:spcPts val="0"/>
+              </a:spcAft>
+              <a:buClr>
+                <a:srgbClr val="12284B"/>
+              </a:buClr>
+              <a:buSzPct val="42857"/>
+              <a:buNone/>
+            </a:pPr>
+            <a:r>
+              <a:rPr lang="en-US"/>
+              <a:t>Shrusti Jain, Kevin Lu</a:t>
+            </a:r>
+            <a:endParaRPr/>
+          </a:p>
+        </p:txBody>
+      </p:sp>
+    </p:spTree>
+  </p:cSld>
+  <p:clrMapOvr>
+    <a:masterClrMapping/>
+  </p:clrMapOvr>
+</p:sld>
+</file>
+
+<file path=ppt/slides/slide29.xml><?xml version="1.0" encoding="utf-8"?>
+<p:sld xmlns:a="http://schemas.openxmlformats.org/drawingml/2006/main" xmlns:r="http://schemas.openxmlformats.org/officeDocument/2006/relationships" xmlns:mc="http://schemas.openxmlformats.org/markup-compatibility/2006" xmlns:mv="urn:schemas-microsoft-com:mac:vml" xmlns:p="http://schemas.openxmlformats.org/presentationml/2006/main" xmlns:c="http://schemas.openxmlformats.org/drawingml/2006/chart" xmlns:dgm="http://schemas.openxmlformats.org/drawingml/2006/diagram" xmlns:o="urn:schemas-microsoft-com:office:office" xmlns:v="urn:schemas-microsoft-com:vml" xmlns:pvml="urn:schemas-microsoft-com:office:powerpoint" xmlns:com="http://schemas.openxmlformats.org/drawingml/2006/compatibility" xmlns:p14="http://schemas.microsoft.com/office/powerpoint/2010/main" xmlns:p15="http://schemas.microsoft.com/office/powerpoint/2012/main" xmlns:ahyp="http://schemas.microsoft.com/office/drawing/2018/hyperlinkcolor">
+  <p:cSld>
+    <p:spTree>
+      <p:nvGrpSpPr>
+        <p:cNvPr id="421" name="Shape 421"/>
+        <p:cNvGrpSpPr/>
+        <p:nvPr/>
+      </p:nvGrpSpPr>
+      <p:grpSpPr>
+        <a:xfrm>
+          <a:off x="0" y="0"/>
+          <a:ext cx="0" cy="0"/>
+          <a:chOff x="0" y="0"/>
+          <a:chExt cx="0" cy="0"/>
+        </a:xfrm>
+      </p:grpSpPr>
+      <p:sp>
+        <p:nvSpPr>
+          <p:cNvPr id="422" name="Google Shape;422;g320dea10c1e_1_1"/>
+          <p:cNvSpPr txBox="1"/>
+          <p:nvPr>
+            <p:ph type="title"/>
+          </p:nvPr>
+        </p:nvSpPr>
+        <p:spPr>
+          <a:xfrm>
+            <a:off x="838200" y="2882169"/>
+            <a:ext cx="10515600" cy="599100"/>
           </a:xfrm>
           <a:prstGeom prst="rect">
             <a:avLst/>
@@ -25659,7 +24987,7 @@
           </a:bodyPr>
           <a:lstStyle/>
           <a:p>
-            <a:pPr indent="0" lvl="0" marL="0" rtl="0" algn="l">
+            <a:pPr indent="0" lvl="0" marL="0" rtl="0" algn="ctr">
               <a:lnSpc>
                 <a:spcPct val="90000"/>
               </a:lnSpc>
@@ -25672,14 +25000,58 @@
               <a:buClr>
                 <a:srgbClr val="FF5F03"/>
               </a:buClr>
-              <a:buSzPts val="4400"/>
-              <a:buFont typeface="Arial Black"/>
+              <a:buSzPts val="3600"/>
+              <a:buFont typeface="Georgia"/>
               <a:buNone/>
             </a:pPr>
             <a:r>
               <a:rPr lang="en-US"/>
-              <a:t>Icon Set</a:t>
+              <a:t>Thank you!</a:t>
             </a:r>
+            <a:endParaRPr/>
+          </a:p>
+        </p:txBody>
+      </p:sp>
+      <p:sp>
+        <p:nvSpPr>
+          <p:cNvPr id="423" name="Google Shape;423;g320dea10c1e_1_1"/>
+          <p:cNvSpPr txBox="1"/>
+          <p:nvPr>
+            <p:ph idx="12" type="sldNum"/>
+          </p:nvPr>
+        </p:nvSpPr>
+        <p:spPr>
+          <a:xfrm>
+            <a:off x="8610600" y="6356350"/>
+            <a:ext cx="2743200" cy="365100"/>
+          </a:xfrm>
+          <a:prstGeom prst="rect">
+            <a:avLst/>
+          </a:prstGeom>
+          <a:noFill/>
+          <a:ln>
+            <a:noFill/>
+          </a:ln>
+        </p:spPr>
+        <p:txBody>
+          <a:bodyPr anchorCtr="0" anchor="ctr" bIns="45700" lIns="91425" spcFirstLastPara="1" rIns="91425" wrap="square" tIns="45700">
+            <a:noAutofit/>
+          </a:bodyPr>
+          <a:lstStyle/>
+          <a:p>
+            <a:pPr indent="0" lvl="0" marL="0" rtl="0" algn="r">
+              <a:spcBef>
+                <a:spcPts val="0"/>
+              </a:spcBef>
+              <a:spcAft>
+                <a:spcPts val="0"/>
+              </a:spcAft>
+              <a:buNone/>
+            </a:pPr>
+            <a:fld id="{00000000-1234-1234-1234-123412341234}" type="slidenum">
+              <a:rPr lang="en-US"/>
+              <a:t>‹#›</a:t>
+            </a:fld>
             <a:endParaRPr/>
           </a:p>
         </p:txBody>
@@ -25697,7 +25069,7 @@
   <p:cSld>
     <p:spTree>
       <p:nvGrpSpPr>
-        <p:cNvPr id="148" name="Shape 148"/>
+        <p:cNvPr id="147" name="Shape 147"/>
         <p:cNvGrpSpPr/>
         <p:nvPr/>
       </p:nvGrpSpPr>
@@ -25711,7 +25083,7 @@
       </p:grpSpPr>
       <p:sp>
         <p:nvSpPr>
-          <p:cNvPr id="149" name="Google Shape;149;g31ce2079169_3_6"/>
+          <p:cNvPr id="148" name="Google Shape;148;g31ce2079169_3_6"/>
           <p:cNvSpPr txBox="1"/>
           <p:nvPr>
             <p:ph type="title"/>
@@ -25763,7 +25135,7 @@
       </p:sp>
       <p:sp>
         <p:nvSpPr>
-          <p:cNvPr id="150" name="Google Shape;150;g31ce2079169_3_6"/>
+          <p:cNvPr id="149" name="Google Shape;149;g31ce2079169_3_6"/>
           <p:cNvSpPr txBox="1"/>
           <p:nvPr>
             <p:ph idx="1" type="body"/>
@@ -25803,7 +25175,7 @@
             </a:pPr>
             <a:r>
               <a:rPr lang="en-US"/>
-              <a:t>Understand motivating features of crimes</a:t>
+              <a:t>Understand distinguishing features of different crimes</a:t>
             </a:r>
             <a:endParaRPr/>
           </a:p>
@@ -25823,7 +25195,7 @@
             </a:pPr>
             <a:r>
               <a:rPr lang="en-US"/>
-              <a:t>Feature importance as a proxy for distinguishing between crimes</a:t>
+              <a:t>Feature importance in predicting between crimes</a:t>
             </a:r>
             <a:endParaRPr/>
           </a:p>
@@ -25861,7 +25233,7 @@
             </a:pPr>
             <a:r>
               <a:rPr lang="en-US"/>
-              <a:t>Part 1 vs Part 2 (more important vs less important) crimes</a:t>
+              <a:t>Part 1 vs Part 2 (more serious vs less serious) crimes</a:t>
             </a:r>
             <a:endParaRPr/>
           </a:p>
@@ -25881,7 +25253,7 @@
             </a:pPr>
             <a:r>
               <a:rPr lang="en-US"/>
-              <a:t>Check stability of features over time</a:t>
+              <a:t>Train on subsets based on date</a:t>
             </a:r>
             <a:endParaRPr/>
           </a:p>
@@ -25889,7 +25261,7 @@
       </p:sp>
       <p:sp>
         <p:nvSpPr>
-          <p:cNvPr id="151" name="Google Shape;151;g31ce2079169_3_6"/>
+          <p:cNvPr id="150" name="Google Shape;150;g31ce2079169_3_6"/>
           <p:cNvSpPr txBox="1"/>
           <p:nvPr>
             <p:ph idx="12" type="sldNum"/>
@@ -25944,7 +25316,7 @@
       </p:sp>
       <p:pic>
         <p:nvPicPr>
-          <p:cNvPr descr="A orange and blue Block I logo on a white background." id="152" name="Google Shape;152;g31ce2079169_3_6"/>
+          <p:cNvPr descr="A orange and blue Block I logo on a white background." id="151" name="Google Shape;151;g31ce2079169_3_6"/>
           <p:cNvPicPr preferRelativeResize="0"/>
           <p:nvPr/>
         </p:nvPicPr>
@@ -25971,7 +25343,7 @@
       </p:pic>
       <p:sp>
         <p:nvSpPr>
-          <p:cNvPr id="153" name="Google Shape;153;g31ce2079169_3_6"/>
+          <p:cNvPr id="152" name="Google Shape;152;g31ce2079169_3_6"/>
           <p:cNvSpPr txBox="1"/>
           <p:nvPr>
             <p:ph idx="1" type="body"/>
@@ -25992,7 +25364,7 @@
         </p:spPr>
         <p:txBody>
           <a:bodyPr anchorCtr="0" anchor="t" bIns="45700" lIns="91425" spcFirstLastPara="1" rIns="91425" wrap="square" tIns="45700">
-            <a:normAutofit fontScale="47500" lnSpcReduction="10000"/>
+            <a:normAutofit fontScale="55000" lnSpcReduction="20000"/>
           </a:bodyPr>
           <a:lstStyle/>
           <a:p>
@@ -26014,7 +25386,7 @@
             </a:pPr>
             <a:r>
               <a:rPr lang="en-US"/>
-              <a:t>Shrusti Jain, Kevin Lu, Taobo Liao, Smeet Patel</a:t>
+              <a:t>Shrusti Jain, Smeet Patel</a:t>
             </a:r>
             <a:endParaRPr/>
           </a:p>
@@ -26033,7 +25405,7 @@
   <p:cSld>
     <p:spTree>
       <p:nvGrpSpPr>
-        <p:cNvPr id="158" name="Shape 158"/>
+        <p:cNvPr id="157" name="Shape 157"/>
         <p:cNvGrpSpPr/>
         <p:nvPr/>
       </p:nvGrpSpPr>
@@ -26047,7 +25419,7 @@
       </p:grpSpPr>
       <p:sp>
         <p:nvSpPr>
-          <p:cNvPr id="159" name="Google Shape;159;p9"/>
+          <p:cNvPr id="158" name="Google Shape;158;p9"/>
           <p:cNvSpPr txBox="1"/>
           <p:nvPr>
             <p:ph type="title"/>
@@ -26099,7 +25471,7 @@
       </p:sp>
       <p:sp>
         <p:nvSpPr>
-          <p:cNvPr id="160" name="Google Shape;160;p9"/>
+          <p:cNvPr id="159" name="Google Shape;159;p9"/>
           <p:cNvSpPr txBox="1"/>
           <p:nvPr>
             <p:ph idx="8" type="body"/>
@@ -26150,7 +25522,7 @@
       </p:sp>
       <p:sp>
         <p:nvSpPr>
-          <p:cNvPr id="161" name="Google Shape;161;p9"/>
+          <p:cNvPr id="160" name="Google Shape;160;p9"/>
           <p:cNvSpPr txBox="1"/>
           <p:nvPr>
             <p:ph idx="7" type="body"/>
@@ -26201,7 +25573,7 @@
       </p:sp>
       <p:sp>
         <p:nvSpPr>
-          <p:cNvPr id="162" name="Google Shape;162;p9"/>
+          <p:cNvPr id="161" name="Google Shape;161;p9"/>
           <p:cNvSpPr txBox="1"/>
           <p:nvPr>
             <p:ph idx="6" type="body"/>
@@ -26252,7 +25624,7 @@
       </p:sp>
       <p:sp>
         <p:nvSpPr>
-          <p:cNvPr id="163" name="Google Shape;163;p9"/>
+          <p:cNvPr id="162" name="Google Shape;162;p9"/>
           <p:cNvSpPr txBox="1"/>
           <p:nvPr>
             <p:ph idx="5" type="body"/>
@@ -26303,7 +25675,7 @@
       </p:sp>
       <p:sp>
         <p:nvSpPr>
-          <p:cNvPr id="164" name="Google Shape;164;p9"/>
+          <p:cNvPr id="163" name="Google Shape;163;p9"/>
           <p:cNvSpPr txBox="1"/>
           <p:nvPr>
             <p:ph idx="4" type="body"/>
@@ -26354,7 +25726,7 @@
       </p:sp>
       <p:sp>
         <p:nvSpPr>
-          <p:cNvPr id="165" name="Google Shape;165;p9"/>
+          <p:cNvPr id="164" name="Google Shape;164;p9"/>
           <p:cNvSpPr txBox="1"/>
           <p:nvPr>
             <p:ph idx="3" type="body"/>
@@ -26405,7 +25777,7 @@
       </p:sp>
       <p:sp>
         <p:nvSpPr>
-          <p:cNvPr id="166" name="Google Shape;166;p9"/>
+          <p:cNvPr id="165" name="Google Shape;165;p9"/>
           <p:cNvSpPr txBox="1"/>
           <p:nvPr>
             <p:ph idx="2" type="body"/>
@@ -26456,7 +25828,7 @@
       </p:sp>
       <p:sp>
         <p:nvSpPr>
-          <p:cNvPr id="167" name="Google Shape;167;p9"/>
+          <p:cNvPr id="166" name="Google Shape;166;p9"/>
           <p:cNvSpPr txBox="1"/>
           <p:nvPr>
             <p:ph idx="1" type="body"/>
@@ -26507,7 +25879,7 @@
       </p:sp>
       <p:sp>
         <p:nvSpPr>
-          <p:cNvPr id="168" name="Google Shape;168;p9"/>
+          <p:cNvPr id="167" name="Google Shape;167;p9"/>
           <p:cNvSpPr txBox="1"/>
           <p:nvPr>
             <p:ph idx="12" type="sldNum"/>
@@ -26551,7 +25923,7 @@
       </p:sp>
       <p:pic>
         <p:nvPicPr>
-          <p:cNvPr id="169" name="Google Shape;169;p9"/>
+          <p:cNvPr id="168" name="Google Shape;168;p9"/>
           <p:cNvPicPr preferRelativeResize="0"/>
           <p:nvPr/>
         </p:nvPicPr>
@@ -26578,7 +25950,7 @@
       </p:pic>
       <p:pic>
         <p:nvPicPr>
-          <p:cNvPr id="170" name="Google Shape;170;p9"/>
+          <p:cNvPr id="169" name="Google Shape;169;p9"/>
           <p:cNvPicPr preferRelativeResize="0"/>
           <p:nvPr/>
         </p:nvPicPr>
@@ -26605,7 +25977,7 @@
       </p:pic>
       <p:pic>
         <p:nvPicPr>
-          <p:cNvPr id="171" name="Google Shape;171;p9"/>
+          <p:cNvPr id="170" name="Google Shape;170;p9"/>
           <p:cNvPicPr preferRelativeResize="0"/>
           <p:nvPr/>
         </p:nvPicPr>
@@ -26632,7 +26004,7 @@
       </p:pic>
       <p:pic>
         <p:nvPicPr>
-          <p:cNvPr id="172" name="Google Shape;172;p9"/>
+          <p:cNvPr id="171" name="Google Shape;171;p9"/>
           <p:cNvPicPr preferRelativeResize="0"/>
           <p:nvPr/>
         </p:nvPicPr>
@@ -26659,7 +26031,7 @@
       </p:pic>
       <p:sp>
         <p:nvSpPr>
-          <p:cNvPr id="173" name="Google Shape;173;p9"/>
+          <p:cNvPr id="172" name="Google Shape;172;p9"/>
           <p:cNvSpPr txBox="1"/>
           <p:nvPr>
             <p:ph idx="1" type="body"/>
@@ -26721,7 +26093,7 @@
   <p:cSld>
     <p:spTree>
       <p:nvGrpSpPr>
-        <p:cNvPr id="178" name="Shape 178"/>
+        <p:cNvPr id="177" name="Shape 177"/>
         <p:cNvGrpSpPr/>
         <p:nvPr/>
       </p:nvGrpSpPr>
@@ -26735,7 +26107,7 @@
       </p:grpSpPr>
       <p:sp>
         <p:nvSpPr>
-          <p:cNvPr id="179" name="Google Shape;179;g31ce2079169_3_43"/>
+          <p:cNvPr id="178" name="Google Shape;178;g31ce2079169_3_43"/>
           <p:cNvSpPr txBox="1"/>
           <p:nvPr>
             <p:ph type="title"/>
@@ -26787,7 +26159,7 @@
       </p:sp>
       <p:sp>
         <p:nvSpPr>
-          <p:cNvPr id="180" name="Google Shape;180;g31ce2079169_3_43"/>
+          <p:cNvPr id="179" name="Google Shape;179;g31ce2079169_3_43"/>
           <p:cNvSpPr txBox="1"/>
           <p:nvPr>
             <p:ph idx="12" type="sldNum"/>
@@ -26826,57 +26198,6 @@
               <a:t>‹#›</a:t>
             </a:fld>
             <a:endParaRPr/>
-          </a:p>
-        </p:txBody>
-      </p:sp>
-      <p:sp>
-        <p:nvSpPr>
-          <p:cNvPr id="181" name="Google Shape;181;g31ce2079169_3_43"/>
-          <p:cNvSpPr txBox="1"/>
-          <p:nvPr>
-            <p:ph idx="1" type="body"/>
-          </p:nvPr>
-        </p:nvSpPr>
-        <p:spPr>
-          <a:xfrm>
-            <a:off x="52574" y="6165250"/>
-            <a:ext cx="3923400" cy="268500"/>
-          </a:xfrm>
-          <a:prstGeom prst="rect">
-            <a:avLst/>
-          </a:prstGeom>
-          <a:noFill/>
-          <a:ln>
-            <a:noFill/>
-          </a:ln>
-        </p:spPr>
-        <p:txBody>
-          <a:bodyPr anchorCtr="0" anchor="t" bIns="45700" lIns="91425" spcFirstLastPara="1" rIns="91425" wrap="square" tIns="45700">
-            <a:normAutofit fontScale="70000"/>
-          </a:bodyPr>
-          <a:lstStyle/>
-          <a:p>
-            <a:pPr indent="0" lvl="0" marL="0" rtl="0" algn="l">
-              <a:lnSpc>
-                <a:spcPct val="90000"/>
-              </a:lnSpc>
-              <a:spcBef>
-                <a:spcPts val="0"/>
-              </a:spcBef>
-              <a:spcAft>
-                <a:spcPts val="0"/>
-              </a:spcAft>
-              <a:buClr>
-                <a:srgbClr val="12284B"/>
-              </a:buClr>
-              <a:buSzPct val="66666"/>
-              <a:buNone/>
-            </a:pPr>
-            <a:r>
-              <a:rPr b="0" lang="en-US"/>
-              <a:t>Shrusti Jain, Kevin Lu, Taobo Liao, Smeet Patel</a:t>
-            </a:r>
-            <a:endParaRPr b="0"/>
           </a:p>
         </p:txBody>
       </p:sp>
@@ -26893,7 +26214,7 @@
   <p:cSld>
     <p:spTree>
       <p:nvGrpSpPr>
-        <p:cNvPr id="186" name="Shape 186"/>
+        <p:cNvPr id="184" name="Shape 184"/>
         <p:cNvGrpSpPr/>
         <p:nvPr/>
       </p:nvGrpSpPr>
@@ -26907,7 +26228,7 @@
       </p:grpSpPr>
       <p:sp>
         <p:nvSpPr>
-          <p:cNvPr id="187" name="Google Shape;187;p4"/>
+          <p:cNvPr id="185" name="Google Shape;185;p4"/>
           <p:cNvSpPr txBox="1"/>
           <p:nvPr>
             <p:ph type="title"/>
@@ -26959,7 +26280,7 @@
       </p:sp>
       <p:sp>
         <p:nvSpPr>
-          <p:cNvPr id="188" name="Google Shape;188;p4"/>
+          <p:cNvPr id="186" name="Google Shape;186;p4"/>
           <p:cNvSpPr txBox="1"/>
           <p:nvPr>
             <p:ph idx="12" type="sldNum"/>
@@ -27003,7 +26324,7 @@
       </p:sp>
       <p:pic>
         <p:nvPicPr>
-          <p:cNvPr id="189" name="Google Shape;189;p4"/>
+          <p:cNvPr id="187" name="Google Shape;187;p4"/>
           <p:cNvPicPr preferRelativeResize="0"/>
           <p:nvPr/>
         </p:nvPicPr>
@@ -27030,7 +26351,7 @@
       </p:pic>
       <p:pic>
         <p:nvPicPr>
-          <p:cNvPr id="190" name="Google Shape;190;p4"/>
+          <p:cNvPr id="188" name="Google Shape;188;p4"/>
           <p:cNvPicPr preferRelativeResize="0"/>
           <p:nvPr/>
         </p:nvPicPr>
@@ -27057,7 +26378,7 @@
       </p:pic>
       <p:sp>
         <p:nvSpPr>
-          <p:cNvPr id="191" name="Google Shape;191;p4"/>
+          <p:cNvPr id="189" name="Google Shape;189;p4"/>
           <p:cNvSpPr txBox="1"/>
           <p:nvPr>
             <p:ph idx="1" type="body"/>
@@ -27078,7 +26399,7 @@
         </p:spPr>
         <p:txBody>
           <a:bodyPr anchorCtr="0" anchor="t" bIns="45700" lIns="91425" spcFirstLastPara="1" rIns="91425" wrap="square" tIns="45700">
-            <a:normAutofit fontScale="47500" lnSpcReduction="10000"/>
+            <a:normAutofit fontScale="55000" lnSpcReduction="20000"/>
           </a:bodyPr>
           <a:lstStyle/>
           <a:p>
@@ -27100,7 +26421,7 @@
             </a:pPr>
             <a:r>
               <a:rPr lang="en-US"/>
-              <a:t>Shrusti Jain, Kevin Lu, Taobo Liao, Smeet Patel</a:t>
+              <a:t>Shrusti Jain, Smeet Patel, Kevin Lu</a:t>
             </a:r>
             <a:endParaRPr/>
           </a:p>
@@ -27119,7 +26440,7 @@
   <p:cSld>
     <p:spTree>
       <p:nvGrpSpPr>
-        <p:cNvPr id="196" name="Shape 196"/>
+        <p:cNvPr id="194" name="Shape 194"/>
         <p:cNvGrpSpPr/>
         <p:nvPr/>
       </p:nvGrpSpPr>
@@ -27133,7 +26454,7 @@
       </p:grpSpPr>
       <p:sp>
         <p:nvSpPr>
-          <p:cNvPr id="197" name="Google Shape;197;p3"/>
+          <p:cNvPr id="195" name="Google Shape;195;p3"/>
           <p:cNvSpPr txBox="1"/>
           <p:nvPr>
             <p:ph type="title"/>
@@ -27185,7 +26506,7 @@
       </p:sp>
       <p:sp>
         <p:nvSpPr>
-          <p:cNvPr id="198" name="Google Shape;198;p3"/>
+          <p:cNvPr id="196" name="Google Shape;196;p3"/>
           <p:cNvSpPr txBox="1"/>
           <p:nvPr>
             <p:ph idx="5" type="body"/>
@@ -27603,7 +26924,7 @@
       </p:sp>
       <p:sp>
         <p:nvSpPr>
-          <p:cNvPr id="199" name="Google Shape;199;p3"/>
+          <p:cNvPr id="197" name="Google Shape;197;p3"/>
           <p:cNvSpPr txBox="1"/>
           <p:nvPr>
             <p:ph idx="12" type="sldNum"/>
@@ -27647,7 +26968,7 @@
       </p:sp>
       <p:sp>
         <p:nvSpPr>
-          <p:cNvPr id="200" name="Google Shape;200;p3"/>
+          <p:cNvPr id="198" name="Google Shape;198;p3"/>
           <p:cNvSpPr txBox="1"/>
           <p:nvPr/>
         </p:nvSpPr>
@@ -27770,7 +27091,7 @@
       </p:sp>
       <p:sp>
         <p:nvSpPr>
-          <p:cNvPr id="201" name="Google Shape;201;p3"/>
+          <p:cNvPr id="199" name="Google Shape;199;p3"/>
           <p:cNvSpPr txBox="1"/>
           <p:nvPr>
             <p:ph idx="1" type="body"/>
@@ -27832,7 +27153,7 @@
   <p:cSld>
     <p:spTree>
       <p:nvGrpSpPr>
-        <p:cNvPr id="206" name="Shape 206"/>
+        <p:cNvPr id="204" name="Shape 204"/>
         <p:cNvGrpSpPr/>
         <p:nvPr/>
       </p:nvGrpSpPr>
@@ -27846,7 +27167,7 @@
       </p:grpSpPr>
       <p:sp>
         <p:nvSpPr>
-          <p:cNvPr id="207" name="Google Shape;207;g31ce2079169_3_27"/>
+          <p:cNvPr id="205" name="Google Shape;205;g31ce2079169_3_27"/>
           <p:cNvSpPr txBox="1"/>
           <p:nvPr>
             <p:ph type="title"/>
@@ -27898,7 +27219,7 @@
       </p:sp>
       <p:sp>
         <p:nvSpPr>
-          <p:cNvPr id="208" name="Google Shape;208;g31ce2079169_3_27"/>
+          <p:cNvPr id="206" name="Google Shape;206;g31ce2079169_3_27"/>
           <p:cNvSpPr txBox="1"/>
           <p:nvPr>
             <p:ph idx="1" type="body"/>
@@ -27958,7 +27279,7 @@
             </a:pPr>
             <a:r>
               <a:rPr lang="en-US"/>
-              <a:t>When there was no human victim, victim age would be 0</a:t>
+              <a:t>When there was no human victim, victim age would be 0 equivalent to null</a:t>
             </a:r>
             <a:endParaRPr/>
           </a:p>
@@ -28018,27 +27339,7 @@
             </a:pPr>
             <a:r>
               <a:rPr lang="en-US"/>
-              <a:t>Null values should be one hot encoded</a:t>
-            </a:r>
-            <a:endParaRPr/>
-          </a:p>
-          <a:p>
-            <a:pPr indent="-342900" lvl="0" marL="457200" rtl="0" algn="l">
-              <a:lnSpc>
-                <a:spcPct val="200000"/>
-              </a:lnSpc>
-              <a:spcBef>
-                <a:spcPts val="0"/>
-              </a:spcBef>
-              <a:spcAft>
-                <a:spcPts val="0"/>
-              </a:spcAft>
-              <a:buSzPts val="1800"/>
-              <a:buChar char="•"/>
-            </a:pPr>
-            <a:r>
-              <a:rPr lang="en-US"/>
-              <a:t>Special handling for values of 0</a:t>
+              <a:t>Null values were not removed but encoded specially</a:t>
             </a:r>
             <a:endParaRPr/>
           </a:p>
@@ -28046,7 +27347,7 @@
       </p:sp>
       <p:sp>
         <p:nvSpPr>
-          <p:cNvPr id="209" name="Google Shape;209;g31ce2079169_3_27"/>
+          <p:cNvPr id="207" name="Google Shape;207;g31ce2079169_3_27"/>
           <p:cNvSpPr txBox="1"/>
           <p:nvPr>
             <p:ph idx="12" type="sldNum"/>
@@ -28104,7 +27405,7 @@
       </p:sp>
       <p:pic>
         <p:nvPicPr>
-          <p:cNvPr descr="A orange and blue Block I logo on a white background." id="210" name="Google Shape;210;g31ce2079169_3_27"/>
+          <p:cNvPr descr="A orange and blue Block I logo on a white background." id="208" name="Google Shape;208;g31ce2079169_3_27"/>
           <p:cNvPicPr preferRelativeResize="0"/>
           <p:nvPr/>
         </p:nvPicPr>
@@ -28131,7 +27432,7 @@
       </p:pic>
       <p:sp>
         <p:nvSpPr>
-          <p:cNvPr id="211" name="Google Shape;211;g31ce2079169_3_27"/>
+          <p:cNvPr id="209" name="Google Shape;209;g31ce2079169_3_27"/>
           <p:cNvSpPr txBox="1"/>
           <p:nvPr>
             <p:ph idx="1" type="body"/>
@@ -28152,7 +27453,7 @@
         </p:spPr>
         <p:txBody>
           <a:bodyPr anchorCtr="0" anchor="t" bIns="45700" lIns="91425" spcFirstLastPara="1" rIns="91425" wrap="square" tIns="45700">
-            <a:normAutofit fontScale="47500" lnSpcReduction="10000"/>
+            <a:normAutofit fontScale="55000" lnSpcReduction="20000"/>
           </a:bodyPr>
           <a:lstStyle/>
           <a:p>
@@ -28174,7 +27475,7 @@
             </a:pPr>
             <a:r>
               <a:rPr lang="en-US"/>
-              <a:t>Shrusti Jain, Kevin Lu, Taobo Liao, Smeet Patel</a:t>
+              <a:t>Kevin Lu, Taobo Liao, Smeet Patel</a:t>
             </a:r>
             <a:endParaRPr/>
           </a:p>
@@ -28193,7 +27494,7 @@
   <p:cSld>
     <p:spTree>
       <p:nvGrpSpPr>
-        <p:cNvPr id="216" name="Shape 216"/>
+        <p:cNvPr id="214" name="Shape 214"/>
         <p:cNvGrpSpPr/>
         <p:nvPr/>
       </p:nvGrpSpPr>
@@ -28207,7 +27508,7 @@
       </p:grpSpPr>
       <p:sp>
         <p:nvSpPr>
-          <p:cNvPr id="217" name="Google Shape;217;g31ce2079169_3_65"/>
+          <p:cNvPr id="215" name="Google Shape;215;g31ce2079169_3_65"/>
           <p:cNvSpPr txBox="1"/>
           <p:nvPr>
             <p:ph type="title"/>
@@ -28259,7 +27560,7 @@
       </p:sp>
       <p:sp>
         <p:nvSpPr>
-          <p:cNvPr id="218" name="Google Shape;218;g31ce2079169_3_65"/>
+          <p:cNvPr id="216" name="Google Shape;216;g31ce2079169_3_65"/>
           <p:cNvSpPr txBox="1"/>
           <p:nvPr>
             <p:ph idx="1" type="body"/>
@@ -28299,12 +27600,12 @@
             </a:pPr>
             <a:r>
               <a:rPr lang="en-US"/>
-              <a:t>Features chosen were based on available information before a crime</a:t>
+              <a:t>Input features described the situation or environment, output features described the crime</a:t>
             </a:r>
             <a:endParaRPr/>
           </a:p>
           <a:p>
-            <a:pPr indent="0" lvl="0" marL="0" rtl="0" algn="l">
+            <a:pPr indent="0" lvl="0" marL="457200" rtl="0" algn="l">
               <a:lnSpc>
                 <a:spcPct val="100000"/>
               </a:lnSpc>
@@ -28395,7 +27696,7 @@
             </a:pPr>
             <a:r>
               <a:rPr lang="en-US"/>
-              <a:t>Codes with no numerical relationship were one-hot encoded</a:t>
+              <a:t>Numerical codes with no numerical relationship were one-hot encoded</a:t>
             </a:r>
             <a:endParaRPr/>
           </a:p>
@@ -28461,7 +27762,7 @@
       </p:sp>
       <p:sp>
         <p:nvSpPr>
-          <p:cNvPr id="219" name="Google Shape;219;g31ce2079169_3_65"/>
+          <p:cNvPr id="217" name="Google Shape;217;g31ce2079169_3_65"/>
           <p:cNvSpPr txBox="1"/>
           <p:nvPr>
             <p:ph idx="12" type="sldNum"/>
@@ -28519,7 +27820,7 @@
       </p:sp>
       <p:pic>
         <p:nvPicPr>
-          <p:cNvPr descr="A orange and blue Block I logo on a white background." id="220" name="Google Shape;220;g31ce2079169_3_65"/>
+          <p:cNvPr descr="A orange and blue Block I logo on a white background." id="218" name="Google Shape;218;g31ce2079169_3_65"/>
           <p:cNvPicPr preferRelativeResize="0"/>
           <p:nvPr/>
         </p:nvPicPr>
@@ -28546,7 +27847,7 @@
       </p:pic>
       <p:sp>
         <p:nvSpPr>
-          <p:cNvPr id="221" name="Google Shape;221;g31ce2079169_3_65"/>
+          <p:cNvPr id="219" name="Google Shape;219;g31ce2079169_3_65"/>
           <p:cNvSpPr txBox="1"/>
           <p:nvPr>
             <p:ph idx="1" type="body"/>
@@ -28567,7 +27868,7 @@
         </p:spPr>
         <p:txBody>
           <a:bodyPr anchorCtr="0" anchor="t" bIns="45700" lIns="91425" spcFirstLastPara="1" rIns="91425" wrap="square" tIns="45700">
-            <a:normAutofit fontScale="47500" lnSpcReduction="10000"/>
+            <a:normAutofit fontScale="55000" lnSpcReduction="20000"/>
           </a:bodyPr>
           <a:lstStyle/>
           <a:p>
@@ -28589,7 +27890,7 @@
             </a:pPr>
             <a:r>
               <a:rPr lang="en-US"/>
-              <a:t>Shrusti Jain, Kevin Lu, Taobo Liao, Smeet Patel</a:t>
+              <a:t>Kevin Lu, Smeet Patel</a:t>
             </a:r>
             <a:endParaRPr/>
           </a:p>
@@ -28604,6 +27905,285 @@
 </file>
 
 <file path=ppt/theme/theme1.xml><?xml version="1.0" encoding="utf-8"?>
+<a:theme xmlns:a="http://schemas.openxmlformats.org/drawingml/2006/main" xmlns:r="http://schemas.openxmlformats.org/officeDocument/2006/relationships" name="StratCom ppt">
+  <a:themeElements>
+    <a:clrScheme name="Illini Theme">
+      <a:dk1>
+        <a:srgbClr val="13294B"/>
+      </a:dk1>
+      <a:lt1>
+        <a:srgbClr val="FEFFFF"/>
+      </a:lt1>
+      <a:dk2>
+        <a:srgbClr val="F55F06"/>
+      </a:dk2>
+      <a:lt2>
+        <a:srgbClr val="C8C6C7"/>
+      </a:lt2>
+      <a:accent1>
+        <a:srgbClr val="2870CD"/>
+      </a:accent1>
+      <a:accent2>
+        <a:srgbClr val="3CB3E4"/>
+      </a:accent2>
+      <a:accent3>
+        <a:srgbClr val="F8B316"/>
+      </a:accent3>
+      <a:accent4>
+        <a:srgbClr val="196130"/>
+      </a:accent4>
+      <a:accent5>
+        <a:srgbClr val="267E8D"/>
+      </a:accent5>
+      <a:accent6>
+        <a:srgbClr val="7C3D13"/>
+      </a:accent6>
+      <a:hlink>
+        <a:srgbClr val="C84013"/>
+      </a:hlink>
+      <a:folHlink>
+        <a:srgbClr val="13294B"/>
+      </a:folHlink>
+    </a:clrScheme>
+    <a:fontScheme name="Office">
+      <a:majorFont>
+        <a:latin typeface="Arial"/>
+        <a:ea typeface=""/>
+        <a:cs typeface=""/>
+        <a:font script="Jpan" typeface="ＭＳ Ｐゴシック"/>
+        <a:font script="Hang" typeface="맑은 고딕"/>
+        <a:font script="Hans" typeface="宋体"/>
+        <a:font script="Hant" typeface="新細明體"/>
+        <a:font script="Arab" typeface="Times New Roman"/>
+        <a:font script="Hebr" typeface="Times New Roman"/>
+        <a:font script="Thai" typeface="Angsana New"/>
+        <a:font script="Ethi" typeface="Nyala"/>
+        <a:font script="Beng" typeface="Vrinda"/>
+        <a:font script="Gujr" typeface="Shruti"/>
+        <a:font script="Khmr" typeface="MoolBoran"/>
+        <a:font script="Knda" typeface="Tunga"/>
+        <a:font script="Guru" typeface="Raavi"/>
+        <a:font script="Cans" typeface="Euphemia"/>
+        <a:font script="Cher" typeface="Plantagenet Cherokee"/>
+        <a:font script="Yiii" typeface="Microsoft Yi Baiti"/>
+        <a:font script="Tibt" typeface="Microsoft Himalaya"/>
+        <a:font script="Thaa" typeface="MV Boli"/>
+        <a:font script="Deva" typeface="Mangal"/>
+        <a:font script="Telu" typeface="Gautami"/>
+        <a:font script="Taml" typeface="Latha"/>
+        <a:font script="Syrc" typeface="Estrangelo Edessa"/>
+        <a:font script="Orya" typeface="Kalinga"/>
+        <a:font script="Mlym" typeface="Kartika"/>
+        <a:font script="Laoo" typeface="DokChampa"/>
+        <a:font script="Sinh" typeface="Iskoola Pota"/>
+        <a:font script="Mong" typeface="Mongolian Baiti"/>
+        <a:font script="Viet" typeface="Times New Roman"/>
+        <a:font script="Uigh" typeface="Microsoft Uighur"/>
+        <a:font script="Geor" typeface="Sylfaen"/>
+      </a:majorFont>
+      <a:minorFont>
+        <a:latin typeface="Arial"/>
+        <a:ea typeface=""/>
+        <a:cs typeface=""/>
+        <a:font script="Jpan" typeface="ＭＳ Ｐゴシック"/>
+        <a:font script="Hang" typeface="맑은 고딕"/>
+        <a:font script="Hans" typeface="宋体"/>
+        <a:font script="Hant" typeface="新細明體"/>
+        <a:font script="Arab" typeface="Arial"/>
+        <a:font script="Hebr" typeface="Arial"/>
+        <a:font script="Thai" typeface="Cordia New"/>
+        <a:font script="Ethi" typeface="Nyala"/>
+        <a:font script="Beng" typeface="Vrinda"/>
+        <a:font script="Gujr" typeface="Shruti"/>
+        <a:font script="Khmr" typeface="DaunPenh"/>
+        <a:font script="Knda" typeface="Tunga"/>
+        <a:font script="Guru" typeface="Raavi"/>
+        <a:font script="Cans" typeface="Euphemia"/>
+        <a:font script="Cher" typeface="Plantagenet Cherokee"/>
+        <a:font script="Yiii" typeface="Microsoft Yi Baiti"/>
+        <a:font script="Tibt" typeface="Microsoft Himalaya"/>
+        <a:font script="Thaa" typeface="MV Boli"/>
+        <a:font script="Deva" typeface="Mangal"/>
+        <a:font script="Telu" typeface="Gautami"/>
+        <a:font script="Taml" typeface="Latha"/>
+        <a:font script="Syrc" typeface="Estrangelo Edessa"/>
+        <a:font script="Orya" typeface="Kalinga"/>
+        <a:font script="Mlym" typeface="Kartika"/>
+        <a:font script="Laoo" typeface="DokChampa"/>
+        <a:font script="Sinh" typeface="Iskoola Pota"/>
+        <a:font script="Mong" typeface="Mongolian Baiti"/>
+        <a:font script="Viet" typeface="Arial"/>
+        <a:font script="Uigh" typeface="Microsoft Uighur"/>
+        <a:font script="Geor" typeface="Sylfaen"/>
+      </a:minorFont>
+    </a:fontScheme>
+    <a:fmtScheme name="Office">
+      <a:fillStyleLst>
+        <a:solidFill>
+          <a:schemeClr val="phClr"/>
+        </a:solidFill>
+        <a:gradFill rotWithShape="1">
+          <a:gsLst>
+            <a:gs pos="0">
+              <a:schemeClr val="phClr">
+                <a:tint val="50000"/>
+                <a:satMod val="300000"/>
+              </a:schemeClr>
+            </a:gs>
+            <a:gs pos="35000">
+              <a:schemeClr val="phClr">
+                <a:tint val="37000"/>
+                <a:satMod val="300000"/>
+              </a:schemeClr>
+            </a:gs>
+            <a:gs pos="100000">
+              <a:schemeClr val="phClr">
+                <a:tint val="15000"/>
+                <a:satMod val="350000"/>
+              </a:schemeClr>
+            </a:gs>
+          </a:gsLst>
+          <a:lin ang="16200000" scaled="1"/>
+        </a:gradFill>
+        <a:gradFill rotWithShape="1">
+          <a:gsLst>
+            <a:gs pos="0">
+              <a:schemeClr val="phClr">
+                <a:tint val="100000"/>
+                <a:shade val="100000"/>
+                <a:satMod val="130000"/>
+              </a:schemeClr>
+            </a:gs>
+            <a:gs pos="100000">
+              <a:schemeClr val="phClr">
+                <a:tint val="50000"/>
+                <a:shade val="100000"/>
+                <a:satMod val="350000"/>
+              </a:schemeClr>
+            </a:gs>
+          </a:gsLst>
+          <a:lin ang="16200000" scaled="0"/>
+        </a:gradFill>
+      </a:fillStyleLst>
+      <a:lnStyleLst>
+        <a:ln w="9525" cap="flat" cmpd="sng" algn="ctr">
+          <a:solidFill>
+            <a:schemeClr val="phClr">
+              <a:shade val="95000"/>
+              <a:satMod val="105000"/>
+            </a:schemeClr>
+          </a:solidFill>
+          <a:prstDash val="solid"/>
+        </a:ln>
+        <a:ln w="25400" cap="flat" cmpd="sng" algn="ctr">
+          <a:solidFill>
+            <a:schemeClr val="phClr"/>
+          </a:solidFill>
+          <a:prstDash val="solid"/>
+        </a:ln>
+        <a:ln w="38100" cap="flat" cmpd="sng" algn="ctr">
+          <a:solidFill>
+            <a:schemeClr val="phClr"/>
+          </a:solidFill>
+          <a:prstDash val="solid"/>
+        </a:ln>
+      </a:lnStyleLst>
+      <a:effectStyleLst>
+        <a:effectStyle>
+          <a:effectLst>
+            <a:outerShdw blurRad="40000" dist="20000" dir="5400000" rotWithShape="0">
+              <a:srgbClr val="000000">
+                <a:alpha val="38000"/>
+              </a:srgbClr>
+            </a:outerShdw>
+          </a:effectLst>
+        </a:effectStyle>
+        <a:effectStyle>
+          <a:effectLst>
+            <a:outerShdw blurRad="40000" dist="23000" dir="5400000" rotWithShape="0">
+              <a:srgbClr val="000000">
+                <a:alpha val="35000"/>
+              </a:srgbClr>
+            </a:outerShdw>
+          </a:effectLst>
+        </a:effectStyle>
+        <a:effectStyle>
+          <a:effectLst>
+            <a:outerShdw blurRad="40000" dist="23000" dir="5400000" rotWithShape="0">
+              <a:srgbClr val="000000">
+                <a:alpha val="35000"/>
+              </a:srgbClr>
+            </a:outerShdw>
+          </a:effectLst>
+          <a:scene3d>
+            <a:camera prst="orthographicFront">
+              <a:rot lat="0" lon="0" rev="0"/>
+            </a:camera>
+            <a:lightRig rig="threePt" dir="t">
+              <a:rot lat="0" lon="0" rev="1200000"/>
+            </a:lightRig>
+          </a:scene3d>
+          <a:sp3d>
+            <a:bevelT w="63500" h="25400"/>
+          </a:sp3d>
+        </a:effectStyle>
+      </a:effectStyleLst>
+      <a:bgFillStyleLst>
+        <a:solidFill>
+          <a:schemeClr val="phClr"/>
+        </a:solidFill>
+        <a:gradFill rotWithShape="1">
+          <a:gsLst>
+            <a:gs pos="0">
+              <a:schemeClr val="phClr">
+                <a:tint val="40000"/>
+                <a:satMod val="350000"/>
+              </a:schemeClr>
+            </a:gs>
+            <a:gs pos="40000">
+              <a:schemeClr val="phClr">
+                <a:tint val="45000"/>
+                <a:shade val="99000"/>
+                <a:satMod val="350000"/>
+              </a:schemeClr>
+            </a:gs>
+            <a:gs pos="100000">
+              <a:schemeClr val="phClr">
+                <a:shade val="20000"/>
+                <a:satMod val="255000"/>
+              </a:schemeClr>
+            </a:gs>
+          </a:gsLst>
+          <a:path path="circle">
+            <a:fillToRect l="50000" t="-80000" r="50000" b="180000"/>
+          </a:path>
+        </a:gradFill>
+        <a:gradFill rotWithShape="1">
+          <a:gsLst>
+            <a:gs pos="0">
+              <a:schemeClr val="phClr">
+                <a:tint val="80000"/>
+                <a:satMod val="300000"/>
+              </a:schemeClr>
+            </a:gs>
+            <a:gs pos="100000">
+              <a:schemeClr val="phClr">
+                <a:shade val="30000"/>
+                <a:satMod val="200000"/>
+              </a:schemeClr>
+            </a:gs>
+          </a:gsLst>
+          <a:path path="circle">
+            <a:fillToRect l="50000" t="50000" r="50000" b="50000"/>
+          </a:path>
+        </a:gradFill>
+      </a:bgFillStyleLst>
+    </a:fmtScheme>
+  </a:themeElements>
+</a:theme>
+</file>
+
+<file path=ppt/theme/theme2.xml><?xml version="1.0" encoding="utf-8"?>
 <a:theme xmlns:a="http://schemas.openxmlformats.org/drawingml/2006/main" xmlns:r="http://schemas.openxmlformats.org/officeDocument/2006/relationships" name="Office Theme">
   <a:themeElements>
     <a:clrScheme name="Office">
@@ -28880,283 +28460,4 @@
     </a:fmtScheme>
   </a:themeElements>
 </a:theme>
-</file>
-
-<file path=ppt/theme/theme2.xml><?xml version="1.0" encoding="utf-8"?>
-<a:theme xmlns:a="http://schemas.openxmlformats.org/drawingml/2006/main" xmlns:r="http://schemas.openxmlformats.org/officeDocument/2006/relationships" name="StratCom ppt">
-  <a:themeElements>
-    <a:clrScheme name="Illini Theme">
-      <a:dk1>
-        <a:srgbClr val="13294B"/>
-      </a:dk1>
-      <a:lt1>
-        <a:srgbClr val="FEFFFF"/>
-      </a:lt1>
-      <a:dk2>
-        <a:srgbClr val="F55F06"/>
-      </a:dk2>
-      <a:lt2>
-        <a:srgbClr val="C8C6C7"/>
-      </a:lt2>
-      <a:accent1>
-        <a:srgbClr val="2870CD"/>
-      </a:accent1>
-      <a:accent2>
-        <a:srgbClr val="3CB3E4"/>
-      </a:accent2>
-      <a:accent3>
-        <a:srgbClr val="F8B316"/>
-      </a:accent3>
-      <a:accent4>
-        <a:srgbClr val="196130"/>
-      </a:accent4>
-      <a:accent5>
-        <a:srgbClr val="267E8D"/>
-      </a:accent5>
-      <a:accent6>
-        <a:srgbClr val="7C3D13"/>
-      </a:accent6>
-      <a:hlink>
-        <a:srgbClr val="C84013"/>
-      </a:hlink>
-      <a:folHlink>
-        <a:srgbClr val="13294B"/>
-      </a:folHlink>
-    </a:clrScheme>
-    <a:fontScheme name="Office">
-      <a:majorFont>
-        <a:latin typeface="Arial"/>
-        <a:ea typeface=""/>
-        <a:cs typeface=""/>
-        <a:font script="Jpan" typeface="ＭＳ Ｐゴシック"/>
-        <a:font script="Hang" typeface="맑은 고딕"/>
-        <a:font script="Hans" typeface="宋体"/>
-        <a:font script="Hant" typeface="新細明體"/>
-        <a:font script="Arab" typeface="Times New Roman"/>
-        <a:font script="Hebr" typeface="Times New Roman"/>
-        <a:font script="Thai" typeface="Angsana New"/>
-        <a:font script="Ethi" typeface="Nyala"/>
-        <a:font script="Beng" typeface="Vrinda"/>
-        <a:font script="Gujr" typeface="Shruti"/>
-        <a:font script="Khmr" typeface="MoolBoran"/>
-        <a:font script="Knda" typeface="Tunga"/>
-        <a:font script="Guru" typeface="Raavi"/>
-        <a:font script="Cans" typeface="Euphemia"/>
-        <a:font script="Cher" typeface="Plantagenet Cherokee"/>
-        <a:font script="Yiii" typeface="Microsoft Yi Baiti"/>
-        <a:font script="Tibt" typeface="Microsoft Himalaya"/>
-        <a:font script="Thaa" typeface="MV Boli"/>
-        <a:font script="Deva" typeface="Mangal"/>
-        <a:font script="Telu" typeface="Gautami"/>
-        <a:font script="Taml" typeface="Latha"/>
-        <a:font script="Syrc" typeface="Estrangelo Edessa"/>
-        <a:font script="Orya" typeface="Kalinga"/>
-        <a:font script="Mlym" typeface="Kartika"/>
-        <a:font script="Laoo" typeface="DokChampa"/>
-        <a:font script="Sinh" typeface="Iskoola Pota"/>
-        <a:font script="Mong" typeface="Mongolian Baiti"/>
-        <a:font script="Viet" typeface="Times New Roman"/>
-        <a:font script="Uigh" typeface="Microsoft Uighur"/>
-        <a:font script="Geor" typeface="Sylfaen"/>
-      </a:majorFont>
-      <a:minorFont>
-        <a:latin typeface="Arial"/>
-        <a:ea typeface=""/>
-        <a:cs typeface=""/>
-        <a:font script="Jpan" typeface="ＭＳ Ｐゴシック"/>
-        <a:font script="Hang" typeface="맑은 고딕"/>
-        <a:font script="Hans" typeface="宋体"/>
-        <a:font script="Hant" typeface="新細明體"/>
-        <a:font script="Arab" typeface="Arial"/>
-        <a:font script="Hebr" typeface="Arial"/>
-        <a:font script="Thai" typeface="Cordia New"/>
-        <a:font script="Ethi" typeface="Nyala"/>
-        <a:font script="Beng" typeface="Vrinda"/>
-        <a:font script="Gujr" typeface="Shruti"/>
-        <a:font script="Khmr" typeface="DaunPenh"/>
-        <a:font script="Knda" typeface="Tunga"/>
-        <a:font script="Guru" typeface="Raavi"/>
-        <a:font script="Cans" typeface="Euphemia"/>
-        <a:font script="Cher" typeface="Plantagenet Cherokee"/>
-        <a:font script="Yiii" typeface="Microsoft Yi Baiti"/>
-        <a:font script="Tibt" typeface="Microsoft Himalaya"/>
-        <a:font script="Thaa" typeface="MV Boli"/>
-        <a:font script="Deva" typeface="Mangal"/>
-        <a:font script="Telu" typeface="Gautami"/>
-        <a:font script="Taml" typeface="Latha"/>
-        <a:font script="Syrc" typeface="Estrangelo Edessa"/>
-        <a:font script="Orya" typeface="Kalinga"/>
-        <a:font script="Mlym" typeface="Kartika"/>
-        <a:font script="Laoo" typeface="DokChampa"/>
-        <a:font script="Sinh" typeface="Iskoola Pota"/>
-        <a:font script="Mong" typeface="Mongolian Baiti"/>
-        <a:font script="Viet" typeface="Arial"/>
-        <a:font script="Uigh" typeface="Microsoft Uighur"/>
-        <a:font script="Geor" typeface="Sylfaen"/>
-      </a:minorFont>
-    </a:fontScheme>
-    <a:fmtScheme name="Office">
-      <a:fillStyleLst>
-        <a:solidFill>
-          <a:schemeClr val="phClr"/>
-        </a:solidFill>
-        <a:gradFill rotWithShape="1">
-          <a:gsLst>
-            <a:gs pos="0">
-              <a:schemeClr val="phClr">
-                <a:tint val="50000"/>
-                <a:satMod val="300000"/>
-              </a:schemeClr>
-            </a:gs>
-            <a:gs pos="35000">
-              <a:schemeClr val="phClr">
-                <a:tint val="37000"/>
-                <a:satMod val="300000"/>
-              </a:schemeClr>
-            </a:gs>
-            <a:gs pos="100000">
-              <a:schemeClr val="phClr">
-                <a:tint val="15000"/>
-                <a:satMod val="350000"/>
-              </a:schemeClr>
-            </a:gs>
-          </a:gsLst>
-          <a:lin ang="16200000" scaled="1"/>
-        </a:gradFill>
-        <a:gradFill rotWithShape="1">
-          <a:gsLst>
-            <a:gs pos="0">
-              <a:schemeClr val="phClr">
-                <a:tint val="100000"/>
-                <a:shade val="100000"/>
-                <a:satMod val="130000"/>
-              </a:schemeClr>
-            </a:gs>
-            <a:gs pos="100000">
-              <a:schemeClr val="phClr">
-                <a:tint val="50000"/>
-                <a:shade val="100000"/>
-                <a:satMod val="350000"/>
-              </a:schemeClr>
-            </a:gs>
-          </a:gsLst>
-          <a:lin ang="16200000" scaled="0"/>
-        </a:gradFill>
-      </a:fillStyleLst>
-      <a:lnStyleLst>
-        <a:ln w="9525" cap="flat" cmpd="sng" algn="ctr">
-          <a:solidFill>
-            <a:schemeClr val="phClr">
-              <a:shade val="95000"/>
-              <a:satMod val="105000"/>
-            </a:schemeClr>
-          </a:solidFill>
-          <a:prstDash val="solid"/>
-        </a:ln>
-        <a:ln w="25400" cap="flat" cmpd="sng" algn="ctr">
-          <a:solidFill>
-            <a:schemeClr val="phClr"/>
-          </a:solidFill>
-          <a:prstDash val="solid"/>
-        </a:ln>
-        <a:ln w="38100" cap="flat" cmpd="sng" algn="ctr">
-          <a:solidFill>
-            <a:schemeClr val="phClr"/>
-          </a:solidFill>
-          <a:prstDash val="solid"/>
-        </a:ln>
-      </a:lnStyleLst>
-      <a:effectStyleLst>
-        <a:effectStyle>
-          <a:effectLst>
-            <a:outerShdw blurRad="40000" dist="20000" dir="5400000" rotWithShape="0">
-              <a:srgbClr val="000000">
-                <a:alpha val="38000"/>
-              </a:srgbClr>
-            </a:outerShdw>
-          </a:effectLst>
-        </a:effectStyle>
-        <a:effectStyle>
-          <a:effectLst>
-            <a:outerShdw blurRad="40000" dist="23000" dir="5400000" rotWithShape="0">
-              <a:srgbClr val="000000">
-                <a:alpha val="35000"/>
-              </a:srgbClr>
-            </a:outerShdw>
-          </a:effectLst>
-        </a:effectStyle>
-        <a:effectStyle>
-          <a:effectLst>
-            <a:outerShdw blurRad="40000" dist="23000" dir="5400000" rotWithShape="0">
-              <a:srgbClr val="000000">
-                <a:alpha val="35000"/>
-              </a:srgbClr>
-            </a:outerShdw>
-          </a:effectLst>
-          <a:scene3d>
-            <a:camera prst="orthographicFront">
-              <a:rot lat="0" lon="0" rev="0"/>
-            </a:camera>
-            <a:lightRig rig="threePt" dir="t">
-              <a:rot lat="0" lon="0" rev="1200000"/>
-            </a:lightRig>
-          </a:scene3d>
-          <a:sp3d>
-            <a:bevelT w="63500" h="25400"/>
-          </a:sp3d>
-        </a:effectStyle>
-      </a:effectStyleLst>
-      <a:bgFillStyleLst>
-        <a:solidFill>
-          <a:schemeClr val="phClr"/>
-        </a:solidFill>
-        <a:gradFill rotWithShape="1">
-          <a:gsLst>
-            <a:gs pos="0">
-              <a:schemeClr val="phClr">
-                <a:tint val="40000"/>
-                <a:satMod val="350000"/>
-              </a:schemeClr>
-            </a:gs>
-            <a:gs pos="40000">
-              <a:schemeClr val="phClr">
-                <a:tint val="45000"/>
-                <a:shade val="99000"/>
-                <a:satMod val="350000"/>
-              </a:schemeClr>
-            </a:gs>
-            <a:gs pos="100000">
-              <a:schemeClr val="phClr">
-                <a:shade val="20000"/>
-                <a:satMod val="255000"/>
-              </a:schemeClr>
-            </a:gs>
-          </a:gsLst>
-          <a:path path="circle">
-            <a:fillToRect l="50000" t="-80000" r="50000" b="180000"/>
-          </a:path>
-        </a:gradFill>
-        <a:gradFill rotWithShape="1">
-          <a:gsLst>
-            <a:gs pos="0">
-              <a:schemeClr val="phClr">
-                <a:tint val="80000"/>
-                <a:satMod val="300000"/>
-              </a:schemeClr>
-            </a:gs>
-            <a:gs pos="100000">
-              <a:schemeClr val="phClr">
-                <a:shade val="30000"/>
-                <a:satMod val="200000"/>
-              </a:schemeClr>
-            </a:gs>
-          </a:gsLst>
-          <a:path path="circle">
-            <a:fillToRect l="50000" t="50000" r="50000" b="50000"/>
-          </a:path>
-        </a:gradFill>
-      </a:bgFillStyleLst>
-    </a:fmtScheme>
-  </a:themeElements>
-</a:theme>
 </file>